--- a/Slides/Lecture02 - Generics, Collections, Iterators, and Regular Expressions.pptx
+++ b/Slides/Lecture02 - Generics, Collections, Iterators, and Regular Expressions.pptx
@@ -5,22 +5,23 @@
     <p:sldMasterId id="2147484082" r:id="rId4"/>
   </p:sldMasterIdLst>
   <p:notesMasterIdLst>
-    <p:notesMasterId r:id="rId15"/>
+    <p:notesMasterId r:id="rId16"/>
   </p:notesMasterIdLst>
   <p:handoutMasterIdLst>
-    <p:handoutMasterId r:id="rId16"/>
+    <p:handoutMasterId r:id="rId17"/>
   </p:handoutMasterIdLst>
   <p:sldIdLst>
     <p:sldId id="880" r:id="rId5"/>
     <p:sldId id="1074" r:id="rId6"/>
-    <p:sldId id="1112" r:id="rId7"/>
-    <p:sldId id="1113" r:id="rId8"/>
-    <p:sldId id="1111" r:id="rId9"/>
-    <p:sldId id="1088" r:id="rId10"/>
-    <p:sldId id="1108" r:id="rId11"/>
-    <p:sldId id="1110" r:id="rId12"/>
-    <p:sldId id="1084" r:id="rId13"/>
-    <p:sldId id="1085" r:id="rId14"/>
+    <p:sldId id="1114" r:id="rId7"/>
+    <p:sldId id="1112" r:id="rId8"/>
+    <p:sldId id="1113" r:id="rId9"/>
+    <p:sldId id="1111" r:id="rId10"/>
+    <p:sldId id="1088" r:id="rId11"/>
+    <p:sldId id="1108" r:id="rId12"/>
+    <p:sldId id="1110" r:id="rId13"/>
+    <p:sldId id="1084" r:id="rId14"/>
+    <p:sldId id="1085" r:id="rId15"/>
   </p:sldIdLst>
   <p:sldSz cx="9326563" cy="6994525"/>
   <p:notesSz cx="6858000" cy="9144000"/>
@@ -126,6 +127,7 @@
           <p14:sldIdLst>
             <p14:sldId id="880"/>
             <p14:sldId id="1074"/>
+            <p14:sldId id="1114"/>
             <p14:sldId id="1112"/>
             <p14:sldId id="1113"/>
             <p14:sldId id="1111"/>
@@ -348,7 +350,7 @@
               <a:rPr lang="en-US" smtClean="0">
                 <a:latin typeface="Segoe UI" pitchFamily="34" charset="0"/>
               </a:rPr>
-              <a:t>9/2/2018</a:t>
+              <a:t>9/6/2018</a:t>
             </a:fld>
             <a:endParaRPr lang="en-US" dirty="0">
               <a:latin typeface="Segoe UI" pitchFamily="34" charset="0"/>
@@ -671,7 +673,7 @@
             <a:fld id="{D51B1278-D92B-4AF3-A9C1-71DD298190CE}" type="datetimeFigureOut">
               <a:rPr lang="en-US" smtClean="0"/>
               <a:pPr/>
-              <a:t>9/2/2018</a:t>
+              <a:t>9/6/2018</a:t>
             </a:fld>
             <a:endParaRPr lang="en-US" dirty="0"/>
           </a:p>
@@ -4654,6 +4656,2312 @@
     <p:bg>
       <p:bgPr>
         <a:solidFill>
+          <a:srgbClr val="BA141A"/>
+        </a:solidFill>
+        <a:effectLst/>
+      </p:bgPr>
+    </p:bg>
+    <p:spTree>
+      <p:nvGrpSpPr>
+        <p:cNvPr id="1" name=""/>
+        <p:cNvGrpSpPr/>
+        <p:nvPr/>
+      </p:nvGrpSpPr>
+      <p:grpSpPr>
+        <a:xfrm>
+          <a:off x="0" y="0"/>
+          <a:ext cx="0" cy="0"/>
+          <a:chOff x="0" y="0"/>
+          <a:chExt cx="0" cy="0"/>
+        </a:xfrm>
+      </p:grpSpPr>
+      <p:sp>
+        <p:nvSpPr>
+          <p:cNvPr id="50177" name="Rectangle 1"/>
+          <p:cNvSpPr>
+            <a:spLocks noGrp="1" noChangeArrowheads="1"/>
+          </p:cNvSpPr>
+          <p:nvPr>
+            <p:ph type="title" idx="4294967295"/>
+          </p:nvPr>
+        </p:nvSpPr>
+        <p:spPr>
+          <a:xfrm>
+            <a:off x="0" y="295275"/>
+            <a:ext cx="8778875" cy="917575"/>
+          </a:xfrm>
+          <a:ln/>
+        </p:spPr>
+        <p:txBody>
+          <a:bodyPr/>
+          <a:lstStyle/>
+          <a:p>
+            <a:r>
+              <a:rPr lang="en-US" dirty="0"/>
+              <a:t>Regular Expressions</a:t>
+            </a:r>
+          </a:p>
+        </p:txBody>
+      </p:sp>
+      <p:sp>
+        <p:nvSpPr>
+          <p:cNvPr id="2" name="Slide Number Placeholder 1"/>
+          <p:cNvSpPr>
+            <a:spLocks noGrp="1"/>
+          </p:cNvSpPr>
+          <p:nvPr>
+            <p:ph type="sldNum" sz="quarter" idx="4294967295"/>
+          </p:nvPr>
+        </p:nvSpPr>
+        <p:spPr/>
+        <p:txBody>
+          <a:bodyPr/>
+          <a:lstStyle/>
+          <a:p>
+            <a:fld id="{DAB94411-2297-4BD0-B197-35E3682289EC}" type="slidenum">
+              <a:rPr lang="da-DK" smtClean="0"/>
+              <a:t>10</a:t>
+            </a:fld>
+            <a:endParaRPr lang="da-DK"/>
+          </a:p>
+        </p:txBody>
+      </p:sp>
+      <p:graphicFrame>
+        <p:nvGraphicFramePr>
+          <p:cNvPr id="50178" name="Group 2"/>
+          <p:cNvGraphicFramePr>
+            <a:graphicFrameLocks noGrp="1"/>
+          </p:cNvGraphicFramePr>
+          <p:nvPr>
+            <p:extLst>
+              <p:ext uri="{D42A27DB-BD31-4B8C-83A1-F6EECF244321}">
+                <p14:modId xmlns:p14="http://schemas.microsoft.com/office/powerpoint/2010/main" val="2125153496"/>
+              </p:ext>
+            </p:extLst>
+          </p:nvPr>
+        </p:nvGraphicFramePr>
+        <p:xfrm>
+          <a:off x="1320846" y="1302726"/>
+          <a:ext cx="6684872" cy="5245896"/>
+        </p:xfrm>
+        <a:graphic>
+          <a:graphicData uri="http://schemas.openxmlformats.org/drawingml/2006/table">
+            <a:tbl>
+              <a:tblPr/>
+              <a:tblGrid>
+                <a:gridCol w="784380">
+                  <a:extLst>
+                    <a:ext uri="{9D8B030D-6E8A-4147-A177-3AD203B41FA5}">
+                      <a16:colId xmlns:a16="http://schemas.microsoft.com/office/drawing/2014/main" val="1124367644"/>
+                    </a:ext>
+                  </a:extLst>
+                </a:gridCol>
+                <a:gridCol w="5900492">
+                  <a:extLst>
+                    <a:ext uri="{9D8B030D-6E8A-4147-A177-3AD203B41FA5}">
+                      <a16:colId xmlns:a16="http://schemas.microsoft.com/office/drawing/2014/main" val="157934860"/>
+                    </a:ext>
+                  </a:extLst>
+                </a:gridCol>
+              </a:tblGrid>
+              <a:tr h="437158">
+                <a:tc>
+                  <a:txBody>
+                    <a:bodyPr/>
+                    <a:lstStyle/>
+                    <a:p>
+                      <a:pPr marL="0" marR="0" lvl="0" indent="0" algn="ctr" defTabSz="914400" rtl="0" eaLnBrk="1" fontAlgn="base" latinLnBrk="0" hangingPunct="1">
+                        <a:lnSpc>
+                          <a:spcPct val="100000"/>
+                        </a:lnSpc>
+                        <a:spcBef>
+                          <a:spcPct val="0"/>
+                        </a:spcBef>
+                        <a:spcAft>
+                          <a:spcPct val="0"/>
+                        </a:spcAft>
+                        <a:buClrTx/>
+                        <a:buSzPct val="171000"/>
+                        <a:buFont typeface="Gill Sans" charset="0"/>
+                        <a:buNone/>
+                        <a:tabLst>
+                          <a:tab pos="914400" algn="l"/>
+                        </a:tabLst>
+                      </a:pPr>
+                      <a:r>
+                        <a:rPr kumimoji="0" lang="en-US" sz="1700" b="0" i="0" u="none" strike="noStrike" cap="none" normalizeH="0" baseline="0" dirty="0">
+                          <a:ln>
+                            <a:noFill/>
+                          </a:ln>
+                          <a:solidFill>
+                            <a:schemeClr val="tx1"/>
+                          </a:solidFill>
+                          <a:effectLst/>
+                          <a:latin typeface="Consolas" panose="020B0609020204030204" pitchFamily="49" charset="0"/>
+                          <a:ea typeface="Courier" charset="0"/>
+                          <a:cs typeface="Consolas" panose="020B0609020204030204" pitchFamily="49" charset="0"/>
+                          <a:sym typeface="Courier" charset="0"/>
+                        </a:rPr>
+                        <a:t>*</a:t>
+                      </a:r>
+                    </a:p>
+                  </a:txBody>
+                  <a:tcPr marL="36430" marR="36430" marT="36430" marB="36430" anchor="ctr" horzOverflow="overflow">
+                    <a:lnL w="28575" cap="flat" cmpd="sng" algn="ctr">
+                      <a:solidFill>
+                        <a:schemeClr val="tx1"/>
+                      </a:solidFill>
+                      <a:prstDash val="solid"/>
+                      <a:round/>
+                      <a:headEnd type="none" w="med" len="med"/>
+                      <a:tailEnd type="none" w="med" len="med"/>
+                    </a:lnL>
+                    <a:lnR w="28575" cap="flat" cmpd="sng" algn="ctr">
+                      <a:solidFill>
+                        <a:schemeClr val="tx1"/>
+                      </a:solidFill>
+                      <a:prstDash val="solid"/>
+                      <a:round/>
+                      <a:headEnd type="none" w="med" len="med"/>
+                      <a:tailEnd type="none" w="med" len="med"/>
+                    </a:lnR>
+                    <a:lnT w="28575" cap="flat" cmpd="sng" algn="ctr">
+                      <a:solidFill>
+                        <a:schemeClr val="tx1"/>
+                      </a:solidFill>
+                      <a:prstDash val="solid"/>
+                      <a:round/>
+                      <a:headEnd type="none" w="med" len="med"/>
+                      <a:tailEnd type="none" w="med" len="med"/>
+                    </a:lnT>
+                    <a:lnB w="28575" cap="flat" cmpd="sng" algn="ctr">
+                      <a:solidFill>
+                        <a:schemeClr val="tx1"/>
+                      </a:solidFill>
+                      <a:prstDash val="solid"/>
+                      <a:round/>
+                      <a:headEnd type="none" w="med" len="med"/>
+                      <a:tailEnd type="none" w="med" len="med"/>
+                    </a:lnB>
+                    <a:lnTlToBr>
+                      <a:noFill/>
+                    </a:lnTlToBr>
+                    <a:lnBlToTr>
+                      <a:noFill/>
+                    </a:lnBlToTr>
+                    <a:noFill/>
+                  </a:tcPr>
+                </a:tc>
+                <a:tc>
+                  <a:txBody>
+                    <a:bodyPr/>
+                    <a:lstStyle/>
+                    <a:p>
+                      <a:pPr marL="0" marR="0" lvl="0" indent="0" algn="ctr" defTabSz="914400" rtl="0" eaLnBrk="1" fontAlgn="base" latinLnBrk="0" hangingPunct="1">
+                        <a:lnSpc>
+                          <a:spcPct val="100000"/>
+                        </a:lnSpc>
+                        <a:spcBef>
+                          <a:spcPct val="0"/>
+                        </a:spcBef>
+                        <a:spcAft>
+                          <a:spcPct val="0"/>
+                        </a:spcAft>
+                        <a:buClrTx/>
+                        <a:buSzPct val="171000"/>
+                        <a:buFont typeface="Gill Sans" charset="0"/>
+                        <a:buNone/>
+                        <a:tabLst>
+                          <a:tab pos="914400" algn="l"/>
+                        </a:tabLst>
+                      </a:pPr>
+                      <a:r>
+                        <a:rPr kumimoji="0" lang="en-US" sz="1700" b="0" i="0" u="none" strike="noStrike" cap="none" normalizeH="0" baseline="0" dirty="0">
+                          <a:ln>
+                            <a:noFill/>
+                          </a:ln>
+                          <a:solidFill>
+                            <a:schemeClr val="tx1"/>
+                          </a:solidFill>
+                          <a:effectLst/>
+                          <a:latin typeface="+mj-lt"/>
+                          <a:ea typeface="Courier" charset="0"/>
+                          <a:cs typeface="Courier" charset="0"/>
+                          <a:sym typeface="Courier" charset="0"/>
+                        </a:rPr>
+                        <a:t>Zero or more times the previous character</a:t>
+                      </a:r>
+                    </a:p>
+                  </a:txBody>
+                  <a:tcPr marL="36430" marR="36430" marT="36430" marB="36430" anchor="ctr" horzOverflow="overflow">
+                    <a:lnL w="28575" cap="flat" cmpd="sng" algn="ctr">
+                      <a:solidFill>
+                        <a:schemeClr val="tx1"/>
+                      </a:solidFill>
+                      <a:prstDash val="solid"/>
+                      <a:round/>
+                      <a:headEnd type="none" w="med" len="med"/>
+                      <a:tailEnd type="none" w="med" len="med"/>
+                    </a:lnL>
+                    <a:lnR w="28575" cap="flat" cmpd="sng" algn="ctr">
+                      <a:solidFill>
+                        <a:schemeClr val="tx1"/>
+                      </a:solidFill>
+                      <a:prstDash val="solid"/>
+                      <a:round/>
+                      <a:headEnd type="none" w="med" len="med"/>
+                      <a:tailEnd type="none" w="med" len="med"/>
+                    </a:lnR>
+                    <a:lnT w="28575" cap="flat" cmpd="sng" algn="ctr">
+                      <a:solidFill>
+                        <a:schemeClr val="tx1"/>
+                      </a:solidFill>
+                      <a:prstDash val="solid"/>
+                      <a:round/>
+                      <a:headEnd type="none" w="med" len="med"/>
+                      <a:tailEnd type="none" w="med" len="med"/>
+                    </a:lnT>
+                    <a:lnB w="28575" cap="flat" cmpd="sng" algn="ctr">
+                      <a:solidFill>
+                        <a:schemeClr val="tx1"/>
+                      </a:solidFill>
+                      <a:prstDash val="solid"/>
+                      <a:round/>
+                      <a:headEnd type="none" w="med" len="med"/>
+                      <a:tailEnd type="none" w="med" len="med"/>
+                    </a:lnB>
+                    <a:lnTlToBr>
+                      <a:noFill/>
+                    </a:lnTlToBr>
+                    <a:lnBlToTr>
+                      <a:noFill/>
+                    </a:lnBlToTr>
+                    <a:noFill/>
+                  </a:tcPr>
+                </a:tc>
+                <a:extLst>
+                  <a:ext uri="{0D108BD9-81ED-4DB2-BD59-A6C34878D82A}">
+                    <a16:rowId xmlns:a16="http://schemas.microsoft.com/office/drawing/2014/main" val="1378179834"/>
+                  </a:ext>
+                </a:extLst>
+              </a:tr>
+              <a:tr h="437158">
+                <a:tc>
+                  <a:txBody>
+                    <a:bodyPr/>
+                    <a:lstStyle/>
+                    <a:p>
+                      <a:pPr marL="0" marR="0" lvl="0" indent="0" algn="ctr" defTabSz="914400" rtl="0" eaLnBrk="1" fontAlgn="base" latinLnBrk="0" hangingPunct="1">
+                        <a:lnSpc>
+                          <a:spcPct val="100000"/>
+                        </a:lnSpc>
+                        <a:spcBef>
+                          <a:spcPct val="0"/>
+                        </a:spcBef>
+                        <a:spcAft>
+                          <a:spcPct val="0"/>
+                        </a:spcAft>
+                        <a:buClrTx/>
+                        <a:buSzPct val="171000"/>
+                        <a:buFont typeface="Gill Sans" charset="0"/>
+                        <a:buNone/>
+                        <a:tabLst>
+                          <a:tab pos="914400" algn="l"/>
+                        </a:tabLst>
+                      </a:pPr>
+                      <a:r>
+                        <a:rPr kumimoji="0" lang="en-US" sz="1700" b="0" i="0" u="none" strike="noStrike" cap="none" normalizeH="0" baseline="0" dirty="0">
+                          <a:ln>
+                            <a:noFill/>
+                          </a:ln>
+                          <a:solidFill>
+                            <a:schemeClr val="tx1"/>
+                          </a:solidFill>
+                          <a:effectLst/>
+                          <a:latin typeface="Consolas" panose="020B0609020204030204" pitchFamily="49" charset="0"/>
+                          <a:ea typeface="Courier" charset="0"/>
+                          <a:cs typeface="Consolas" panose="020B0609020204030204" pitchFamily="49" charset="0"/>
+                          <a:sym typeface="Courier" charset="0"/>
+                        </a:rPr>
+                        <a:t>+</a:t>
+                      </a:r>
+                    </a:p>
+                  </a:txBody>
+                  <a:tcPr marL="36430" marR="36430" marT="36430" marB="36430" anchor="ctr" horzOverflow="overflow">
+                    <a:lnL w="28575" cap="flat" cmpd="sng" algn="ctr">
+                      <a:solidFill>
+                        <a:schemeClr val="tx1"/>
+                      </a:solidFill>
+                      <a:prstDash val="solid"/>
+                      <a:round/>
+                      <a:headEnd type="none" w="med" len="med"/>
+                      <a:tailEnd type="none" w="med" len="med"/>
+                    </a:lnL>
+                    <a:lnR w="28575" cap="flat" cmpd="sng" algn="ctr">
+                      <a:solidFill>
+                        <a:schemeClr val="tx1"/>
+                      </a:solidFill>
+                      <a:prstDash val="solid"/>
+                      <a:round/>
+                      <a:headEnd type="none" w="med" len="med"/>
+                      <a:tailEnd type="none" w="med" len="med"/>
+                    </a:lnR>
+                    <a:lnT w="28575" cap="flat" cmpd="sng" algn="ctr">
+                      <a:solidFill>
+                        <a:schemeClr val="tx1"/>
+                      </a:solidFill>
+                      <a:prstDash val="solid"/>
+                      <a:round/>
+                      <a:headEnd type="none" w="med" len="med"/>
+                      <a:tailEnd type="none" w="med" len="med"/>
+                    </a:lnT>
+                    <a:lnB w="28575" cap="flat" cmpd="sng" algn="ctr">
+                      <a:solidFill>
+                        <a:schemeClr val="tx1"/>
+                      </a:solidFill>
+                      <a:prstDash val="solid"/>
+                      <a:round/>
+                      <a:headEnd type="none" w="med" len="med"/>
+                      <a:tailEnd type="none" w="med" len="med"/>
+                    </a:lnB>
+                    <a:lnTlToBr>
+                      <a:noFill/>
+                    </a:lnTlToBr>
+                    <a:lnBlToTr>
+                      <a:noFill/>
+                    </a:lnBlToTr>
+                    <a:noFill/>
+                  </a:tcPr>
+                </a:tc>
+                <a:tc>
+                  <a:txBody>
+                    <a:bodyPr/>
+                    <a:lstStyle/>
+                    <a:p>
+                      <a:pPr marL="0" marR="0" lvl="0" indent="0" algn="ctr" defTabSz="914400" rtl="0" eaLnBrk="1" fontAlgn="base" latinLnBrk="0" hangingPunct="1">
+                        <a:lnSpc>
+                          <a:spcPct val="100000"/>
+                        </a:lnSpc>
+                        <a:spcBef>
+                          <a:spcPct val="0"/>
+                        </a:spcBef>
+                        <a:spcAft>
+                          <a:spcPct val="0"/>
+                        </a:spcAft>
+                        <a:buClrTx/>
+                        <a:buSzPct val="171000"/>
+                        <a:buFont typeface="Gill Sans" charset="0"/>
+                        <a:buNone/>
+                        <a:tabLst>
+                          <a:tab pos="914400" algn="l"/>
+                        </a:tabLst>
+                      </a:pPr>
+                      <a:r>
+                        <a:rPr kumimoji="0" lang="en-US" sz="1700" b="0" i="0" u="none" strike="noStrike" cap="none" normalizeH="0" baseline="0">
+                          <a:ln>
+                            <a:noFill/>
+                          </a:ln>
+                          <a:solidFill>
+                            <a:schemeClr val="tx1"/>
+                          </a:solidFill>
+                          <a:effectLst/>
+                          <a:latin typeface="+mj-lt"/>
+                          <a:ea typeface="Courier" charset="0"/>
+                          <a:cs typeface="Courier" charset="0"/>
+                          <a:sym typeface="Courier" charset="0"/>
+                        </a:rPr>
+                        <a:t>Once or more times the previous character</a:t>
+                      </a:r>
+                    </a:p>
+                  </a:txBody>
+                  <a:tcPr marL="36430" marR="36430" marT="36430" marB="36430" anchor="ctr" horzOverflow="overflow">
+                    <a:lnL w="28575" cap="flat" cmpd="sng" algn="ctr">
+                      <a:solidFill>
+                        <a:schemeClr val="tx1"/>
+                      </a:solidFill>
+                      <a:prstDash val="solid"/>
+                      <a:round/>
+                      <a:headEnd type="none" w="med" len="med"/>
+                      <a:tailEnd type="none" w="med" len="med"/>
+                    </a:lnL>
+                    <a:lnR w="28575" cap="flat" cmpd="sng" algn="ctr">
+                      <a:solidFill>
+                        <a:schemeClr val="tx1"/>
+                      </a:solidFill>
+                      <a:prstDash val="solid"/>
+                      <a:round/>
+                      <a:headEnd type="none" w="med" len="med"/>
+                      <a:tailEnd type="none" w="med" len="med"/>
+                    </a:lnR>
+                    <a:lnT w="28575" cap="flat" cmpd="sng" algn="ctr">
+                      <a:solidFill>
+                        <a:schemeClr val="tx1"/>
+                      </a:solidFill>
+                      <a:prstDash val="solid"/>
+                      <a:round/>
+                      <a:headEnd type="none" w="med" len="med"/>
+                      <a:tailEnd type="none" w="med" len="med"/>
+                    </a:lnT>
+                    <a:lnB w="28575" cap="flat" cmpd="sng" algn="ctr">
+                      <a:solidFill>
+                        <a:schemeClr val="tx1"/>
+                      </a:solidFill>
+                      <a:prstDash val="solid"/>
+                      <a:round/>
+                      <a:headEnd type="none" w="med" len="med"/>
+                      <a:tailEnd type="none" w="med" len="med"/>
+                    </a:lnB>
+                    <a:lnTlToBr>
+                      <a:noFill/>
+                    </a:lnTlToBr>
+                    <a:lnBlToTr>
+                      <a:noFill/>
+                    </a:lnBlToTr>
+                    <a:noFill/>
+                  </a:tcPr>
+                </a:tc>
+                <a:extLst>
+                  <a:ext uri="{0D108BD9-81ED-4DB2-BD59-A6C34878D82A}">
+                    <a16:rowId xmlns:a16="http://schemas.microsoft.com/office/drawing/2014/main" val="3936917372"/>
+                  </a:ext>
+                </a:extLst>
+              </a:tr>
+              <a:tr h="437158">
+                <a:tc>
+                  <a:txBody>
+                    <a:bodyPr/>
+                    <a:lstStyle/>
+                    <a:p>
+                      <a:pPr marL="0" marR="0" lvl="0" indent="0" algn="ctr" defTabSz="914400" rtl="0" eaLnBrk="1" fontAlgn="base" latinLnBrk="0" hangingPunct="1">
+                        <a:lnSpc>
+                          <a:spcPct val="100000"/>
+                        </a:lnSpc>
+                        <a:spcBef>
+                          <a:spcPct val="0"/>
+                        </a:spcBef>
+                        <a:spcAft>
+                          <a:spcPct val="0"/>
+                        </a:spcAft>
+                        <a:buClrTx/>
+                        <a:buSzPct val="171000"/>
+                        <a:buFont typeface="Gill Sans" charset="0"/>
+                        <a:buNone/>
+                        <a:tabLst>
+                          <a:tab pos="914400" algn="l"/>
+                        </a:tabLst>
+                      </a:pPr>
+                      <a:r>
+                        <a:rPr kumimoji="0" lang="en-US" sz="1700" b="0" i="0" u="none" strike="noStrike" cap="none" normalizeH="0" baseline="0">
+                          <a:ln>
+                            <a:noFill/>
+                          </a:ln>
+                          <a:solidFill>
+                            <a:schemeClr val="tx1"/>
+                          </a:solidFill>
+                          <a:effectLst/>
+                          <a:latin typeface="Consolas" panose="020B0609020204030204" pitchFamily="49" charset="0"/>
+                          <a:ea typeface="Courier" charset="0"/>
+                          <a:cs typeface="Consolas" panose="020B0609020204030204" pitchFamily="49" charset="0"/>
+                          <a:sym typeface="Courier" charset="0"/>
+                        </a:rPr>
+                        <a:t>?</a:t>
+                      </a:r>
+                    </a:p>
+                  </a:txBody>
+                  <a:tcPr marL="36430" marR="36430" marT="36430" marB="36430" anchor="ctr" horzOverflow="overflow">
+                    <a:lnL w="28575" cap="flat" cmpd="sng" algn="ctr">
+                      <a:solidFill>
+                        <a:schemeClr val="tx1"/>
+                      </a:solidFill>
+                      <a:prstDash val="solid"/>
+                      <a:round/>
+                      <a:headEnd type="none" w="med" len="med"/>
+                      <a:tailEnd type="none" w="med" len="med"/>
+                    </a:lnL>
+                    <a:lnR w="28575" cap="flat" cmpd="sng" algn="ctr">
+                      <a:solidFill>
+                        <a:schemeClr val="tx1"/>
+                      </a:solidFill>
+                      <a:prstDash val="solid"/>
+                      <a:round/>
+                      <a:headEnd type="none" w="med" len="med"/>
+                      <a:tailEnd type="none" w="med" len="med"/>
+                    </a:lnR>
+                    <a:lnT w="28575" cap="flat" cmpd="sng" algn="ctr">
+                      <a:solidFill>
+                        <a:schemeClr val="tx1"/>
+                      </a:solidFill>
+                      <a:prstDash val="solid"/>
+                      <a:round/>
+                      <a:headEnd type="none" w="med" len="med"/>
+                      <a:tailEnd type="none" w="med" len="med"/>
+                    </a:lnT>
+                    <a:lnB w="28575" cap="flat" cmpd="sng" algn="ctr">
+                      <a:solidFill>
+                        <a:schemeClr val="tx1"/>
+                      </a:solidFill>
+                      <a:prstDash val="solid"/>
+                      <a:round/>
+                      <a:headEnd type="none" w="med" len="med"/>
+                      <a:tailEnd type="none" w="med" len="med"/>
+                    </a:lnB>
+                    <a:lnTlToBr>
+                      <a:noFill/>
+                    </a:lnTlToBr>
+                    <a:lnBlToTr>
+                      <a:noFill/>
+                    </a:lnBlToTr>
+                    <a:noFill/>
+                  </a:tcPr>
+                </a:tc>
+                <a:tc>
+                  <a:txBody>
+                    <a:bodyPr/>
+                    <a:lstStyle/>
+                    <a:p>
+                      <a:pPr marL="0" marR="0" lvl="0" indent="0" algn="ctr" defTabSz="914400" rtl="0" eaLnBrk="1" fontAlgn="base" latinLnBrk="0" hangingPunct="1">
+                        <a:lnSpc>
+                          <a:spcPct val="100000"/>
+                        </a:lnSpc>
+                        <a:spcBef>
+                          <a:spcPct val="0"/>
+                        </a:spcBef>
+                        <a:spcAft>
+                          <a:spcPct val="0"/>
+                        </a:spcAft>
+                        <a:buClrTx/>
+                        <a:buSzPct val="171000"/>
+                        <a:buFont typeface="Gill Sans" charset="0"/>
+                        <a:buNone/>
+                        <a:tabLst>
+                          <a:tab pos="914400" algn="l"/>
+                        </a:tabLst>
+                      </a:pPr>
+                      <a:r>
+                        <a:rPr kumimoji="0" lang="en-US" sz="1700" b="0" i="0" u="none" strike="noStrike" cap="none" normalizeH="0" baseline="0" dirty="0">
+                          <a:ln>
+                            <a:noFill/>
+                          </a:ln>
+                          <a:solidFill>
+                            <a:schemeClr val="tx1"/>
+                          </a:solidFill>
+                          <a:effectLst/>
+                          <a:latin typeface="+mj-lt"/>
+                          <a:ea typeface="Courier" charset="0"/>
+                          <a:cs typeface="Courier" charset="0"/>
+                          <a:sym typeface="Courier" charset="0"/>
+                        </a:rPr>
+                        <a:t>Zero or one time the previous character</a:t>
+                      </a:r>
+                    </a:p>
+                  </a:txBody>
+                  <a:tcPr marL="36430" marR="36430" marT="36430" marB="36430" anchor="ctr" horzOverflow="overflow">
+                    <a:lnL w="28575" cap="flat" cmpd="sng" algn="ctr">
+                      <a:solidFill>
+                        <a:schemeClr val="tx1"/>
+                      </a:solidFill>
+                      <a:prstDash val="solid"/>
+                      <a:round/>
+                      <a:headEnd type="none" w="med" len="med"/>
+                      <a:tailEnd type="none" w="med" len="med"/>
+                    </a:lnL>
+                    <a:lnR w="28575" cap="flat" cmpd="sng" algn="ctr">
+                      <a:solidFill>
+                        <a:schemeClr val="tx1"/>
+                      </a:solidFill>
+                      <a:prstDash val="solid"/>
+                      <a:round/>
+                      <a:headEnd type="none" w="med" len="med"/>
+                      <a:tailEnd type="none" w="med" len="med"/>
+                    </a:lnR>
+                    <a:lnT w="28575" cap="flat" cmpd="sng" algn="ctr">
+                      <a:solidFill>
+                        <a:schemeClr val="tx1"/>
+                      </a:solidFill>
+                      <a:prstDash val="solid"/>
+                      <a:round/>
+                      <a:headEnd type="none" w="med" len="med"/>
+                      <a:tailEnd type="none" w="med" len="med"/>
+                    </a:lnT>
+                    <a:lnB w="28575" cap="flat" cmpd="sng" algn="ctr">
+                      <a:solidFill>
+                        <a:schemeClr val="tx1"/>
+                      </a:solidFill>
+                      <a:prstDash val="solid"/>
+                      <a:round/>
+                      <a:headEnd type="none" w="med" len="med"/>
+                      <a:tailEnd type="none" w="med" len="med"/>
+                    </a:lnB>
+                    <a:lnTlToBr>
+                      <a:noFill/>
+                    </a:lnTlToBr>
+                    <a:lnBlToTr>
+                      <a:noFill/>
+                    </a:lnBlToTr>
+                    <a:noFill/>
+                  </a:tcPr>
+                </a:tc>
+                <a:extLst>
+                  <a:ext uri="{0D108BD9-81ED-4DB2-BD59-A6C34878D82A}">
+                    <a16:rowId xmlns:a16="http://schemas.microsoft.com/office/drawing/2014/main" val="1579018169"/>
+                  </a:ext>
+                </a:extLst>
+              </a:tr>
+              <a:tr h="437158">
+                <a:tc>
+                  <a:txBody>
+                    <a:bodyPr/>
+                    <a:lstStyle/>
+                    <a:p>
+                      <a:pPr marL="0" marR="0" lvl="0" indent="0" algn="ctr" defTabSz="914400" rtl="0" eaLnBrk="1" fontAlgn="base" latinLnBrk="0" hangingPunct="1">
+                        <a:lnSpc>
+                          <a:spcPct val="100000"/>
+                        </a:lnSpc>
+                        <a:spcBef>
+                          <a:spcPct val="0"/>
+                        </a:spcBef>
+                        <a:spcAft>
+                          <a:spcPct val="0"/>
+                        </a:spcAft>
+                        <a:buClrTx/>
+                        <a:buSzPct val="171000"/>
+                        <a:buFont typeface="Gill Sans" charset="0"/>
+                        <a:buNone/>
+                        <a:tabLst>
+                          <a:tab pos="914400" algn="l"/>
+                        </a:tabLst>
+                      </a:pPr>
+                      <a:r>
+                        <a:rPr kumimoji="0" lang="en-US" sz="1700" b="0" i="0" u="none" strike="noStrike" cap="none" normalizeH="0" baseline="0" dirty="0">
+                          <a:ln>
+                            <a:noFill/>
+                          </a:ln>
+                          <a:solidFill>
+                            <a:schemeClr val="tx1"/>
+                          </a:solidFill>
+                          <a:effectLst/>
+                          <a:latin typeface="Consolas" panose="020B0609020204030204" pitchFamily="49" charset="0"/>
+                          <a:ea typeface="Courier" charset="0"/>
+                          <a:cs typeface="Consolas" panose="020B0609020204030204" pitchFamily="49" charset="0"/>
+                          <a:sym typeface="Courier" charset="0"/>
+                        </a:rPr>
+                        <a:t>.</a:t>
+                      </a:r>
+                    </a:p>
+                  </a:txBody>
+                  <a:tcPr marL="36430" marR="36430" marT="36430" marB="36430" anchor="ctr" horzOverflow="overflow">
+                    <a:lnL w="28575" cap="flat" cmpd="sng" algn="ctr">
+                      <a:solidFill>
+                        <a:schemeClr val="tx1"/>
+                      </a:solidFill>
+                      <a:prstDash val="solid"/>
+                      <a:round/>
+                      <a:headEnd type="none" w="med" len="med"/>
+                      <a:tailEnd type="none" w="med" len="med"/>
+                    </a:lnL>
+                    <a:lnR w="28575" cap="flat" cmpd="sng" algn="ctr">
+                      <a:solidFill>
+                        <a:schemeClr val="tx1"/>
+                      </a:solidFill>
+                      <a:prstDash val="solid"/>
+                      <a:round/>
+                      <a:headEnd type="none" w="med" len="med"/>
+                      <a:tailEnd type="none" w="med" len="med"/>
+                    </a:lnR>
+                    <a:lnT w="28575" cap="flat" cmpd="sng" algn="ctr">
+                      <a:solidFill>
+                        <a:schemeClr val="tx1"/>
+                      </a:solidFill>
+                      <a:prstDash val="solid"/>
+                      <a:round/>
+                      <a:headEnd type="none" w="med" len="med"/>
+                      <a:tailEnd type="none" w="med" len="med"/>
+                    </a:lnT>
+                    <a:lnB w="28575" cap="flat" cmpd="sng" algn="ctr">
+                      <a:solidFill>
+                        <a:schemeClr val="tx1"/>
+                      </a:solidFill>
+                      <a:prstDash val="solid"/>
+                      <a:round/>
+                      <a:headEnd type="none" w="med" len="med"/>
+                      <a:tailEnd type="none" w="med" len="med"/>
+                    </a:lnB>
+                    <a:lnTlToBr>
+                      <a:noFill/>
+                    </a:lnTlToBr>
+                    <a:lnBlToTr>
+                      <a:noFill/>
+                    </a:lnBlToTr>
+                    <a:noFill/>
+                  </a:tcPr>
+                </a:tc>
+                <a:tc>
+                  <a:txBody>
+                    <a:bodyPr/>
+                    <a:lstStyle/>
+                    <a:p>
+                      <a:pPr marL="0" marR="0" lvl="0" indent="0" algn="ctr" defTabSz="914400" rtl="0" eaLnBrk="1" fontAlgn="base" latinLnBrk="0" hangingPunct="1">
+                        <a:lnSpc>
+                          <a:spcPct val="100000"/>
+                        </a:lnSpc>
+                        <a:spcBef>
+                          <a:spcPct val="0"/>
+                        </a:spcBef>
+                        <a:spcAft>
+                          <a:spcPct val="0"/>
+                        </a:spcAft>
+                        <a:buClrTx/>
+                        <a:buSzPct val="171000"/>
+                        <a:buFont typeface="Gill Sans" charset="0"/>
+                        <a:buNone/>
+                        <a:tabLst>
+                          <a:tab pos="914400" algn="l"/>
+                        </a:tabLst>
+                      </a:pPr>
+                      <a:r>
+                        <a:rPr kumimoji="0" lang="en-US" sz="1700" b="0" i="0" u="none" strike="noStrike" cap="none" normalizeH="0" baseline="0">
+                          <a:ln>
+                            <a:noFill/>
+                          </a:ln>
+                          <a:solidFill>
+                            <a:schemeClr val="tx1"/>
+                          </a:solidFill>
+                          <a:effectLst/>
+                          <a:latin typeface="+mj-lt"/>
+                          <a:ea typeface="Courier" charset="0"/>
+                          <a:cs typeface="Courier" charset="0"/>
+                          <a:sym typeface="Courier" charset="0"/>
+                        </a:rPr>
+                        <a:t>Any single character (not \n)</a:t>
+                      </a:r>
+                    </a:p>
+                  </a:txBody>
+                  <a:tcPr marL="36430" marR="36430" marT="36430" marB="36430" anchor="ctr" horzOverflow="overflow">
+                    <a:lnL w="28575" cap="flat" cmpd="sng" algn="ctr">
+                      <a:solidFill>
+                        <a:schemeClr val="tx1"/>
+                      </a:solidFill>
+                      <a:prstDash val="solid"/>
+                      <a:round/>
+                      <a:headEnd type="none" w="med" len="med"/>
+                      <a:tailEnd type="none" w="med" len="med"/>
+                    </a:lnL>
+                    <a:lnR w="28575" cap="flat" cmpd="sng" algn="ctr">
+                      <a:solidFill>
+                        <a:schemeClr val="tx1"/>
+                      </a:solidFill>
+                      <a:prstDash val="solid"/>
+                      <a:round/>
+                      <a:headEnd type="none" w="med" len="med"/>
+                      <a:tailEnd type="none" w="med" len="med"/>
+                    </a:lnR>
+                    <a:lnT w="28575" cap="flat" cmpd="sng" algn="ctr">
+                      <a:solidFill>
+                        <a:schemeClr val="tx1"/>
+                      </a:solidFill>
+                      <a:prstDash val="solid"/>
+                      <a:round/>
+                      <a:headEnd type="none" w="med" len="med"/>
+                      <a:tailEnd type="none" w="med" len="med"/>
+                    </a:lnT>
+                    <a:lnB w="28575" cap="flat" cmpd="sng" algn="ctr">
+                      <a:solidFill>
+                        <a:schemeClr val="tx1"/>
+                      </a:solidFill>
+                      <a:prstDash val="solid"/>
+                      <a:round/>
+                      <a:headEnd type="none" w="med" len="med"/>
+                      <a:tailEnd type="none" w="med" len="med"/>
+                    </a:lnB>
+                    <a:lnTlToBr>
+                      <a:noFill/>
+                    </a:lnTlToBr>
+                    <a:lnBlToTr>
+                      <a:noFill/>
+                    </a:lnBlToTr>
+                    <a:noFill/>
+                  </a:tcPr>
+                </a:tc>
+                <a:extLst>
+                  <a:ext uri="{0D108BD9-81ED-4DB2-BD59-A6C34878D82A}">
+                    <a16:rowId xmlns:a16="http://schemas.microsoft.com/office/drawing/2014/main" val="2988806897"/>
+                  </a:ext>
+                </a:extLst>
+              </a:tr>
+              <a:tr h="437158">
+                <a:tc>
+                  <a:txBody>
+                    <a:bodyPr/>
+                    <a:lstStyle/>
+                    <a:p>
+                      <a:pPr marL="0" marR="0" lvl="0" indent="0" algn="ctr" defTabSz="914400" rtl="0" eaLnBrk="1" fontAlgn="base" latinLnBrk="0" hangingPunct="1">
+                        <a:lnSpc>
+                          <a:spcPct val="100000"/>
+                        </a:lnSpc>
+                        <a:spcBef>
+                          <a:spcPct val="0"/>
+                        </a:spcBef>
+                        <a:spcAft>
+                          <a:spcPct val="0"/>
+                        </a:spcAft>
+                        <a:buClrTx/>
+                        <a:buSzPct val="171000"/>
+                        <a:buFont typeface="Gill Sans" charset="0"/>
+                        <a:buNone/>
+                        <a:tabLst>
+                          <a:tab pos="914400" algn="l"/>
+                        </a:tabLst>
+                      </a:pPr>
+                      <a:r>
+                        <a:rPr kumimoji="0" lang="en-US" sz="1700" b="0" i="0" u="none" strike="noStrike" cap="none" normalizeH="0" baseline="0">
+                          <a:ln>
+                            <a:noFill/>
+                          </a:ln>
+                          <a:solidFill>
+                            <a:schemeClr val="tx1"/>
+                          </a:solidFill>
+                          <a:effectLst/>
+                          <a:latin typeface="Consolas" panose="020B0609020204030204" pitchFamily="49" charset="0"/>
+                          <a:ea typeface="Courier" charset="0"/>
+                          <a:cs typeface="Consolas" panose="020B0609020204030204" pitchFamily="49" charset="0"/>
+                          <a:sym typeface="Courier" charset="0"/>
+                        </a:rPr>
+                        <a:t>\s</a:t>
+                      </a:r>
+                    </a:p>
+                  </a:txBody>
+                  <a:tcPr marL="36430" marR="36430" marT="36430" marB="36430" anchor="ctr" horzOverflow="overflow">
+                    <a:lnL w="28575" cap="flat" cmpd="sng" algn="ctr">
+                      <a:solidFill>
+                        <a:schemeClr val="tx1"/>
+                      </a:solidFill>
+                      <a:prstDash val="solid"/>
+                      <a:round/>
+                      <a:headEnd type="none" w="med" len="med"/>
+                      <a:tailEnd type="none" w="med" len="med"/>
+                    </a:lnL>
+                    <a:lnR w="28575" cap="flat" cmpd="sng" algn="ctr">
+                      <a:solidFill>
+                        <a:schemeClr val="tx1"/>
+                      </a:solidFill>
+                      <a:prstDash val="solid"/>
+                      <a:round/>
+                      <a:headEnd type="none" w="med" len="med"/>
+                      <a:tailEnd type="none" w="med" len="med"/>
+                    </a:lnR>
+                    <a:lnT w="28575" cap="flat" cmpd="sng" algn="ctr">
+                      <a:solidFill>
+                        <a:schemeClr val="tx1"/>
+                      </a:solidFill>
+                      <a:prstDash val="solid"/>
+                      <a:round/>
+                      <a:headEnd type="none" w="med" len="med"/>
+                      <a:tailEnd type="none" w="med" len="med"/>
+                    </a:lnT>
+                    <a:lnB w="28575" cap="flat" cmpd="sng" algn="ctr">
+                      <a:solidFill>
+                        <a:schemeClr val="tx1"/>
+                      </a:solidFill>
+                      <a:prstDash val="solid"/>
+                      <a:round/>
+                      <a:headEnd type="none" w="med" len="med"/>
+                      <a:tailEnd type="none" w="med" len="med"/>
+                    </a:lnB>
+                    <a:lnTlToBr>
+                      <a:noFill/>
+                    </a:lnTlToBr>
+                    <a:lnBlToTr>
+                      <a:noFill/>
+                    </a:lnBlToTr>
+                    <a:noFill/>
+                  </a:tcPr>
+                </a:tc>
+                <a:tc>
+                  <a:txBody>
+                    <a:bodyPr/>
+                    <a:lstStyle/>
+                    <a:p>
+                      <a:pPr marL="0" marR="0" lvl="0" indent="0" algn="ctr" defTabSz="914400" rtl="0" eaLnBrk="1" fontAlgn="base" latinLnBrk="0" hangingPunct="1">
+                        <a:lnSpc>
+                          <a:spcPct val="100000"/>
+                        </a:lnSpc>
+                        <a:spcBef>
+                          <a:spcPct val="0"/>
+                        </a:spcBef>
+                        <a:spcAft>
+                          <a:spcPct val="0"/>
+                        </a:spcAft>
+                        <a:buClrTx/>
+                        <a:buSzPct val="171000"/>
+                        <a:buFont typeface="Gill Sans" charset="0"/>
+                        <a:buNone/>
+                        <a:tabLst>
+                          <a:tab pos="914400" algn="l"/>
+                        </a:tabLst>
+                      </a:pPr>
+                      <a:r>
+                        <a:rPr kumimoji="0" lang="en-US" sz="1700" b="0" i="0" u="none" strike="noStrike" cap="none" normalizeH="0" baseline="0">
+                          <a:ln>
+                            <a:noFill/>
+                          </a:ln>
+                          <a:solidFill>
+                            <a:schemeClr val="tx1"/>
+                          </a:solidFill>
+                          <a:effectLst/>
+                          <a:latin typeface="+mj-lt"/>
+                          <a:ea typeface="Courier" charset="0"/>
+                          <a:cs typeface="Courier" charset="0"/>
+                          <a:sym typeface="Courier" charset="0"/>
+                        </a:rPr>
+                        <a:t>Any whitespace character (e.g. tab)</a:t>
+                      </a:r>
+                    </a:p>
+                  </a:txBody>
+                  <a:tcPr marL="36430" marR="36430" marT="36430" marB="36430" anchor="ctr" horzOverflow="overflow">
+                    <a:lnL w="28575" cap="flat" cmpd="sng" algn="ctr">
+                      <a:solidFill>
+                        <a:schemeClr val="tx1"/>
+                      </a:solidFill>
+                      <a:prstDash val="solid"/>
+                      <a:round/>
+                      <a:headEnd type="none" w="med" len="med"/>
+                      <a:tailEnd type="none" w="med" len="med"/>
+                    </a:lnL>
+                    <a:lnR w="28575" cap="flat" cmpd="sng" algn="ctr">
+                      <a:solidFill>
+                        <a:schemeClr val="tx1"/>
+                      </a:solidFill>
+                      <a:prstDash val="solid"/>
+                      <a:round/>
+                      <a:headEnd type="none" w="med" len="med"/>
+                      <a:tailEnd type="none" w="med" len="med"/>
+                    </a:lnR>
+                    <a:lnT w="28575" cap="flat" cmpd="sng" algn="ctr">
+                      <a:solidFill>
+                        <a:schemeClr val="tx1"/>
+                      </a:solidFill>
+                      <a:prstDash val="solid"/>
+                      <a:round/>
+                      <a:headEnd type="none" w="med" len="med"/>
+                      <a:tailEnd type="none" w="med" len="med"/>
+                    </a:lnT>
+                    <a:lnB w="28575" cap="flat" cmpd="sng" algn="ctr">
+                      <a:solidFill>
+                        <a:schemeClr val="tx1"/>
+                      </a:solidFill>
+                      <a:prstDash val="solid"/>
+                      <a:round/>
+                      <a:headEnd type="none" w="med" len="med"/>
+                      <a:tailEnd type="none" w="med" len="med"/>
+                    </a:lnB>
+                    <a:lnTlToBr>
+                      <a:noFill/>
+                    </a:lnTlToBr>
+                    <a:lnBlToTr>
+                      <a:noFill/>
+                    </a:lnBlToTr>
+                    <a:noFill/>
+                  </a:tcPr>
+                </a:tc>
+                <a:extLst>
+                  <a:ext uri="{0D108BD9-81ED-4DB2-BD59-A6C34878D82A}">
+                    <a16:rowId xmlns:a16="http://schemas.microsoft.com/office/drawing/2014/main" val="3310906646"/>
+                  </a:ext>
+                </a:extLst>
+              </a:tr>
+              <a:tr h="437158">
+                <a:tc>
+                  <a:txBody>
+                    <a:bodyPr/>
+                    <a:lstStyle/>
+                    <a:p>
+                      <a:pPr marL="0" marR="0" lvl="0" indent="0" algn="ctr" defTabSz="914400" rtl="0" eaLnBrk="1" fontAlgn="base" latinLnBrk="0" hangingPunct="1">
+                        <a:lnSpc>
+                          <a:spcPct val="100000"/>
+                        </a:lnSpc>
+                        <a:spcBef>
+                          <a:spcPct val="0"/>
+                        </a:spcBef>
+                        <a:spcAft>
+                          <a:spcPct val="0"/>
+                        </a:spcAft>
+                        <a:buClrTx/>
+                        <a:buSzPct val="171000"/>
+                        <a:buFont typeface="Gill Sans" charset="0"/>
+                        <a:buNone/>
+                        <a:tabLst>
+                          <a:tab pos="914400" algn="l"/>
+                        </a:tabLst>
+                      </a:pPr>
+                      <a:r>
+                        <a:rPr kumimoji="0" lang="en-US" sz="1700" b="0" i="0" u="none" strike="noStrike" cap="none" normalizeH="0" baseline="0">
+                          <a:ln>
+                            <a:noFill/>
+                          </a:ln>
+                          <a:solidFill>
+                            <a:schemeClr val="tx1"/>
+                          </a:solidFill>
+                          <a:effectLst/>
+                          <a:latin typeface="Consolas" panose="020B0609020204030204" pitchFamily="49" charset="0"/>
+                          <a:ea typeface="Courier" charset="0"/>
+                          <a:cs typeface="Consolas" panose="020B0609020204030204" pitchFamily="49" charset="0"/>
+                          <a:sym typeface="Courier" charset="0"/>
+                        </a:rPr>
+                        <a:t>\S</a:t>
+                      </a:r>
+                    </a:p>
+                  </a:txBody>
+                  <a:tcPr marL="36430" marR="36430" marT="36430" marB="36430" anchor="ctr" horzOverflow="overflow">
+                    <a:lnL w="28575" cap="flat" cmpd="sng" algn="ctr">
+                      <a:solidFill>
+                        <a:schemeClr val="tx1"/>
+                      </a:solidFill>
+                      <a:prstDash val="solid"/>
+                      <a:round/>
+                      <a:headEnd type="none" w="med" len="med"/>
+                      <a:tailEnd type="none" w="med" len="med"/>
+                    </a:lnL>
+                    <a:lnR w="28575" cap="flat" cmpd="sng" algn="ctr">
+                      <a:solidFill>
+                        <a:schemeClr val="tx1"/>
+                      </a:solidFill>
+                      <a:prstDash val="solid"/>
+                      <a:round/>
+                      <a:headEnd type="none" w="med" len="med"/>
+                      <a:tailEnd type="none" w="med" len="med"/>
+                    </a:lnR>
+                    <a:lnT w="28575" cap="flat" cmpd="sng" algn="ctr">
+                      <a:solidFill>
+                        <a:schemeClr val="tx1"/>
+                      </a:solidFill>
+                      <a:prstDash val="solid"/>
+                      <a:round/>
+                      <a:headEnd type="none" w="med" len="med"/>
+                      <a:tailEnd type="none" w="med" len="med"/>
+                    </a:lnT>
+                    <a:lnB w="28575" cap="flat" cmpd="sng" algn="ctr">
+                      <a:solidFill>
+                        <a:schemeClr val="tx1"/>
+                      </a:solidFill>
+                      <a:prstDash val="solid"/>
+                      <a:round/>
+                      <a:headEnd type="none" w="med" len="med"/>
+                      <a:tailEnd type="none" w="med" len="med"/>
+                    </a:lnB>
+                    <a:lnTlToBr>
+                      <a:noFill/>
+                    </a:lnTlToBr>
+                    <a:lnBlToTr>
+                      <a:noFill/>
+                    </a:lnBlToTr>
+                    <a:noFill/>
+                  </a:tcPr>
+                </a:tc>
+                <a:tc>
+                  <a:txBody>
+                    <a:bodyPr/>
+                    <a:lstStyle/>
+                    <a:p>
+                      <a:pPr marL="0" marR="0" lvl="0" indent="0" algn="ctr" defTabSz="914400" rtl="0" eaLnBrk="1" fontAlgn="base" latinLnBrk="0" hangingPunct="1">
+                        <a:lnSpc>
+                          <a:spcPct val="100000"/>
+                        </a:lnSpc>
+                        <a:spcBef>
+                          <a:spcPct val="0"/>
+                        </a:spcBef>
+                        <a:spcAft>
+                          <a:spcPct val="0"/>
+                        </a:spcAft>
+                        <a:buClrTx/>
+                        <a:buSzPct val="171000"/>
+                        <a:buFont typeface="Gill Sans" charset="0"/>
+                        <a:buNone/>
+                        <a:tabLst>
+                          <a:tab pos="914400" algn="l"/>
+                        </a:tabLst>
+                      </a:pPr>
+                      <a:r>
+                        <a:rPr kumimoji="0" lang="en-US" sz="1700" b="0" i="0" u="none" strike="noStrike" cap="none" normalizeH="0" baseline="0">
+                          <a:ln>
+                            <a:noFill/>
+                          </a:ln>
+                          <a:solidFill>
+                            <a:schemeClr val="tx1"/>
+                          </a:solidFill>
+                          <a:effectLst/>
+                          <a:latin typeface="+mj-lt"/>
+                          <a:ea typeface="Courier" charset="0"/>
+                          <a:cs typeface="Courier" charset="0"/>
+                          <a:sym typeface="Courier" charset="0"/>
+                        </a:rPr>
+                        <a:t>Any non-whitespace character</a:t>
+                      </a:r>
+                    </a:p>
+                  </a:txBody>
+                  <a:tcPr marL="36430" marR="36430" marT="36430" marB="36430" anchor="ctr" horzOverflow="overflow">
+                    <a:lnL w="28575" cap="flat" cmpd="sng" algn="ctr">
+                      <a:solidFill>
+                        <a:schemeClr val="tx1"/>
+                      </a:solidFill>
+                      <a:prstDash val="solid"/>
+                      <a:round/>
+                      <a:headEnd type="none" w="med" len="med"/>
+                      <a:tailEnd type="none" w="med" len="med"/>
+                    </a:lnL>
+                    <a:lnR w="28575" cap="flat" cmpd="sng" algn="ctr">
+                      <a:solidFill>
+                        <a:schemeClr val="tx1"/>
+                      </a:solidFill>
+                      <a:prstDash val="solid"/>
+                      <a:round/>
+                      <a:headEnd type="none" w="med" len="med"/>
+                      <a:tailEnd type="none" w="med" len="med"/>
+                    </a:lnR>
+                    <a:lnT w="28575" cap="flat" cmpd="sng" algn="ctr">
+                      <a:solidFill>
+                        <a:schemeClr val="tx1"/>
+                      </a:solidFill>
+                      <a:prstDash val="solid"/>
+                      <a:round/>
+                      <a:headEnd type="none" w="med" len="med"/>
+                      <a:tailEnd type="none" w="med" len="med"/>
+                    </a:lnT>
+                    <a:lnB w="28575" cap="flat" cmpd="sng" algn="ctr">
+                      <a:solidFill>
+                        <a:schemeClr val="tx1"/>
+                      </a:solidFill>
+                      <a:prstDash val="solid"/>
+                      <a:round/>
+                      <a:headEnd type="none" w="med" len="med"/>
+                      <a:tailEnd type="none" w="med" len="med"/>
+                    </a:lnB>
+                    <a:lnTlToBr>
+                      <a:noFill/>
+                    </a:lnTlToBr>
+                    <a:lnBlToTr>
+                      <a:noFill/>
+                    </a:lnBlToTr>
+                    <a:noFill/>
+                  </a:tcPr>
+                </a:tc>
+                <a:extLst>
+                  <a:ext uri="{0D108BD9-81ED-4DB2-BD59-A6C34878D82A}">
+                    <a16:rowId xmlns:a16="http://schemas.microsoft.com/office/drawing/2014/main" val="49961167"/>
+                  </a:ext>
+                </a:extLst>
+              </a:tr>
+              <a:tr h="437158">
+                <a:tc>
+                  <a:txBody>
+                    <a:bodyPr/>
+                    <a:lstStyle/>
+                    <a:p>
+                      <a:pPr marL="0" marR="0" lvl="0" indent="0" algn="ctr" defTabSz="914400" rtl="0" eaLnBrk="1" fontAlgn="base" latinLnBrk="0" hangingPunct="1">
+                        <a:lnSpc>
+                          <a:spcPct val="100000"/>
+                        </a:lnSpc>
+                        <a:spcBef>
+                          <a:spcPct val="0"/>
+                        </a:spcBef>
+                        <a:spcAft>
+                          <a:spcPct val="0"/>
+                        </a:spcAft>
+                        <a:buClrTx/>
+                        <a:buSzPct val="171000"/>
+                        <a:buFont typeface="Gill Sans" charset="0"/>
+                        <a:buNone/>
+                        <a:tabLst>
+                          <a:tab pos="914400" algn="l"/>
+                        </a:tabLst>
+                      </a:pPr>
+                      <a:r>
+                        <a:rPr kumimoji="0" lang="en-US" sz="1700" b="0" i="0" u="none" strike="noStrike" cap="none" normalizeH="0" baseline="0">
+                          <a:ln>
+                            <a:noFill/>
+                          </a:ln>
+                          <a:solidFill>
+                            <a:schemeClr val="tx1"/>
+                          </a:solidFill>
+                          <a:effectLst/>
+                          <a:latin typeface="Consolas" panose="020B0609020204030204" pitchFamily="49" charset="0"/>
+                          <a:ea typeface="Courier" charset="0"/>
+                          <a:cs typeface="Consolas" panose="020B0609020204030204" pitchFamily="49" charset="0"/>
+                          <a:sym typeface="Courier" charset="0"/>
+                        </a:rPr>
+                        <a:t>\b</a:t>
+                      </a:r>
+                    </a:p>
+                  </a:txBody>
+                  <a:tcPr marL="36430" marR="36430" marT="36430" marB="36430" anchor="ctr" horzOverflow="overflow">
+                    <a:lnL w="28575" cap="flat" cmpd="sng" algn="ctr">
+                      <a:solidFill>
+                        <a:schemeClr val="tx1"/>
+                      </a:solidFill>
+                      <a:prstDash val="solid"/>
+                      <a:round/>
+                      <a:headEnd type="none" w="med" len="med"/>
+                      <a:tailEnd type="none" w="med" len="med"/>
+                    </a:lnL>
+                    <a:lnR w="28575" cap="flat" cmpd="sng" algn="ctr">
+                      <a:solidFill>
+                        <a:schemeClr val="tx1"/>
+                      </a:solidFill>
+                      <a:prstDash val="solid"/>
+                      <a:round/>
+                      <a:headEnd type="none" w="med" len="med"/>
+                      <a:tailEnd type="none" w="med" len="med"/>
+                    </a:lnR>
+                    <a:lnT w="28575" cap="flat" cmpd="sng" algn="ctr">
+                      <a:solidFill>
+                        <a:schemeClr val="tx1"/>
+                      </a:solidFill>
+                      <a:prstDash val="solid"/>
+                      <a:round/>
+                      <a:headEnd type="none" w="med" len="med"/>
+                      <a:tailEnd type="none" w="med" len="med"/>
+                    </a:lnT>
+                    <a:lnB w="28575" cap="flat" cmpd="sng" algn="ctr">
+                      <a:solidFill>
+                        <a:schemeClr val="tx1"/>
+                      </a:solidFill>
+                      <a:prstDash val="solid"/>
+                      <a:round/>
+                      <a:headEnd type="none" w="med" len="med"/>
+                      <a:tailEnd type="none" w="med" len="med"/>
+                    </a:lnB>
+                    <a:lnTlToBr>
+                      <a:noFill/>
+                    </a:lnTlToBr>
+                    <a:lnBlToTr>
+                      <a:noFill/>
+                    </a:lnBlToTr>
+                    <a:noFill/>
+                  </a:tcPr>
+                </a:tc>
+                <a:tc>
+                  <a:txBody>
+                    <a:bodyPr/>
+                    <a:lstStyle/>
+                    <a:p>
+                      <a:pPr marL="0" marR="0" lvl="0" indent="0" algn="ctr" defTabSz="914400" rtl="0" eaLnBrk="1" fontAlgn="base" latinLnBrk="0" hangingPunct="1">
+                        <a:lnSpc>
+                          <a:spcPct val="100000"/>
+                        </a:lnSpc>
+                        <a:spcBef>
+                          <a:spcPct val="0"/>
+                        </a:spcBef>
+                        <a:spcAft>
+                          <a:spcPct val="0"/>
+                        </a:spcAft>
+                        <a:buClrTx/>
+                        <a:buSzPct val="171000"/>
+                        <a:buFont typeface="Gill Sans" charset="0"/>
+                        <a:buNone/>
+                        <a:tabLst>
+                          <a:tab pos="914400" algn="l"/>
+                        </a:tabLst>
+                      </a:pPr>
+                      <a:r>
+                        <a:rPr kumimoji="0" lang="en-US" sz="1700" b="0" i="0" u="none" strike="noStrike" cap="none" normalizeH="0" baseline="0">
+                          <a:ln>
+                            <a:noFill/>
+                          </a:ln>
+                          <a:solidFill>
+                            <a:schemeClr val="tx1"/>
+                          </a:solidFill>
+                          <a:effectLst/>
+                          <a:latin typeface="+mj-lt"/>
+                          <a:ea typeface="Courier" charset="0"/>
+                          <a:cs typeface="Courier" charset="0"/>
+                          <a:sym typeface="Courier" charset="0"/>
+                        </a:rPr>
+                        <a:t>Word boundary</a:t>
+                      </a:r>
+                    </a:p>
+                  </a:txBody>
+                  <a:tcPr marL="36430" marR="36430" marT="36430" marB="36430" anchor="ctr" horzOverflow="overflow">
+                    <a:lnL w="28575" cap="flat" cmpd="sng" algn="ctr">
+                      <a:solidFill>
+                        <a:schemeClr val="tx1"/>
+                      </a:solidFill>
+                      <a:prstDash val="solid"/>
+                      <a:round/>
+                      <a:headEnd type="none" w="med" len="med"/>
+                      <a:tailEnd type="none" w="med" len="med"/>
+                    </a:lnL>
+                    <a:lnR w="28575" cap="flat" cmpd="sng" algn="ctr">
+                      <a:solidFill>
+                        <a:schemeClr val="tx1"/>
+                      </a:solidFill>
+                      <a:prstDash val="solid"/>
+                      <a:round/>
+                      <a:headEnd type="none" w="med" len="med"/>
+                      <a:tailEnd type="none" w="med" len="med"/>
+                    </a:lnR>
+                    <a:lnT w="28575" cap="flat" cmpd="sng" algn="ctr">
+                      <a:solidFill>
+                        <a:schemeClr val="tx1"/>
+                      </a:solidFill>
+                      <a:prstDash val="solid"/>
+                      <a:round/>
+                      <a:headEnd type="none" w="med" len="med"/>
+                      <a:tailEnd type="none" w="med" len="med"/>
+                    </a:lnT>
+                    <a:lnB w="28575" cap="flat" cmpd="sng" algn="ctr">
+                      <a:solidFill>
+                        <a:schemeClr val="tx1"/>
+                      </a:solidFill>
+                      <a:prstDash val="solid"/>
+                      <a:round/>
+                      <a:headEnd type="none" w="med" len="med"/>
+                      <a:tailEnd type="none" w="med" len="med"/>
+                    </a:lnB>
+                    <a:lnTlToBr>
+                      <a:noFill/>
+                    </a:lnTlToBr>
+                    <a:lnBlToTr>
+                      <a:noFill/>
+                    </a:lnBlToTr>
+                    <a:noFill/>
+                  </a:tcPr>
+                </a:tc>
+                <a:extLst>
+                  <a:ext uri="{0D108BD9-81ED-4DB2-BD59-A6C34878D82A}">
+                    <a16:rowId xmlns:a16="http://schemas.microsoft.com/office/drawing/2014/main" val="508114862"/>
+                  </a:ext>
+                </a:extLst>
+              </a:tr>
+              <a:tr h="437158">
+                <a:tc>
+                  <a:txBody>
+                    <a:bodyPr/>
+                    <a:lstStyle/>
+                    <a:p>
+                      <a:pPr marL="0" marR="0" lvl="0" indent="0" algn="ctr" defTabSz="914400" rtl="0" eaLnBrk="1" fontAlgn="base" latinLnBrk="0" hangingPunct="1">
+                        <a:lnSpc>
+                          <a:spcPct val="100000"/>
+                        </a:lnSpc>
+                        <a:spcBef>
+                          <a:spcPct val="0"/>
+                        </a:spcBef>
+                        <a:spcAft>
+                          <a:spcPct val="0"/>
+                        </a:spcAft>
+                        <a:buClrTx/>
+                        <a:buSzPct val="171000"/>
+                        <a:buFont typeface="Gill Sans" charset="0"/>
+                        <a:buNone/>
+                        <a:tabLst>
+                          <a:tab pos="914400" algn="l"/>
+                        </a:tabLst>
+                      </a:pPr>
+                      <a:r>
+                        <a:rPr kumimoji="0" lang="en-US" sz="1700" b="0" i="0" u="none" strike="noStrike" cap="none" normalizeH="0" baseline="0">
+                          <a:ln>
+                            <a:noFill/>
+                          </a:ln>
+                          <a:solidFill>
+                            <a:schemeClr val="tx1"/>
+                          </a:solidFill>
+                          <a:effectLst/>
+                          <a:latin typeface="Consolas" panose="020B0609020204030204" pitchFamily="49" charset="0"/>
+                          <a:ea typeface="Courier" charset="0"/>
+                          <a:cs typeface="Consolas" panose="020B0609020204030204" pitchFamily="49" charset="0"/>
+                          <a:sym typeface="Courier" charset="0"/>
+                        </a:rPr>
+                        <a:t>\B</a:t>
+                      </a:r>
+                    </a:p>
+                  </a:txBody>
+                  <a:tcPr marL="36430" marR="36430" marT="36430" marB="36430" anchor="ctr" horzOverflow="overflow">
+                    <a:lnL w="28575" cap="flat" cmpd="sng" algn="ctr">
+                      <a:solidFill>
+                        <a:schemeClr val="tx1"/>
+                      </a:solidFill>
+                      <a:prstDash val="solid"/>
+                      <a:round/>
+                      <a:headEnd type="none" w="med" len="med"/>
+                      <a:tailEnd type="none" w="med" len="med"/>
+                    </a:lnL>
+                    <a:lnR w="28575" cap="flat" cmpd="sng" algn="ctr">
+                      <a:solidFill>
+                        <a:schemeClr val="tx1"/>
+                      </a:solidFill>
+                      <a:prstDash val="solid"/>
+                      <a:round/>
+                      <a:headEnd type="none" w="med" len="med"/>
+                      <a:tailEnd type="none" w="med" len="med"/>
+                    </a:lnR>
+                    <a:lnT w="28575" cap="flat" cmpd="sng" algn="ctr">
+                      <a:solidFill>
+                        <a:schemeClr val="tx1"/>
+                      </a:solidFill>
+                      <a:prstDash val="solid"/>
+                      <a:round/>
+                      <a:headEnd type="none" w="med" len="med"/>
+                      <a:tailEnd type="none" w="med" len="med"/>
+                    </a:lnT>
+                    <a:lnB w="28575" cap="flat" cmpd="sng" algn="ctr">
+                      <a:solidFill>
+                        <a:schemeClr val="tx1"/>
+                      </a:solidFill>
+                      <a:prstDash val="solid"/>
+                      <a:round/>
+                      <a:headEnd type="none" w="med" len="med"/>
+                      <a:tailEnd type="none" w="med" len="med"/>
+                    </a:lnB>
+                    <a:lnTlToBr>
+                      <a:noFill/>
+                    </a:lnTlToBr>
+                    <a:lnBlToTr>
+                      <a:noFill/>
+                    </a:lnBlToTr>
+                    <a:noFill/>
+                  </a:tcPr>
+                </a:tc>
+                <a:tc>
+                  <a:txBody>
+                    <a:bodyPr/>
+                    <a:lstStyle/>
+                    <a:p>
+                      <a:pPr marL="0" marR="0" lvl="0" indent="0" algn="ctr" defTabSz="914400" rtl="0" eaLnBrk="1" fontAlgn="base" latinLnBrk="0" hangingPunct="1">
+                        <a:lnSpc>
+                          <a:spcPct val="100000"/>
+                        </a:lnSpc>
+                        <a:spcBef>
+                          <a:spcPct val="0"/>
+                        </a:spcBef>
+                        <a:spcAft>
+                          <a:spcPct val="0"/>
+                        </a:spcAft>
+                        <a:buClrTx/>
+                        <a:buSzPct val="171000"/>
+                        <a:buFont typeface="Gill Sans" charset="0"/>
+                        <a:buNone/>
+                        <a:tabLst>
+                          <a:tab pos="914400" algn="l"/>
+                        </a:tabLst>
+                      </a:pPr>
+                      <a:r>
+                        <a:rPr kumimoji="0" lang="en-US" sz="1700" b="0" i="0" u="none" strike="noStrike" cap="none" normalizeH="0" baseline="0" dirty="0">
+                          <a:ln>
+                            <a:noFill/>
+                          </a:ln>
+                          <a:solidFill>
+                            <a:schemeClr val="tx1"/>
+                          </a:solidFill>
+                          <a:effectLst/>
+                          <a:latin typeface="+mj-lt"/>
+                          <a:ea typeface="Courier" charset="0"/>
+                          <a:cs typeface="Courier" charset="0"/>
+                          <a:sym typeface="Courier" charset="0"/>
+                        </a:rPr>
+                        <a:t>Any non-word boundary position</a:t>
+                      </a:r>
+                    </a:p>
+                  </a:txBody>
+                  <a:tcPr marL="36430" marR="36430" marT="36430" marB="36430" anchor="ctr" horzOverflow="overflow">
+                    <a:lnL w="28575" cap="flat" cmpd="sng" algn="ctr">
+                      <a:solidFill>
+                        <a:schemeClr val="tx1"/>
+                      </a:solidFill>
+                      <a:prstDash val="solid"/>
+                      <a:round/>
+                      <a:headEnd type="none" w="med" len="med"/>
+                      <a:tailEnd type="none" w="med" len="med"/>
+                    </a:lnL>
+                    <a:lnR w="28575" cap="flat" cmpd="sng" algn="ctr">
+                      <a:solidFill>
+                        <a:schemeClr val="tx1"/>
+                      </a:solidFill>
+                      <a:prstDash val="solid"/>
+                      <a:round/>
+                      <a:headEnd type="none" w="med" len="med"/>
+                      <a:tailEnd type="none" w="med" len="med"/>
+                    </a:lnR>
+                    <a:lnT w="28575" cap="flat" cmpd="sng" algn="ctr">
+                      <a:solidFill>
+                        <a:schemeClr val="tx1"/>
+                      </a:solidFill>
+                      <a:prstDash val="solid"/>
+                      <a:round/>
+                      <a:headEnd type="none" w="med" len="med"/>
+                      <a:tailEnd type="none" w="med" len="med"/>
+                    </a:lnT>
+                    <a:lnB w="28575" cap="flat" cmpd="sng" algn="ctr">
+                      <a:solidFill>
+                        <a:schemeClr val="tx1"/>
+                      </a:solidFill>
+                      <a:prstDash val="solid"/>
+                      <a:round/>
+                      <a:headEnd type="none" w="med" len="med"/>
+                      <a:tailEnd type="none" w="med" len="med"/>
+                    </a:lnB>
+                    <a:lnTlToBr>
+                      <a:noFill/>
+                    </a:lnTlToBr>
+                    <a:lnBlToTr>
+                      <a:noFill/>
+                    </a:lnBlToTr>
+                    <a:noFill/>
+                  </a:tcPr>
+                </a:tc>
+                <a:extLst>
+                  <a:ext uri="{0D108BD9-81ED-4DB2-BD59-A6C34878D82A}">
+                    <a16:rowId xmlns:a16="http://schemas.microsoft.com/office/drawing/2014/main" val="2543545119"/>
+                  </a:ext>
+                </a:extLst>
+              </a:tr>
+              <a:tr h="437158">
+                <a:tc>
+                  <a:txBody>
+                    <a:bodyPr/>
+                    <a:lstStyle/>
+                    <a:p>
+                      <a:pPr marL="0" marR="0" lvl="0" indent="0" algn="ctr" defTabSz="914400" rtl="0" eaLnBrk="1" fontAlgn="base" latinLnBrk="0" hangingPunct="1">
+                        <a:lnSpc>
+                          <a:spcPct val="100000"/>
+                        </a:lnSpc>
+                        <a:spcBef>
+                          <a:spcPct val="0"/>
+                        </a:spcBef>
+                        <a:spcAft>
+                          <a:spcPct val="0"/>
+                        </a:spcAft>
+                        <a:buClrTx/>
+                        <a:buSzPct val="171000"/>
+                        <a:buFont typeface="Gill Sans" charset="0"/>
+                        <a:buNone/>
+                        <a:tabLst>
+                          <a:tab pos="914400" algn="l"/>
+                        </a:tabLst>
+                      </a:pPr>
+                      <a:r>
+                        <a:rPr kumimoji="0" lang="en-US" sz="1700" b="0" i="0" u="none" strike="noStrike" cap="none" normalizeH="0" baseline="0" dirty="0">
+                          <a:ln>
+                            <a:noFill/>
+                          </a:ln>
+                          <a:solidFill>
+                            <a:schemeClr val="tx1"/>
+                          </a:solidFill>
+                          <a:effectLst/>
+                          <a:latin typeface="Consolas" panose="020B0609020204030204" pitchFamily="49" charset="0"/>
+                          <a:ea typeface="Courier" charset="0"/>
+                          <a:cs typeface="Consolas" panose="020B0609020204030204" pitchFamily="49" charset="0"/>
+                          <a:sym typeface="Courier" charset="0"/>
+                        </a:rPr>
+                        <a:t>\w</a:t>
+                      </a:r>
+                    </a:p>
+                  </a:txBody>
+                  <a:tcPr marL="36430" marR="36430" marT="36430" marB="36430" anchor="ctr" horzOverflow="overflow">
+                    <a:lnL w="28575" cap="flat" cmpd="sng" algn="ctr">
+                      <a:solidFill>
+                        <a:schemeClr val="tx1"/>
+                      </a:solidFill>
+                      <a:prstDash val="solid"/>
+                      <a:round/>
+                      <a:headEnd type="none" w="med" len="med"/>
+                      <a:tailEnd type="none" w="med" len="med"/>
+                    </a:lnL>
+                    <a:lnR w="28575" cap="flat" cmpd="sng" algn="ctr">
+                      <a:solidFill>
+                        <a:schemeClr val="tx1"/>
+                      </a:solidFill>
+                      <a:prstDash val="solid"/>
+                      <a:round/>
+                      <a:headEnd type="none" w="med" len="med"/>
+                      <a:tailEnd type="none" w="med" len="med"/>
+                    </a:lnR>
+                    <a:lnT w="28575" cap="flat" cmpd="sng" algn="ctr">
+                      <a:solidFill>
+                        <a:schemeClr val="tx1"/>
+                      </a:solidFill>
+                      <a:prstDash val="solid"/>
+                      <a:round/>
+                      <a:headEnd type="none" w="med" len="med"/>
+                      <a:tailEnd type="none" w="med" len="med"/>
+                    </a:lnT>
+                    <a:lnB w="28575" cap="flat" cmpd="sng" algn="ctr">
+                      <a:solidFill>
+                        <a:schemeClr val="tx1"/>
+                      </a:solidFill>
+                      <a:prstDash val="solid"/>
+                      <a:round/>
+                      <a:headEnd type="none" w="med" len="med"/>
+                      <a:tailEnd type="none" w="med" len="med"/>
+                    </a:lnB>
+                    <a:lnTlToBr>
+                      <a:noFill/>
+                    </a:lnTlToBr>
+                    <a:lnBlToTr>
+                      <a:noFill/>
+                    </a:lnBlToTr>
+                    <a:noFill/>
+                  </a:tcPr>
+                </a:tc>
+                <a:tc>
+                  <a:txBody>
+                    <a:bodyPr/>
+                    <a:lstStyle/>
+                    <a:p>
+                      <a:pPr marL="0" marR="0" lvl="0" indent="0" algn="ctr" defTabSz="914400" rtl="0" eaLnBrk="1" fontAlgn="base" latinLnBrk="0" hangingPunct="1">
+                        <a:lnSpc>
+                          <a:spcPct val="100000"/>
+                        </a:lnSpc>
+                        <a:spcBef>
+                          <a:spcPct val="0"/>
+                        </a:spcBef>
+                        <a:spcAft>
+                          <a:spcPct val="0"/>
+                        </a:spcAft>
+                        <a:buClrTx/>
+                        <a:buSzPct val="171000"/>
+                        <a:buFont typeface="Gill Sans" charset="0"/>
+                        <a:buNone/>
+                        <a:tabLst>
+                          <a:tab pos="914400" algn="l"/>
+                        </a:tabLst>
+                      </a:pPr>
+                      <a:r>
+                        <a:rPr kumimoji="0" lang="en-US" sz="1700" b="0" i="0" u="none" strike="noStrike" cap="none" normalizeH="0" baseline="0" dirty="0">
+                          <a:ln>
+                            <a:noFill/>
+                          </a:ln>
+                          <a:solidFill>
+                            <a:schemeClr val="tx1"/>
+                          </a:solidFill>
+                          <a:effectLst/>
+                          <a:latin typeface="+mj-lt"/>
+                          <a:ea typeface="Courier" charset="0"/>
+                          <a:cs typeface="Courier" charset="0"/>
+                          <a:sym typeface="Courier" charset="0"/>
+                        </a:rPr>
+                        <a:t>Any word character (a-z, A-Z, 0-9)</a:t>
+                      </a:r>
+                    </a:p>
+                  </a:txBody>
+                  <a:tcPr marL="36430" marR="36430" marT="36430" marB="36430" anchor="ctr" horzOverflow="overflow">
+                    <a:lnL w="28575" cap="flat" cmpd="sng" algn="ctr">
+                      <a:solidFill>
+                        <a:schemeClr val="tx1"/>
+                      </a:solidFill>
+                      <a:prstDash val="solid"/>
+                      <a:round/>
+                      <a:headEnd type="none" w="med" len="med"/>
+                      <a:tailEnd type="none" w="med" len="med"/>
+                    </a:lnL>
+                    <a:lnR w="28575" cap="flat" cmpd="sng" algn="ctr">
+                      <a:solidFill>
+                        <a:schemeClr val="tx1"/>
+                      </a:solidFill>
+                      <a:prstDash val="solid"/>
+                      <a:round/>
+                      <a:headEnd type="none" w="med" len="med"/>
+                      <a:tailEnd type="none" w="med" len="med"/>
+                    </a:lnR>
+                    <a:lnT w="28575" cap="flat" cmpd="sng" algn="ctr">
+                      <a:solidFill>
+                        <a:schemeClr val="tx1"/>
+                      </a:solidFill>
+                      <a:prstDash val="solid"/>
+                      <a:round/>
+                      <a:headEnd type="none" w="med" len="med"/>
+                      <a:tailEnd type="none" w="med" len="med"/>
+                    </a:lnT>
+                    <a:lnB w="28575" cap="flat" cmpd="sng" algn="ctr">
+                      <a:solidFill>
+                        <a:schemeClr val="tx1"/>
+                      </a:solidFill>
+                      <a:prstDash val="solid"/>
+                      <a:round/>
+                      <a:headEnd type="none" w="med" len="med"/>
+                      <a:tailEnd type="none" w="med" len="med"/>
+                    </a:lnB>
+                    <a:lnTlToBr>
+                      <a:noFill/>
+                    </a:lnTlToBr>
+                    <a:lnBlToTr>
+                      <a:noFill/>
+                    </a:lnBlToTr>
+                    <a:noFill/>
+                  </a:tcPr>
+                </a:tc>
+                <a:extLst>
+                  <a:ext uri="{0D108BD9-81ED-4DB2-BD59-A6C34878D82A}">
+                    <a16:rowId xmlns:a16="http://schemas.microsoft.com/office/drawing/2014/main" val="588464510"/>
+                  </a:ext>
+                </a:extLst>
+              </a:tr>
+              <a:tr h="437158">
+                <a:tc>
+                  <a:txBody>
+                    <a:bodyPr/>
+                    <a:lstStyle/>
+                    <a:p>
+                      <a:pPr marL="0" marR="0" lvl="0" indent="0" algn="ctr" defTabSz="914400" rtl="0" eaLnBrk="1" fontAlgn="base" latinLnBrk="0" hangingPunct="1">
+                        <a:lnSpc>
+                          <a:spcPct val="100000"/>
+                        </a:lnSpc>
+                        <a:spcBef>
+                          <a:spcPct val="0"/>
+                        </a:spcBef>
+                        <a:spcAft>
+                          <a:spcPct val="0"/>
+                        </a:spcAft>
+                        <a:buClrTx/>
+                        <a:buSzPct val="171000"/>
+                        <a:buFont typeface="Gill Sans" charset="0"/>
+                        <a:buNone/>
+                        <a:tabLst>
+                          <a:tab pos="914400" algn="l"/>
+                        </a:tabLst>
+                      </a:pPr>
+                      <a:r>
+                        <a:rPr kumimoji="0" lang="en-US" sz="1700" b="0" i="0" u="none" strike="noStrike" cap="none" normalizeH="0" baseline="0" dirty="0">
+                          <a:ln>
+                            <a:noFill/>
+                          </a:ln>
+                          <a:solidFill>
+                            <a:schemeClr val="tx1"/>
+                          </a:solidFill>
+                          <a:effectLst/>
+                          <a:latin typeface="Consolas" panose="020B0609020204030204" pitchFamily="49" charset="0"/>
+                          <a:ea typeface="Courier" charset="0"/>
+                          <a:cs typeface="Consolas" panose="020B0609020204030204" pitchFamily="49" charset="0"/>
+                          <a:sym typeface="Courier" charset="0"/>
+                        </a:rPr>
+                        <a:t>\W</a:t>
+                      </a:r>
+                    </a:p>
+                  </a:txBody>
+                  <a:tcPr marL="36430" marR="36430" marT="36430" marB="36430" anchor="ctr" horzOverflow="overflow">
+                    <a:lnL w="28575" cap="flat" cmpd="sng" algn="ctr">
+                      <a:solidFill>
+                        <a:schemeClr val="tx1"/>
+                      </a:solidFill>
+                      <a:prstDash val="solid"/>
+                      <a:round/>
+                      <a:headEnd type="none" w="med" len="med"/>
+                      <a:tailEnd type="none" w="med" len="med"/>
+                    </a:lnL>
+                    <a:lnR w="28575" cap="flat" cmpd="sng" algn="ctr">
+                      <a:solidFill>
+                        <a:schemeClr val="tx1"/>
+                      </a:solidFill>
+                      <a:prstDash val="solid"/>
+                      <a:round/>
+                      <a:headEnd type="none" w="med" len="med"/>
+                      <a:tailEnd type="none" w="med" len="med"/>
+                    </a:lnR>
+                    <a:lnT w="28575" cap="flat" cmpd="sng" algn="ctr">
+                      <a:solidFill>
+                        <a:schemeClr val="tx1"/>
+                      </a:solidFill>
+                      <a:prstDash val="solid"/>
+                      <a:round/>
+                      <a:headEnd type="none" w="med" len="med"/>
+                      <a:tailEnd type="none" w="med" len="med"/>
+                    </a:lnT>
+                    <a:lnB w="28575" cap="flat" cmpd="sng" algn="ctr">
+                      <a:solidFill>
+                        <a:schemeClr val="tx1"/>
+                      </a:solidFill>
+                      <a:prstDash val="solid"/>
+                      <a:round/>
+                      <a:headEnd type="none" w="med" len="med"/>
+                      <a:tailEnd type="none" w="med" len="med"/>
+                    </a:lnB>
+                    <a:lnTlToBr>
+                      <a:noFill/>
+                    </a:lnTlToBr>
+                    <a:lnBlToTr>
+                      <a:noFill/>
+                    </a:lnBlToTr>
+                    <a:noFill/>
+                  </a:tcPr>
+                </a:tc>
+                <a:tc>
+                  <a:txBody>
+                    <a:bodyPr/>
+                    <a:lstStyle/>
+                    <a:p>
+                      <a:pPr marL="0" marR="0" lvl="0" indent="0" algn="ctr" defTabSz="914400" rtl="0" eaLnBrk="1" fontAlgn="base" latinLnBrk="0" hangingPunct="1">
+                        <a:lnSpc>
+                          <a:spcPct val="100000"/>
+                        </a:lnSpc>
+                        <a:spcBef>
+                          <a:spcPct val="0"/>
+                        </a:spcBef>
+                        <a:spcAft>
+                          <a:spcPct val="0"/>
+                        </a:spcAft>
+                        <a:buClrTx/>
+                        <a:buSzPct val="171000"/>
+                        <a:buFont typeface="Gill Sans" charset="0"/>
+                        <a:buNone/>
+                        <a:tabLst>
+                          <a:tab pos="914400" algn="l"/>
+                        </a:tabLst>
+                      </a:pPr>
+                      <a:r>
+                        <a:rPr kumimoji="0" lang="en-US" sz="1700" b="0" i="0" u="none" strike="noStrike" cap="none" normalizeH="0" baseline="0" dirty="0">
+                          <a:ln>
+                            <a:noFill/>
+                          </a:ln>
+                          <a:solidFill>
+                            <a:schemeClr val="tx1"/>
+                          </a:solidFill>
+                          <a:effectLst/>
+                          <a:latin typeface="+mj-lt"/>
+                          <a:ea typeface="Courier" charset="0"/>
+                          <a:cs typeface="Courier" charset="0"/>
+                          <a:sym typeface="Courier" charset="0"/>
+                        </a:rPr>
+                        <a:t>Any non-word character</a:t>
+                      </a:r>
+                    </a:p>
+                  </a:txBody>
+                  <a:tcPr marL="36430" marR="36430" marT="36430" marB="36430" anchor="ctr" horzOverflow="overflow">
+                    <a:lnL w="28575" cap="flat" cmpd="sng" algn="ctr">
+                      <a:solidFill>
+                        <a:schemeClr val="tx1"/>
+                      </a:solidFill>
+                      <a:prstDash val="solid"/>
+                      <a:round/>
+                      <a:headEnd type="none" w="med" len="med"/>
+                      <a:tailEnd type="none" w="med" len="med"/>
+                    </a:lnL>
+                    <a:lnR w="28575" cap="flat" cmpd="sng" algn="ctr">
+                      <a:solidFill>
+                        <a:schemeClr val="tx1"/>
+                      </a:solidFill>
+                      <a:prstDash val="solid"/>
+                      <a:round/>
+                      <a:headEnd type="none" w="med" len="med"/>
+                      <a:tailEnd type="none" w="med" len="med"/>
+                    </a:lnR>
+                    <a:lnT w="28575" cap="flat" cmpd="sng" algn="ctr">
+                      <a:solidFill>
+                        <a:schemeClr val="tx1"/>
+                      </a:solidFill>
+                      <a:prstDash val="solid"/>
+                      <a:round/>
+                      <a:headEnd type="none" w="med" len="med"/>
+                      <a:tailEnd type="none" w="med" len="med"/>
+                    </a:lnT>
+                    <a:lnB w="28575" cap="flat" cmpd="sng" algn="ctr">
+                      <a:solidFill>
+                        <a:schemeClr val="tx1"/>
+                      </a:solidFill>
+                      <a:prstDash val="solid"/>
+                      <a:round/>
+                      <a:headEnd type="none" w="med" len="med"/>
+                      <a:tailEnd type="none" w="med" len="med"/>
+                    </a:lnB>
+                    <a:lnTlToBr>
+                      <a:noFill/>
+                    </a:lnTlToBr>
+                    <a:lnBlToTr>
+                      <a:noFill/>
+                    </a:lnBlToTr>
+                    <a:noFill/>
+                  </a:tcPr>
+                </a:tc>
+                <a:extLst>
+                  <a:ext uri="{0D108BD9-81ED-4DB2-BD59-A6C34878D82A}">
+                    <a16:rowId xmlns:a16="http://schemas.microsoft.com/office/drawing/2014/main" val="1500429973"/>
+                  </a:ext>
+                </a:extLst>
+              </a:tr>
+              <a:tr h="437158">
+                <a:tc>
+                  <a:txBody>
+                    <a:bodyPr/>
+                    <a:lstStyle/>
+                    <a:p>
+                      <a:pPr marL="0" marR="0" lvl="0" indent="0" algn="ctr" defTabSz="914400" rtl="0" eaLnBrk="1" fontAlgn="base" latinLnBrk="0" hangingPunct="1">
+                        <a:lnSpc>
+                          <a:spcPct val="100000"/>
+                        </a:lnSpc>
+                        <a:spcBef>
+                          <a:spcPct val="0"/>
+                        </a:spcBef>
+                        <a:spcAft>
+                          <a:spcPct val="0"/>
+                        </a:spcAft>
+                        <a:buClrTx/>
+                        <a:buSzPct val="171000"/>
+                        <a:buFont typeface="Gill Sans" charset="0"/>
+                        <a:buNone/>
+                        <a:tabLst>
+                          <a:tab pos="914400" algn="l"/>
+                        </a:tabLst>
+                      </a:pPr>
+                      <a:r>
+                        <a:rPr kumimoji="0" lang="en-US" sz="1700" b="0" i="0" u="none" strike="noStrike" cap="none" normalizeH="0" baseline="0">
+                          <a:ln>
+                            <a:noFill/>
+                          </a:ln>
+                          <a:solidFill>
+                            <a:schemeClr val="tx1"/>
+                          </a:solidFill>
+                          <a:effectLst/>
+                          <a:latin typeface="Consolas" panose="020B0609020204030204" pitchFamily="49" charset="0"/>
+                          <a:ea typeface="Courier" charset="0"/>
+                          <a:cs typeface="Consolas" panose="020B0609020204030204" pitchFamily="49" charset="0"/>
+                          <a:sym typeface="Courier" charset="0"/>
+                        </a:rPr>
+                        <a:t>^</a:t>
+                      </a:r>
+                    </a:p>
+                  </a:txBody>
+                  <a:tcPr marL="36430" marR="36430" marT="36430" marB="36430" anchor="ctr" horzOverflow="overflow">
+                    <a:lnL w="28575" cap="flat" cmpd="sng" algn="ctr">
+                      <a:solidFill>
+                        <a:schemeClr val="tx1"/>
+                      </a:solidFill>
+                      <a:prstDash val="solid"/>
+                      <a:round/>
+                      <a:headEnd type="none" w="med" len="med"/>
+                      <a:tailEnd type="none" w="med" len="med"/>
+                    </a:lnL>
+                    <a:lnR w="28575" cap="flat" cmpd="sng" algn="ctr">
+                      <a:solidFill>
+                        <a:schemeClr val="tx1"/>
+                      </a:solidFill>
+                      <a:prstDash val="solid"/>
+                      <a:round/>
+                      <a:headEnd type="none" w="med" len="med"/>
+                      <a:tailEnd type="none" w="med" len="med"/>
+                    </a:lnR>
+                    <a:lnT w="28575" cap="flat" cmpd="sng" algn="ctr">
+                      <a:solidFill>
+                        <a:schemeClr val="tx1"/>
+                      </a:solidFill>
+                      <a:prstDash val="solid"/>
+                      <a:round/>
+                      <a:headEnd type="none" w="med" len="med"/>
+                      <a:tailEnd type="none" w="med" len="med"/>
+                    </a:lnT>
+                    <a:lnB w="28575" cap="flat" cmpd="sng" algn="ctr">
+                      <a:solidFill>
+                        <a:schemeClr val="tx1"/>
+                      </a:solidFill>
+                      <a:prstDash val="solid"/>
+                      <a:round/>
+                      <a:headEnd type="none" w="med" len="med"/>
+                      <a:tailEnd type="none" w="med" len="med"/>
+                    </a:lnB>
+                    <a:lnTlToBr>
+                      <a:noFill/>
+                    </a:lnTlToBr>
+                    <a:lnBlToTr>
+                      <a:noFill/>
+                    </a:lnBlToTr>
+                    <a:noFill/>
+                  </a:tcPr>
+                </a:tc>
+                <a:tc>
+                  <a:txBody>
+                    <a:bodyPr/>
+                    <a:lstStyle/>
+                    <a:p>
+                      <a:pPr marL="0" marR="0" lvl="0" indent="0" algn="ctr" defTabSz="914400" rtl="0" eaLnBrk="1" fontAlgn="base" latinLnBrk="0" hangingPunct="1">
+                        <a:lnSpc>
+                          <a:spcPct val="100000"/>
+                        </a:lnSpc>
+                        <a:spcBef>
+                          <a:spcPct val="0"/>
+                        </a:spcBef>
+                        <a:spcAft>
+                          <a:spcPct val="0"/>
+                        </a:spcAft>
+                        <a:buClrTx/>
+                        <a:buSzPct val="171000"/>
+                        <a:buFont typeface="Gill Sans" charset="0"/>
+                        <a:buNone/>
+                        <a:tabLst>
+                          <a:tab pos="914400" algn="l"/>
+                        </a:tabLst>
+                      </a:pPr>
+                      <a:r>
+                        <a:rPr kumimoji="0" lang="en-US" sz="1700" b="0" i="0" u="none" strike="noStrike" cap="none" normalizeH="0" baseline="0">
+                          <a:ln>
+                            <a:noFill/>
+                          </a:ln>
+                          <a:solidFill>
+                            <a:schemeClr val="tx1"/>
+                          </a:solidFill>
+                          <a:effectLst/>
+                          <a:latin typeface="+mj-lt"/>
+                          <a:ea typeface="Courier" charset="0"/>
+                          <a:cs typeface="Courier" charset="0"/>
+                          <a:sym typeface="Courier" charset="0"/>
+                        </a:rPr>
+                        <a:t>Start of the input text</a:t>
+                      </a:r>
+                    </a:p>
+                  </a:txBody>
+                  <a:tcPr marL="36430" marR="36430" marT="36430" marB="36430" anchor="ctr" horzOverflow="overflow">
+                    <a:lnL w="28575" cap="flat" cmpd="sng" algn="ctr">
+                      <a:solidFill>
+                        <a:schemeClr val="tx1"/>
+                      </a:solidFill>
+                      <a:prstDash val="solid"/>
+                      <a:round/>
+                      <a:headEnd type="none" w="med" len="med"/>
+                      <a:tailEnd type="none" w="med" len="med"/>
+                    </a:lnL>
+                    <a:lnR w="28575" cap="flat" cmpd="sng" algn="ctr">
+                      <a:solidFill>
+                        <a:schemeClr val="tx1"/>
+                      </a:solidFill>
+                      <a:prstDash val="solid"/>
+                      <a:round/>
+                      <a:headEnd type="none" w="med" len="med"/>
+                      <a:tailEnd type="none" w="med" len="med"/>
+                    </a:lnR>
+                    <a:lnT w="28575" cap="flat" cmpd="sng" algn="ctr">
+                      <a:solidFill>
+                        <a:schemeClr val="tx1"/>
+                      </a:solidFill>
+                      <a:prstDash val="solid"/>
+                      <a:round/>
+                      <a:headEnd type="none" w="med" len="med"/>
+                      <a:tailEnd type="none" w="med" len="med"/>
+                    </a:lnT>
+                    <a:lnB w="28575" cap="flat" cmpd="sng" algn="ctr">
+                      <a:solidFill>
+                        <a:schemeClr val="tx1"/>
+                      </a:solidFill>
+                      <a:prstDash val="solid"/>
+                      <a:round/>
+                      <a:headEnd type="none" w="med" len="med"/>
+                      <a:tailEnd type="none" w="med" len="med"/>
+                    </a:lnB>
+                    <a:lnTlToBr>
+                      <a:noFill/>
+                    </a:lnTlToBr>
+                    <a:lnBlToTr>
+                      <a:noFill/>
+                    </a:lnBlToTr>
+                    <a:noFill/>
+                  </a:tcPr>
+                </a:tc>
+                <a:extLst>
+                  <a:ext uri="{0D108BD9-81ED-4DB2-BD59-A6C34878D82A}">
+                    <a16:rowId xmlns:a16="http://schemas.microsoft.com/office/drawing/2014/main" val="2052579565"/>
+                  </a:ext>
+                </a:extLst>
+              </a:tr>
+              <a:tr h="437158">
+                <a:tc>
+                  <a:txBody>
+                    <a:bodyPr/>
+                    <a:lstStyle/>
+                    <a:p>
+                      <a:pPr marL="0" marR="0" lvl="0" indent="0" algn="ctr" defTabSz="914400" rtl="0" eaLnBrk="1" fontAlgn="base" latinLnBrk="0" hangingPunct="1">
+                        <a:lnSpc>
+                          <a:spcPct val="100000"/>
+                        </a:lnSpc>
+                        <a:spcBef>
+                          <a:spcPct val="0"/>
+                        </a:spcBef>
+                        <a:spcAft>
+                          <a:spcPct val="0"/>
+                        </a:spcAft>
+                        <a:buClrTx/>
+                        <a:buSzPct val="171000"/>
+                        <a:buFont typeface="Gill Sans" charset="0"/>
+                        <a:buNone/>
+                        <a:tabLst>
+                          <a:tab pos="914400" algn="l"/>
+                        </a:tabLst>
+                      </a:pPr>
+                      <a:r>
+                        <a:rPr kumimoji="0" lang="en-US" sz="1700" b="0" i="0" u="none" strike="noStrike" cap="none" normalizeH="0" baseline="0" dirty="0">
+                          <a:ln>
+                            <a:noFill/>
+                          </a:ln>
+                          <a:solidFill>
+                            <a:schemeClr val="tx1"/>
+                          </a:solidFill>
+                          <a:effectLst/>
+                          <a:latin typeface="Consolas" panose="020B0609020204030204" pitchFamily="49" charset="0"/>
+                          <a:ea typeface="Courier" charset="0"/>
+                          <a:cs typeface="Consolas" panose="020B0609020204030204" pitchFamily="49" charset="0"/>
+                          <a:sym typeface="Courier" charset="0"/>
+                        </a:rPr>
+                        <a:t>$</a:t>
+                      </a:r>
+                    </a:p>
+                  </a:txBody>
+                  <a:tcPr marL="36430" marR="36430" marT="36430" marB="36430" anchor="ctr" horzOverflow="overflow">
+                    <a:lnL w="28575" cap="flat" cmpd="sng" algn="ctr">
+                      <a:solidFill>
+                        <a:schemeClr val="tx1"/>
+                      </a:solidFill>
+                      <a:prstDash val="solid"/>
+                      <a:round/>
+                      <a:headEnd type="none" w="med" len="med"/>
+                      <a:tailEnd type="none" w="med" len="med"/>
+                    </a:lnL>
+                    <a:lnR w="28575" cap="flat" cmpd="sng" algn="ctr">
+                      <a:solidFill>
+                        <a:schemeClr val="tx1"/>
+                      </a:solidFill>
+                      <a:prstDash val="solid"/>
+                      <a:round/>
+                      <a:headEnd type="none" w="med" len="med"/>
+                      <a:tailEnd type="none" w="med" len="med"/>
+                    </a:lnR>
+                    <a:lnT w="28575" cap="flat" cmpd="sng" algn="ctr">
+                      <a:solidFill>
+                        <a:schemeClr val="tx1"/>
+                      </a:solidFill>
+                      <a:prstDash val="solid"/>
+                      <a:round/>
+                      <a:headEnd type="none" w="med" len="med"/>
+                      <a:tailEnd type="none" w="med" len="med"/>
+                    </a:lnT>
+                    <a:lnB w="28575" cap="flat" cmpd="sng" algn="ctr">
+                      <a:solidFill>
+                        <a:schemeClr val="tx1"/>
+                      </a:solidFill>
+                      <a:prstDash val="solid"/>
+                      <a:round/>
+                      <a:headEnd type="none" w="med" len="med"/>
+                      <a:tailEnd type="none" w="med" len="med"/>
+                    </a:lnB>
+                    <a:lnTlToBr>
+                      <a:noFill/>
+                    </a:lnTlToBr>
+                    <a:lnBlToTr>
+                      <a:noFill/>
+                    </a:lnBlToTr>
+                    <a:noFill/>
+                  </a:tcPr>
+                </a:tc>
+                <a:tc>
+                  <a:txBody>
+                    <a:bodyPr/>
+                    <a:lstStyle/>
+                    <a:p>
+                      <a:pPr marL="0" marR="0" lvl="0" indent="0" algn="ctr" defTabSz="914400" rtl="0" eaLnBrk="1" fontAlgn="base" latinLnBrk="0" hangingPunct="1">
+                        <a:lnSpc>
+                          <a:spcPct val="100000"/>
+                        </a:lnSpc>
+                        <a:spcBef>
+                          <a:spcPct val="0"/>
+                        </a:spcBef>
+                        <a:spcAft>
+                          <a:spcPct val="0"/>
+                        </a:spcAft>
+                        <a:buClrTx/>
+                        <a:buSzPct val="171000"/>
+                        <a:buFont typeface="Gill Sans" charset="0"/>
+                        <a:buNone/>
+                        <a:tabLst>
+                          <a:tab pos="914400" algn="l"/>
+                        </a:tabLst>
+                      </a:pPr>
+                      <a:r>
+                        <a:rPr kumimoji="0" lang="en-US" sz="1700" b="0" i="0" u="none" strike="noStrike" cap="none" normalizeH="0" baseline="0" dirty="0">
+                          <a:ln>
+                            <a:noFill/>
+                          </a:ln>
+                          <a:solidFill>
+                            <a:schemeClr val="tx1"/>
+                          </a:solidFill>
+                          <a:effectLst/>
+                          <a:latin typeface="+mj-lt"/>
+                          <a:ea typeface="Courier" charset="0"/>
+                          <a:cs typeface="Courier" charset="0"/>
+                          <a:sym typeface="Courier" charset="0"/>
+                        </a:rPr>
+                        <a:t>End of the input text</a:t>
+                      </a:r>
+                    </a:p>
+                  </a:txBody>
+                  <a:tcPr marL="36430" marR="36430" marT="36430" marB="36430" anchor="ctr" horzOverflow="overflow">
+                    <a:lnL w="28575" cap="flat" cmpd="sng" algn="ctr">
+                      <a:solidFill>
+                        <a:schemeClr val="tx1"/>
+                      </a:solidFill>
+                      <a:prstDash val="solid"/>
+                      <a:round/>
+                      <a:headEnd type="none" w="med" len="med"/>
+                      <a:tailEnd type="none" w="med" len="med"/>
+                    </a:lnL>
+                    <a:lnR w="28575" cap="flat" cmpd="sng" algn="ctr">
+                      <a:solidFill>
+                        <a:schemeClr val="tx1"/>
+                      </a:solidFill>
+                      <a:prstDash val="solid"/>
+                      <a:round/>
+                      <a:headEnd type="none" w="med" len="med"/>
+                      <a:tailEnd type="none" w="med" len="med"/>
+                    </a:lnR>
+                    <a:lnT w="28575" cap="flat" cmpd="sng" algn="ctr">
+                      <a:solidFill>
+                        <a:schemeClr val="tx1"/>
+                      </a:solidFill>
+                      <a:prstDash val="solid"/>
+                      <a:round/>
+                      <a:headEnd type="none" w="med" len="med"/>
+                      <a:tailEnd type="none" w="med" len="med"/>
+                    </a:lnT>
+                    <a:lnB w="28575" cap="flat" cmpd="sng" algn="ctr">
+                      <a:solidFill>
+                        <a:schemeClr val="tx1"/>
+                      </a:solidFill>
+                      <a:prstDash val="solid"/>
+                      <a:round/>
+                      <a:headEnd type="none" w="med" len="med"/>
+                      <a:tailEnd type="none" w="med" len="med"/>
+                    </a:lnB>
+                    <a:lnTlToBr>
+                      <a:noFill/>
+                    </a:lnTlToBr>
+                    <a:lnBlToTr>
+                      <a:noFill/>
+                    </a:lnBlToTr>
+                    <a:noFill/>
+                  </a:tcPr>
+                </a:tc>
+                <a:extLst>
+                  <a:ext uri="{0D108BD9-81ED-4DB2-BD59-A6C34878D82A}">
+                    <a16:rowId xmlns:a16="http://schemas.microsoft.com/office/drawing/2014/main" val="429132042"/>
+                  </a:ext>
+                </a:extLst>
+              </a:tr>
+            </a:tbl>
+          </a:graphicData>
+        </a:graphic>
+      </p:graphicFrame>
+    </p:spTree>
+    <p:extLst>
+      <p:ext uri="{BB962C8B-B14F-4D97-AF65-F5344CB8AC3E}">
+        <p14:creationId xmlns:p14="http://schemas.microsoft.com/office/powerpoint/2010/main" val="3993904506"/>
+      </p:ext>
+    </p:extLst>
+  </p:cSld>
+  <p:clrMapOvr>
+    <a:masterClrMapping/>
+  </p:clrMapOvr>
+  <p:transition>
+    <p:fade/>
+  </p:transition>
+</p:sld>
+</file>
+
+<file path=ppt/slides/slide11.xml><?xml version="1.0" encoding="utf-8"?>
+<p:sld xmlns:a="http://schemas.openxmlformats.org/drawingml/2006/main" xmlns:r="http://schemas.openxmlformats.org/officeDocument/2006/relationships" xmlns:p="http://schemas.openxmlformats.org/presentationml/2006/main">
+  <p:cSld>
+    <p:bg>
+      <p:bgPr>
+        <a:solidFill>
           <a:srgbClr val="000000"/>
         </a:solidFill>
         <a:effectLst/>
@@ -4718,7 +7026,7 @@
           <a:p>
             <a:fld id="{DAB94411-2297-4BD0-B197-35E3682289EC}" type="slidenum">
               <a:rPr lang="da-DK" smtClean="0"/>
-              <a:t>10</a:t>
+              <a:t>11</a:t>
             </a:fld>
             <a:endParaRPr lang="da-DK"/>
           </a:p>
@@ -6014,7 +8322,7 @@
         <p:spPr>
           <a:xfrm>
             <a:off x="269384" y="3030232"/>
-            <a:ext cx="8230091" cy="3003899"/>
+            <a:ext cx="8230091" cy="2757678"/>
           </a:xfrm>
           <a:prstGeom prst="rect">
             <a:avLst/>
@@ -6027,7 +8335,15 @@
           <a:lstStyle/>
           <a:p>
             <a:r>
-              <a:rPr lang="en-US" sz="4400" dirty="0">
+              <a:rPr lang="en-US" sz="3200" dirty="0">
+                <a:latin typeface="+mj-lt"/>
+              </a:rPr>
+              <a:t>The Project</a:t>
+            </a:r>
+          </a:p>
+          <a:p>
+            <a:r>
+              <a:rPr lang="en-US" sz="3200" dirty="0">
                 <a:latin typeface="+mj-lt"/>
               </a:rPr>
               <a:t>Generics</a:t>
@@ -6035,15 +8351,15 @@
           </a:p>
           <a:p>
             <a:r>
-              <a:rPr lang="en-US" sz="4400" dirty="0">
+              <a:rPr lang="en-US" sz="3200" dirty="0">
                 <a:latin typeface="+mj-lt"/>
               </a:rPr>
-              <a:t>Iterators</a:t>
-            </a:r>
-          </a:p>
-          <a:p>
-            <a:r>
-              <a:rPr lang="en-US" sz="4400" dirty="0">
+              <a:t>Iterators, enumerators, and enumerations</a:t>
+            </a:r>
+          </a:p>
+          <a:p>
+            <a:r>
+              <a:rPr lang="en-US" sz="3200" dirty="0">
                 <a:latin typeface="+mj-lt"/>
               </a:rPr>
               <a:t>Collections</a:t>
@@ -6051,7 +8367,7 @@
           </a:p>
           <a:p>
             <a:r>
-              <a:rPr lang="en-US" sz="4400" dirty="0">
+              <a:rPr lang="en-US" sz="3200" dirty="0">
                 <a:latin typeface="+mj-lt"/>
               </a:rPr>
               <a:t>Regular Expressions</a:t>
@@ -6085,6 +8401,173 @@
 </file>
 
 <file path=ppt/slides/slide3.xml><?xml version="1.0" encoding="utf-8"?>
+<p:sld xmlns:a="http://schemas.openxmlformats.org/drawingml/2006/main" xmlns:r="http://schemas.openxmlformats.org/officeDocument/2006/relationships" xmlns:p="http://schemas.openxmlformats.org/presentationml/2006/main">
+  <p:cSld>
+    <p:bg>
+      <p:bgPr>
+        <a:solidFill>
+          <a:srgbClr val="BA141A"/>
+        </a:solidFill>
+        <a:effectLst/>
+      </p:bgPr>
+    </p:bg>
+    <p:spTree>
+      <p:nvGrpSpPr>
+        <p:cNvPr id="1" name=""/>
+        <p:cNvGrpSpPr/>
+        <p:nvPr/>
+      </p:nvGrpSpPr>
+      <p:grpSpPr>
+        <a:xfrm>
+          <a:off x="0" y="0"/>
+          <a:ext cx="0" cy="0"/>
+          <a:chOff x="0" y="0"/>
+          <a:chExt cx="0" cy="0"/>
+        </a:xfrm>
+      </p:grpSpPr>
+      <p:sp>
+        <p:nvSpPr>
+          <p:cNvPr id="9" name="Title 8">
+            <a:extLst>
+              <a:ext uri="{FF2B5EF4-FFF2-40B4-BE49-F238E27FC236}">
+                <a16:creationId xmlns:a16="http://schemas.microsoft.com/office/drawing/2014/main" id="{579717C4-9C95-4608-AD7B-9551A9224A3A}"/>
+              </a:ext>
+            </a:extLst>
+          </p:cNvPr>
+          <p:cNvSpPr>
+            <a:spLocks noGrp="1"/>
+          </p:cNvSpPr>
+          <p:nvPr>
+            <p:ph type="title"/>
+          </p:nvPr>
+        </p:nvSpPr>
+        <p:spPr/>
+        <p:txBody>
+          <a:bodyPr/>
+          <a:lstStyle/>
+          <a:p>
+            <a:r>
+              <a:rPr lang="da-DK" dirty="0">
+                <a:solidFill>
+                  <a:schemeClr val="bg1"/>
+                </a:solidFill>
+              </a:rPr>
+              <a:t>The Project</a:t>
+            </a:r>
+            <a:endParaRPr lang="en-DK" dirty="0">
+              <a:solidFill>
+                <a:schemeClr val="bg1"/>
+              </a:solidFill>
+            </a:endParaRPr>
+          </a:p>
+        </p:txBody>
+      </p:sp>
+      <p:sp>
+        <p:nvSpPr>
+          <p:cNvPr id="10" name="Text Placeholder 9">
+            <a:extLst>
+              <a:ext uri="{FF2B5EF4-FFF2-40B4-BE49-F238E27FC236}">
+                <a16:creationId xmlns:a16="http://schemas.microsoft.com/office/drawing/2014/main" id="{03DBFA85-71F2-4BE9-87DE-5BF1F823D6AE}"/>
+              </a:ext>
+            </a:extLst>
+          </p:cNvPr>
+          <p:cNvSpPr>
+            <a:spLocks noGrp="1"/>
+          </p:cNvSpPr>
+          <p:nvPr>
+            <p:ph type="body" sz="quarter" idx="10"/>
+          </p:nvPr>
+        </p:nvSpPr>
+        <p:spPr>
+          <a:xfrm>
+            <a:off x="274209" y="1212850"/>
+            <a:ext cx="8778240" cy="1181862"/>
+          </a:xfrm>
+        </p:spPr>
+        <p:txBody>
+          <a:bodyPr/>
+          <a:lstStyle/>
+          <a:p>
+            <a:r>
+              <a:rPr lang="da-DK" dirty="0">
+                <a:solidFill>
+                  <a:schemeClr val="bg1"/>
+                </a:solidFill>
+              </a:rPr>
+              <a:t>Choice of technology is still not up for debate!</a:t>
+            </a:r>
+            <a:endParaRPr lang="en-DK" dirty="0">
+              <a:solidFill>
+                <a:schemeClr val="bg1"/>
+              </a:solidFill>
+            </a:endParaRPr>
+          </a:p>
+        </p:txBody>
+      </p:sp>
+      <p:sp>
+        <p:nvSpPr>
+          <p:cNvPr id="2" name="Rectangle 1">
+            <a:extLst>
+              <a:ext uri="{FF2B5EF4-FFF2-40B4-BE49-F238E27FC236}">
+                <a16:creationId xmlns:a16="http://schemas.microsoft.com/office/drawing/2014/main" id="{DABFC873-64AD-40C3-8697-1D9653735218}"/>
+              </a:ext>
+            </a:extLst>
+          </p:cNvPr>
+          <p:cNvSpPr/>
+          <p:nvPr/>
+        </p:nvSpPr>
+        <p:spPr>
+          <a:xfrm rot="19268553">
+            <a:off x="1716114" y="1898263"/>
+            <a:ext cx="5614206" cy="3139321"/>
+          </a:xfrm>
+          <a:prstGeom prst="rect">
+            <a:avLst/>
+          </a:prstGeom>
+          <a:solidFill>
+            <a:srgbClr val="92D050"/>
+          </a:solidFill>
+        </p:spPr>
+        <p:txBody>
+          <a:bodyPr wrap="square">
+            <a:spAutoFit/>
+          </a:bodyPr>
+          <a:lstStyle/>
+          <a:p>
+            <a:pPr algn="ctr"/>
+            <a:r>
+              <a:rPr lang="da-DK" sz="6600" dirty="0">
+                <a:solidFill>
+                  <a:srgbClr val="000000"/>
+                </a:solidFill>
+              </a:rPr>
+              <a:t>You are contantly learning...</a:t>
+            </a:r>
+            <a:endParaRPr lang="en-DK" sz="6600" dirty="0">
+              <a:solidFill>
+                <a:srgbClr val="000000"/>
+              </a:solidFill>
+            </a:endParaRPr>
+          </a:p>
+        </p:txBody>
+      </p:sp>
+    </p:spTree>
+    <p:extLst>
+      <p:ext uri="{BB962C8B-B14F-4D97-AF65-F5344CB8AC3E}">
+        <p14:creationId xmlns:p14="http://schemas.microsoft.com/office/powerpoint/2010/main" val="2508686586"/>
+      </p:ext>
+    </p:extLst>
+  </p:cSld>
+  <p:clrMapOvr>
+    <a:masterClrMapping/>
+  </p:clrMapOvr>
+  <p:transition>
+    <p:fade/>
+  </p:transition>
+</p:sld>
+</file>
+
+<file path=ppt/slides/slide4.xml><?xml version="1.0" encoding="utf-8"?>
 <p:sld xmlns:a="http://schemas.openxmlformats.org/drawingml/2006/main" xmlns:r="http://schemas.openxmlformats.org/officeDocument/2006/relationships" xmlns:p="http://schemas.openxmlformats.org/presentationml/2006/main">
   <p:cSld>
     <p:bg>
@@ -6217,7 +8700,7 @@
 </p:sld>
 </file>
 
-<file path=ppt/slides/slide4.xml><?xml version="1.0" encoding="utf-8"?>
+<file path=ppt/slides/slide5.xml><?xml version="1.0" encoding="utf-8"?>
 <p:sld xmlns:a="http://schemas.openxmlformats.org/drawingml/2006/main" xmlns:r="http://schemas.openxmlformats.org/officeDocument/2006/relationships" xmlns:p="http://schemas.openxmlformats.org/presentationml/2006/main">
   <p:cSld>
     <p:bg>
@@ -7141,7 +9624,7 @@
 </p:sld>
 </file>
 
-<file path=ppt/slides/slide5.xml><?xml version="1.0" encoding="utf-8"?>
+<file path=ppt/slides/slide6.xml><?xml version="1.0" encoding="utf-8"?>
 <p:sld xmlns:a="http://schemas.openxmlformats.org/drawingml/2006/main" xmlns:r="http://schemas.openxmlformats.org/officeDocument/2006/relationships" xmlns:p="http://schemas.openxmlformats.org/presentationml/2006/main">
   <p:cSld>
     <p:bg>
@@ -8299,7 +10782,7 @@
 </p:sld>
 </file>
 
-<file path=ppt/slides/slide6.xml><?xml version="1.0" encoding="utf-8"?>
+<file path=ppt/slides/slide7.xml><?xml version="1.0" encoding="utf-8"?>
 <p:sld xmlns:a="http://schemas.openxmlformats.org/drawingml/2006/main" xmlns:r="http://schemas.openxmlformats.org/officeDocument/2006/relationships" xmlns:p="http://schemas.openxmlformats.org/presentationml/2006/main">
   <p:cSld>
     <p:spTree>
@@ -9542,7 +12025,7 @@
 </p:sld>
 </file>
 
-<file path=ppt/slides/slide7.xml><?xml version="1.0" encoding="utf-8"?>
+<file path=ppt/slides/slide8.xml><?xml version="1.0" encoding="utf-8"?>
 <p:sld xmlns:a="http://schemas.openxmlformats.org/drawingml/2006/main" xmlns:r="http://schemas.openxmlformats.org/officeDocument/2006/relationships" xmlns:p="http://schemas.openxmlformats.org/presentationml/2006/main">
   <p:cSld>
     <p:bg>
@@ -10545,7 +13028,7 @@
 </p:sld>
 </file>
 
-<file path=ppt/slides/slide8.xml><?xml version="1.0" encoding="utf-8"?>
+<file path=ppt/slides/slide9.xml><?xml version="1.0" encoding="utf-8"?>
 <p:sld xmlns:a="http://schemas.openxmlformats.org/drawingml/2006/main" xmlns:r="http://schemas.openxmlformats.org/officeDocument/2006/relationships" xmlns:p="http://schemas.openxmlformats.org/presentationml/2006/main">
   <p:cSld>
     <p:bg>
@@ -11354,2312 +13837,6 @@
     <p:extLst>
       <p:ext uri="{BB962C8B-B14F-4D97-AF65-F5344CB8AC3E}">
         <p14:creationId xmlns:p14="http://schemas.microsoft.com/office/powerpoint/2010/main" val="2612166419"/>
-      </p:ext>
-    </p:extLst>
-  </p:cSld>
-  <p:clrMapOvr>
-    <a:masterClrMapping/>
-  </p:clrMapOvr>
-  <p:transition>
-    <p:fade/>
-  </p:transition>
-</p:sld>
-</file>
-
-<file path=ppt/slides/slide9.xml><?xml version="1.0" encoding="utf-8"?>
-<p:sld xmlns:a="http://schemas.openxmlformats.org/drawingml/2006/main" xmlns:r="http://schemas.openxmlformats.org/officeDocument/2006/relationships" xmlns:p="http://schemas.openxmlformats.org/presentationml/2006/main">
-  <p:cSld>
-    <p:bg>
-      <p:bgPr>
-        <a:solidFill>
-          <a:srgbClr val="BA141A"/>
-        </a:solidFill>
-        <a:effectLst/>
-      </p:bgPr>
-    </p:bg>
-    <p:spTree>
-      <p:nvGrpSpPr>
-        <p:cNvPr id="1" name=""/>
-        <p:cNvGrpSpPr/>
-        <p:nvPr/>
-      </p:nvGrpSpPr>
-      <p:grpSpPr>
-        <a:xfrm>
-          <a:off x="0" y="0"/>
-          <a:ext cx="0" cy="0"/>
-          <a:chOff x="0" y="0"/>
-          <a:chExt cx="0" cy="0"/>
-        </a:xfrm>
-      </p:grpSpPr>
-      <p:sp>
-        <p:nvSpPr>
-          <p:cNvPr id="50177" name="Rectangle 1"/>
-          <p:cNvSpPr>
-            <a:spLocks noGrp="1" noChangeArrowheads="1"/>
-          </p:cNvSpPr>
-          <p:nvPr>
-            <p:ph type="title" idx="4294967295"/>
-          </p:nvPr>
-        </p:nvSpPr>
-        <p:spPr>
-          <a:xfrm>
-            <a:off x="0" y="295275"/>
-            <a:ext cx="8778875" cy="917575"/>
-          </a:xfrm>
-          <a:ln/>
-        </p:spPr>
-        <p:txBody>
-          <a:bodyPr/>
-          <a:lstStyle/>
-          <a:p>
-            <a:r>
-              <a:rPr lang="en-US" dirty="0"/>
-              <a:t>Regular Expressions</a:t>
-            </a:r>
-          </a:p>
-        </p:txBody>
-      </p:sp>
-      <p:sp>
-        <p:nvSpPr>
-          <p:cNvPr id="2" name="Slide Number Placeholder 1"/>
-          <p:cNvSpPr>
-            <a:spLocks noGrp="1"/>
-          </p:cNvSpPr>
-          <p:nvPr>
-            <p:ph type="sldNum" sz="quarter" idx="4294967295"/>
-          </p:nvPr>
-        </p:nvSpPr>
-        <p:spPr/>
-        <p:txBody>
-          <a:bodyPr/>
-          <a:lstStyle/>
-          <a:p>
-            <a:fld id="{DAB94411-2297-4BD0-B197-35E3682289EC}" type="slidenum">
-              <a:rPr lang="da-DK" smtClean="0"/>
-              <a:t>9</a:t>
-            </a:fld>
-            <a:endParaRPr lang="da-DK"/>
-          </a:p>
-        </p:txBody>
-      </p:sp>
-      <p:graphicFrame>
-        <p:nvGraphicFramePr>
-          <p:cNvPr id="50178" name="Group 2"/>
-          <p:cNvGraphicFramePr>
-            <a:graphicFrameLocks noGrp="1"/>
-          </p:cNvGraphicFramePr>
-          <p:nvPr>
-            <p:extLst>
-              <p:ext uri="{D42A27DB-BD31-4B8C-83A1-F6EECF244321}">
-                <p14:modId xmlns:p14="http://schemas.microsoft.com/office/powerpoint/2010/main" val="2125153496"/>
-              </p:ext>
-            </p:extLst>
-          </p:nvPr>
-        </p:nvGraphicFramePr>
-        <p:xfrm>
-          <a:off x="1320846" y="1302726"/>
-          <a:ext cx="6684872" cy="5245896"/>
-        </p:xfrm>
-        <a:graphic>
-          <a:graphicData uri="http://schemas.openxmlformats.org/drawingml/2006/table">
-            <a:tbl>
-              <a:tblPr/>
-              <a:tblGrid>
-                <a:gridCol w="784380">
-                  <a:extLst>
-                    <a:ext uri="{9D8B030D-6E8A-4147-A177-3AD203B41FA5}">
-                      <a16:colId xmlns:a16="http://schemas.microsoft.com/office/drawing/2014/main" val="1124367644"/>
-                    </a:ext>
-                  </a:extLst>
-                </a:gridCol>
-                <a:gridCol w="5900492">
-                  <a:extLst>
-                    <a:ext uri="{9D8B030D-6E8A-4147-A177-3AD203B41FA5}">
-                      <a16:colId xmlns:a16="http://schemas.microsoft.com/office/drawing/2014/main" val="157934860"/>
-                    </a:ext>
-                  </a:extLst>
-                </a:gridCol>
-              </a:tblGrid>
-              <a:tr h="437158">
-                <a:tc>
-                  <a:txBody>
-                    <a:bodyPr/>
-                    <a:lstStyle/>
-                    <a:p>
-                      <a:pPr marL="0" marR="0" lvl="0" indent="0" algn="ctr" defTabSz="914400" rtl="0" eaLnBrk="1" fontAlgn="base" latinLnBrk="0" hangingPunct="1">
-                        <a:lnSpc>
-                          <a:spcPct val="100000"/>
-                        </a:lnSpc>
-                        <a:spcBef>
-                          <a:spcPct val="0"/>
-                        </a:spcBef>
-                        <a:spcAft>
-                          <a:spcPct val="0"/>
-                        </a:spcAft>
-                        <a:buClrTx/>
-                        <a:buSzPct val="171000"/>
-                        <a:buFont typeface="Gill Sans" charset="0"/>
-                        <a:buNone/>
-                        <a:tabLst>
-                          <a:tab pos="914400" algn="l"/>
-                        </a:tabLst>
-                      </a:pPr>
-                      <a:r>
-                        <a:rPr kumimoji="0" lang="en-US" sz="1700" b="0" i="0" u="none" strike="noStrike" cap="none" normalizeH="0" baseline="0" dirty="0">
-                          <a:ln>
-                            <a:noFill/>
-                          </a:ln>
-                          <a:solidFill>
-                            <a:schemeClr val="tx1"/>
-                          </a:solidFill>
-                          <a:effectLst/>
-                          <a:latin typeface="Consolas" panose="020B0609020204030204" pitchFamily="49" charset="0"/>
-                          <a:ea typeface="Courier" charset="0"/>
-                          <a:cs typeface="Consolas" panose="020B0609020204030204" pitchFamily="49" charset="0"/>
-                          <a:sym typeface="Courier" charset="0"/>
-                        </a:rPr>
-                        <a:t>*</a:t>
-                      </a:r>
-                    </a:p>
-                  </a:txBody>
-                  <a:tcPr marL="36430" marR="36430" marT="36430" marB="36430" anchor="ctr" horzOverflow="overflow">
-                    <a:lnL w="28575" cap="flat" cmpd="sng" algn="ctr">
-                      <a:solidFill>
-                        <a:schemeClr val="tx1"/>
-                      </a:solidFill>
-                      <a:prstDash val="solid"/>
-                      <a:round/>
-                      <a:headEnd type="none" w="med" len="med"/>
-                      <a:tailEnd type="none" w="med" len="med"/>
-                    </a:lnL>
-                    <a:lnR w="28575" cap="flat" cmpd="sng" algn="ctr">
-                      <a:solidFill>
-                        <a:schemeClr val="tx1"/>
-                      </a:solidFill>
-                      <a:prstDash val="solid"/>
-                      <a:round/>
-                      <a:headEnd type="none" w="med" len="med"/>
-                      <a:tailEnd type="none" w="med" len="med"/>
-                    </a:lnR>
-                    <a:lnT w="28575" cap="flat" cmpd="sng" algn="ctr">
-                      <a:solidFill>
-                        <a:schemeClr val="tx1"/>
-                      </a:solidFill>
-                      <a:prstDash val="solid"/>
-                      <a:round/>
-                      <a:headEnd type="none" w="med" len="med"/>
-                      <a:tailEnd type="none" w="med" len="med"/>
-                    </a:lnT>
-                    <a:lnB w="28575" cap="flat" cmpd="sng" algn="ctr">
-                      <a:solidFill>
-                        <a:schemeClr val="tx1"/>
-                      </a:solidFill>
-                      <a:prstDash val="solid"/>
-                      <a:round/>
-                      <a:headEnd type="none" w="med" len="med"/>
-                      <a:tailEnd type="none" w="med" len="med"/>
-                    </a:lnB>
-                    <a:lnTlToBr>
-                      <a:noFill/>
-                    </a:lnTlToBr>
-                    <a:lnBlToTr>
-                      <a:noFill/>
-                    </a:lnBlToTr>
-                    <a:noFill/>
-                  </a:tcPr>
-                </a:tc>
-                <a:tc>
-                  <a:txBody>
-                    <a:bodyPr/>
-                    <a:lstStyle/>
-                    <a:p>
-                      <a:pPr marL="0" marR="0" lvl="0" indent="0" algn="ctr" defTabSz="914400" rtl="0" eaLnBrk="1" fontAlgn="base" latinLnBrk="0" hangingPunct="1">
-                        <a:lnSpc>
-                          <a:spcPct val="100000"/>
-                        </a:lnSpc>
-                        <a:spcBef>
-                          <a:spcPct val="0"/>
-                        </a:spcBef>
-                        <a:spcAft>
-                          <a:spcPct val="0"/>
-                        </a:spcAft>
-                        <a:buClrTx/>
-                        <a:buSzPct val="171000"/>
-                        <a:buFont typeface="Gill Sans" charset="0"/>
-                        <a:buNone/>
-                        <a:tabLst>
-                          <a:tab pos="914400" algn="l"/>
-                        </a:tabLst>
-                      </a:pPr>
-                      <a:r>
-                        <a:rPr kumimoji="0" lang="en-US" sz="1700" b="0" i="0" u="none" strike="noStrike" cap="none" normalizeH="0" baseline="0" dirty="0">
-                          <a:ln>
-                            <a:noFill/>
-                          </a:ln>
-                          <a:solidFill>
-                            <a:schemeClr val="tx1"/>
-                          </a:solidFill>
-                          <a:effectLst/>
-                          <a:latin typeface="+mj-lt"/>
-                          <a:ea typeface="Courier" charset="0"/>
-                          <a:cs typeface="Courier" charset="0"/>
-                          <a:sym typeface="Courier" charset="0"/>
-                        </a:rPr>
-                        <a:t>Zero or more times the previous character</a:t>
-                      </a:r>
-                    </a:p>
-                  </a:txBody>
-                  <a:tcPr marL="36430" marR="36430" marT="36430" marB="36430" anchor="ctr" horzOverflow="overflow">
-                    <a:lnL w="28575" cap="flat" cmpd="sng" algn="ctr">
-                      <a:solidFill>
-                        <a:schemeClr val="tx1"/>
-                      </a:solidFill>
-                      <a:prstDash val="solid"/>
-                      <a:round/>
-                      <a:headEnd type="none" w="med" len="med"/>
-                      <a:tailEnd type="none" w="med" len="med"/>
-                    </a:lnL>
-                    <a:lnR w="28575" cap="flat" cmpd="sng" algn="ctr">
-                      <a:solidFill>
-                        <a:schemeClr val="tx1"/>
-                      </a:solidFill>
-                      <a:prstDash val="solid"/>
-                      <a:round/>
-                      <a:headEnd type="none" w="med" len="med"/>
-                      <a:tailEnd type="none" w="med" len="med"/>
-                    </a:lnR>
-                    <a:lnT w="28575" cap="flat" cmpd="sng" algn="ctr">
-                      <a:solidFill>
-                        <a:schemeClr val="tx1"/>
-                      </a:solidFill>
-                      <a:prstDash val="solid"/>
-                      <a:round/>
-                      <a:headEnd type="none" w="med" len="med"/>
-                      <a:tailEnd type="none" w="med" len="med"/>
-                    </a:lnT>
-                    <a:lnB w="28575" cap="flat" cmpd="sng" algn="ctr">
-                      <a:solidFill>
-                        <a:schemeClr val="tx1"/>
-                      </a:solidFill>
-                      <a:prstDash val="solid"/>
-                      <a:round/>
-                      <a:headEnd type="none" w="med" len="med"/>
-                      <a:tailEnd type="none" w="med" len="med"/>
-                    </a:lnB>
-                    <a:lnTlToBr>
-                      <a:noFill/>
-                    </a:lnTlToBr>
-                    <a:lnBlToTr>
-                      <a:noFill/>
-                    </a:lnBlToTr>
-                    <a:noFill/>
-                  </a:tcPr>
-                </a:tc>
-                <a:extLst>
-                  <a:ext uri="{0D108BD9-81ED-4DB2-BD59-A6C34878D82A}">
-                    <a16:rowId xmlns:a16="http://schemas.microsoft.com/office/drawing/2014/main" val="1378179834"/>
-                  </a:ext>
-                </a:extLst>
-              </a:tr>
-              <a:tr h="437158">
-                <a:tc>
-                  <a:txBody>
-                    <a:bodyPr/>
-                    <a:lstStyle/>
-                    <a:p>
-                      <a:pPr marL="0" marR="0" lvl="0" indent="0" algn="ctr" defTabSz="914400" rtl="0" eaLnBrk="1" fontAlgn="base" latinLnBrk="0" hangingPunct="1">
-                        <a:lnSpc>
-                          <a:spcPct val="100000"/>
-                        </a:lnSpc>
-                        <a:spcBef>
-                          <a:spcPct val="0"/>
-                        </a:spcBef>
-                        <a:spcAft>
-                          <a:spcPct val="0"/>
-                        </a:spcAft>
-                        <a:buClrTx/>
-                        <a:buSzPct val="171000"/>
-                        <a:buFont typeface="Gill Sans" charset="0"/>
-                        <a:buNone/>
-                        <a:tabLst>
-                          <a:tab pos="914400" algn="l"/>
-                        </a:tabLst>
-                      </a:pPr>
-                      <a:r>
-                        <a:rPr kumimoji="0" lang="en-US" sz="1700" b="0" i="0" u="none" strike="noStrike" cap="none" normalizeH="0" baseline="0" dirty="0">
-                          <a:ln>
-                            <a:noFill/>
-                          </a:ln>
-                          <a:solidFill>
-                            <a:schemeClr val="tx1"/>
-                          </a:solidFill>
-                          <a:effectLst/>
-                          <a:latin typeface="Consolas" panose="020B0609020204030204" pitchFamily="49" charset="0"/>
-                          <a:ea typeface="Courier" charset="0"/>
-                          <a:cs typeface="Consolas" panose="020B0609020204030204" pitchFamily="49" charset="0"/>
-                          <a:sym typeface="Courier" charset="0"/>
-                        </a:rPr>
-                        <a:t>+</a:t>
-                      </a:r>
-                    </a:p>
-                  </a:txBody>
-                  <a:tcPr marL="36430" marR="36430" marT="36430" marB="36430" anchor="ctr" horzOverflow="overflow">
-                    <a:lnL w="28575" cap="flat" cmpd="sng" algn="ctr">
-                      <a:solidFill>
-                        <a:schemeClr val="tx1"/>
-                      </a:solidFill>
-                      <a:prstDash val="solid"/>
-                      <a:round/>
-                      <a:headEnd type="none" w="med" len="med"/>
-                      <a:tailEnd type="none" w="med" len="med"/>
-                    </a:lnL>
-                    <a:lnR w="28575" cap="flat" cmpd="sng" algn="ctr">
-                      <a:solidFill>
-                        <a:schemeClr val="tx1"/>
-                      </a:solidFill>
-                      <a:prstDash val="solid"/>
-                      <a:round/>
-                      <a:headEnd type="none" w="med" len="med"/>
-                      <a:tailEnd type="none" w="med" len="med"/>
-                    </a:lnR>
-                    <a:lnT w="28575" cap="flat" cmpd="sng" algn="ctr">
-                      <a:solidFill>
-                        <a:schemeClr val="tx1"/>
-                      </a:solidFill>
-                      <a:prstDash val="solid"/>
-                      <a:round/>
-                      <a:headEnd type="none" w="med" len="med"/>
-                      <a:tailEnd type="none" w="med" len="med"/>
-                    </a:lnT>
-                    <a:lnB w="28575" cap="flat" cmpd="sng" algn="ctr">
-                      <a:solidFill>
-                        <a:schemeClr val="tx1"/>
-                      </a:solidFill>
-                      <a:prstDash val="solid"/>
-                      <a:round/>
-                      <a:headEnd type="none" w="med" len="med"/>
-                      <a:tailEnd type="none" w="med" len="med"/>
-                    </a:lnB>
-                    <a:lnTlToBr>
-                      <a:noFill/>
-                    </a:lnTlToBr>
-                    <a:lnBlToTr>
-                      <a:noFill/>
-                    </a:lnBlToTr>
-                    <a:noFill/>
-                  </a:tcPr>
-                </a:tc>
-                <a:tc>
-                  <a:txBody>
-                    <a:bodyPr/>
-                    <a:lstStyle/>
-                    <a:p>
-                      <a:pPr marL="0" marR="0" lvl="0" indent="0" algn="ctr" defTabSz="914400" rtl="0" eaLnBrk="1" fontAlgn="base" latinLnBrk="0" hangingPunct="1">
-                        <a:lnSpc>
-                          <a:spcPct val="100000"/>
-                        </a:lnSpc>
-                        <a:spcBef>
-                          <a:spcPct val="0"/>
-                        </a:spcBef>
-                        <a:spcAft>
-                          <a:spcPct val="0"/>
-                        </a:spcAft>
-                        <a:buClrTx/>
-                        <a:buSzPct val="171000"/>
-                        <a:buFont typeface="Gill Sans" charset="0"/>
-                        <a:buNone/>
-                        <a:tabLst>
-                          <a:tab pos="914400" algn="l"/>
-                        </a:tabLst>
-                      </a:pPr>
-                      <a:r>
-                        <a:rPr kumimoji="0" lang="en-US" sz="1700" b="0" i="0" u="none" strike="noStrike" cap="none" normalizeH="0" baseline="0">
-                          <a:ln>
-                            <a:noFill/>
-                          </a:ln>
-                          <a:solidFill>
-                            <a:schemeClr val="tx1"/>
-                          </a:solidFill>
-                          <a:effectLst/>
-                          <a:latin typeface="+mj-lt"/>
-                          <a:ea typeface="Courier" charset="0"/>
-                          <a:cs typeface="Courier" charset="0"/>
-                          <a:sym typeface="Courier" charset="0"/>
-                        </a:rPr>
-                        <a:t>Once or more times the previous character</a:t>
-                      </a:r>
-                    </a:p>
-                  </a:txBody>
-                  <a:tcPr marL="36430" marR="36430" marT="36430" marB="36430" anchor="ctr" horzOverflow="overflow">
-                    <a:lnL w="28575" cap="flat" cmpd="sng" algn="ctr">
-                      <a:solidFill>
-                        <a:schemeClr val="tx1"/>
-                      </a:solidFill>
-                      <a:prstDash val="solid"/>
-                      <a:round/>
-                      <a:headEnd type="none" w="med" len="med"/>
-                      <a:tailEnd type="none" w="med" len="med"/>
-                    </a:lnL>
-                    <a:lnR w="28575" cap="flat" cmpd="sng" algn="ctr">
-                      <a:solidFill>
-                        <a:schemeClr val="tx1"/>
-                      </a:solidFill>
-                      <a:prstDash val="solid"/>
-                      <a:round/>
-                      <a:headEnd type="none" w="med" len="med"/>
-                      <a:tailEnd type="none" w="med" len="med"/>
-                    </a:lnR>
-                    <a:lnT w="28575" cap="flat" cmpd="sng" algn="ctr">
-                      <a:solidFill>
-                        <a:schemeClr val="tx1"/>
-                      </a:solidFill>
-                      <a:prstDash val="solid"/>
-                      <a:round/>
-                      <a:headEnd type="none" w="med" len="med"/>
-                      <a:tailEnd type="none" w="med" len="med"/>
-                    </a:lnT>
-                    <a:lnB w="28575" cap="flat" cmpd="sng" algn="ctr">
-                      <a:solidFill>
-                        <a:schemeClr val="tx1"/>
-                      </a:solidFill>
-                      <a:prstDash val="solid"/>
-                      <a:round/>
-                      <a:headEnd type="none" w="med" len="med"/>
-                      <a:tailEnd type="none" w="med" len="med"/>
-                    </a:lnB>
-                    <a:lnTlToBr>
-                      <a:noFill/>
-                    </a:lnTlToBr>
-                    <a:lnBlToTr>
-                      <a:noFill/>
-                    </a:lnBlToTr>
-                    <a:noFill/>
-                  </a:tcPr>
-                </a:tc>
-                <a:extLst>
-                  <a:ext uri="{0D108BD9-81ED-4DB2-BD59-A6C34878D82A}">
-                    <a16:rowId xmlns:a16="http://schemas.microsoft.com/office/drawing/2014/main" val="3936917372"/>
-                  </a:ext>
-                </a:extLst>
-              </a:tr>
-              <a:tr h="437158">
-                <a:tc>
-                  <a:txBody>
-                    <a:bodyPr/>
-                    <a:lstStyle/>
-                    <a:p>
-                      <a:pPr marL="0" marR="0" lvl="0" indent="0" algn="ctr" defTabSz="914400" rtl="0" eaLnBrk="1" fontAlgn="base" latinLnBrk="0" hangingPunct="1">
-                        <a:lnSpc>
-                          <a:spcPct val="100000"/>
-                        </a:lnSpc>
-                        <a:spcBef>
-                          <a:spcPct val="0"/>
-                        </a:spcBef>
-                        <a:spcAft>
-                          <a:spcPct val="0"/>
-                        </a:spcAft>
-                        <a:buClrTx/>
-                        <a:buSzPct val="171000"/>
-                        <a:buFont typeface="Gill Sans" charset="0"/>
-                        <a:buNone/>
-                        <a:tabLst>
-                          <a:tab pos="914400" algn="l"/>
-                        </a:tabLst>
-                      </a:pPr>
-                      <a:r>
-                        <a:rPr kumimoji="0" lang="en-US" sz="1700" b="0" i="0" u="none" strike="noStrike" cap="none" normalizeH="0" baseline="0">
-                          <a:ln>
-                            <a:noFill/>
-                          </a:ln>
-                          <a:solidFill>
-                            <a:schemeClr val="tx1"/>
-                          </a:solidFill>
-                          <a:effectLst/>
-                          <a:latin typeface="Consolas" panose="020B0609020204030204" pitchFamily="49" charset="0"/>
-                          <a:ea typeface="Courier" charset="0"/>
-                          <a:cs typeface="Consolas" panose="020B0609020204030204" pitchFamily="49" charset="0"/>
-                          <a:sym typeface="Courier" charset="0"/>
-                        </a:rPr>
-                        <a:t>?</a:t>
-                      </a:r>
-                    </a:p>
-                  </a:txBody>
-                  <a:tcPr marL="36430" marR="36430" marT="36430" marB="36430" anchor="ctr" horzOverflow="overflow">
-                    <a:lnL w="28575" cap="flat" cmpd="sng" algn="ctr">
-                      <a:solidFill>
-                        <a:schemeClr val="tx1"/>
-                      </a:solidFill>
-                      <a:prstDash val="solid"/>
-                      <a:round/>
-                      <a:headEnd type="none" w="med" len="med"/>
-                      <a:tailEnd type="none" w="med" len="med"/>
-                    </a:lnL>
-                    <a:lnR w="28575" cap="flat" cmpd="sng" algn="ctr">
-                      <a:solidFill>
-                        <a:schemeClr val="tx1"/>
-                      </a:solidFill>
-                      <a:prstDash val="solid"/>
-                      <a:round/>
-                      <a:headEnd type="none" w="med" len="med"/>
-                      <a:tailEnd type="none" w="med" len="med"/>
-                    </a:lnR>
-                    <a:lnT w="28575" cap="flat" cmpd="sng" algn="ctr">
-                      <a:solidFill>
-                        <a:schemeClr val="tx1"/>
-                      </a:solidFill>
-                      <a:prstDash val="solid"/>
-                      <a:round/>
-                      <a:headEnd type="none" w="med" len="med"/>
-                      <a:tailEnd type="none" w="med" len="med"/>
-                    </a:lnT>
-                    <a:lnB w="28575" cap="flat" cmpd="sng" algn="ctr">
-                      <a:solidFill>
-                        <a:schemeClr val="tx1"/>
-                      </a:solidFill>
-                      <a:prstDash val="solid"/>
-                      <a:round/>
-                      <a:headEnd type="none" w="med" len="med"/>
-                      <a:tailEnd type="none" w="med" len="med"/>
-                    </a:lnB>
-                    <a:lnTlToBr>
-                      <a:noFill/>
-                    </a:lnTlToBr>
-                    <a:lnBlToTr>
-                      <a:noFill/>
-                    </a:lnBlToTr>
-                    <a:noFill/>
-                  </a:tcPr>
-                </a:tc>
-                <a:tc>
-                  <a:txBody>
-                    <a:bodyPr/>
-                    <a:lstStyle/>
-                    <a:p>
-                      <a:pPr marL="0" marR="0" lvl="0" indent="0" algn="ctr" defTabSz="914400" rtl="0" eaLnBrk="1" fontAlgn="base" latinLnBrk="0" hangingPunct="1">
-                        <a:lnSpc>
-                          <a:spcPct val="100000"/>
-                        </a:lnSpc>
-                        <a:spcBef>
-                          <a:spcPct val="0"/>
-                        </a:spcBef>
-                        <a:spcAft>
-                          <a:spcPct val="0"/>
-                        </a:spcAft>
-                        <a:buClrTx/>
-                        <a:buSzPct val="171000"/>
-                        <a:buFont typeface="Gill Sans" charset="0"/>
-                        <a:buNone/>
-                        <a:tabLst>
-                          <a:tab pos="914400" algn="l"/>
-                        </a:tabLst>
-                      </a:pPr>
-                      <a:r>
-                        <a:rPr kumimoji="0" lang="en-US" sz="1700" b="0" i="0" u="none" strike="noStrike" cap="none" normalizeH="0" baseline="0" dirty="0">
-                          <a:ln>
-                            <a:noFill/>
-                          </a:ln>
-                          <a:solidFill>
-                            <a:schemeClr val="tx1"/>
-                          </a:solidFill>
-                          <a:effectLst/>
-                          <a:latin typeface="+mj-lt"/>
-                          <a:ea typeface="Courier" charset="0"/>
-                          <a:cs typeface="Courier" charset="0"/>
-                          <a:sym typeface="Courier" charset="0"/>
-                        </a:rPr>
-                        <a:t>Zero or one time the previous character</a:t>
-                      </a:r>
-                    </a:p>
-                  </a:txBody>
-                  <a:tcPr marL="36430" marR="36430" marT="36430" marB="36430" anchor="ctr" horzOverflow="overflow">
-                    <a:lnL w="28575" cap="flat" cmpd="sng" algn="ctr">
-                      <a:solidFill>
-                        <a:schemeClr val="tx1"/>
-                      </a:solidFill>
-                      <a:prstDash val="solid"/>
-                      <a:round/>
-                      <a:headEnd type="none" w="med" len="med"/>
-                      <a:tailEnd type="none" w="med" len="med"/>
-                    </a:lnL>
-                    <a:lnR w="28575" cap="flat" cmpd="sng" algn="ctr">
-                      <a:solidFill>
-                        <a:schemeClr val="tx1"/>
-                      </a:solidFill>
-                      <a:prstDash val="solid"/>
-                      <a:round/>
-                      <a:headEnd type="none" w="med" len="med"/>
-                      <a:tailEnd type="none" w="med" len="med"/>
-                    </a:lnR>
-                    <a:lnT w="28575" cap="flat" cmpd="sng" algn="ctr">
-                      <a:solidFill>
-                        <a:schemeClr val="tx1"/>
-                      </a:solidFill>
-                      <a:prstDash val="solid"/>
-                      <a:round/>
-                      <a:headEnd type="none" w="med" len="med"/>
-                      <a:tailEnd type="none" w="med" len="med"/>
-                    </a:lnT>
-                    <a:lnB w="28575" cap="flat" cmpd="sng" algn="ctr">
-                      <a:solidFill>
-                        <a:schemeClr val="tx1"/>
-                      </a:solidFill>
-                      <a:prstDash val="solid"/>
-                      <a:round/>
-                      <a:headEnd type="none" w="med" len="med"/>
-                      <a:tailEnd type="none" w="med" len="med"/>
-                    </a:lnB>
-                    <a:lnTlToBr>
-                      <a:noFill/>
-                    </a:lnTlToBr>
-                    <a:lnBlToTr>
-                      <a:noFill/>
-                    </a:lnBlToTr>
-                    <a:noFill/>
-                  </a:tcPr>
-                </a:tc>
-                <a:extLst>
-                  <a:ext uri="{0D108BD9-81ED-4DB2-BD59-A6C34878D82A}">
-                    <a16:rowId xmlns:a16="http://schemas.microsoft.com/office/drawing/2014/main" val="1579018169"/>
-                  </a:ext>
-                </a:extLst>
-              </a:tr>
-              <a:tr h="437158">
-                <a:tc>
-                  <a:txBody>
-                    <a:bodyPr/>
-                    <a:lstStyle/>
-                    <a:p>
-                      <a:pPr marL="0" marR="0" lvl="0" indent="0" algn="ctr" defTabSz="914400" rtl="0" eaLnBrk="1" fontAlgn="base" latinLnBrk="0" hangingPunct="1">
-                        <a:lnSpc>
-                          <a:spcPct val="100000"/>
-                        </a:lnSpc>
-                        <a:spcBef>
-                          <a:spcPct val="0"/>
-                        </a:spcBef>
-                        <a:spcAft>
-                          <a:spcPct val="0"/>
-                        </a:spcAft>
-                        <a:buClrTx/>
-                        <a:buSzPct val="171000"/>
-                        <a:buFont typeface="Gill Sans" charset="0"/>
-                        <a:buNone/>
-                        <a:tabLst>
-                          <a:tab pos="914400" algn="l"/>
-                        </a:tabLst>
-                      </a:pPr>
-                      <a:r>
-                        <a:rPr kumimoji="0" lang="en-US" sz="1700" b="0" i="0" u="none" strike="noStrike" cap="none" normalizeH="0" baseline="0" dirty="0">
-                          <a:ln>
-                            <a:noFill/>
-                          </a:ln>
-                          <a:solidFill>
-                            <a:schemeClr val="tx1"/>
-                          </a:solidFill>
-                          <a:effectLst/>
-                          <a:latin typeface="Consolas" panose="020B0609020204030204" pitchFamily="49" charset="0"/>
-                          <a:ea typeface="Courier" charset="0"/>
-                          <a:cs typeface="Consolas" panose="020B0609020204030204" pitchFamily="49" charset="0"/>
-                          <a:sym typeface="Courier" charset="0"/>
-                        </a:rPr>
-                        <a:t>.</a:t>
-                      </a:r>
-                    </a:p>
-                  </a:txBody>
-                  <a:tcPr marL="36430" marR="36430" marT="36430" marB="36430" anchor="ctr" horzOverflow="overflow">
-                    <a:lnL w="28575" cap="flat" cmpd="sng" algn="ctr">
-                      <a:solidFill>
-                        <a:schemeClr val="tx1"/>
-                      </a:solidFill>
-                      <a:prstDash val="solid"/>
-                      <a:round/>
-                      <a:headEnd type="none" w="med" len="med"/>
-                      <a:tailEnd type="none" w="med" len="med"/>
-                    </a:lnL>
-                    <a:lnR w="28575" cap="flat" cmpd="sng" algn="ctr">
-                      <a:solidFill>
-                        <a:schemeClr val="tx1"/>
-                      </a:solidFill>
-                      <a:prstDash val="solid"/>
-                      <a:round/>
-                      <a:headEnd type="none" w="med" len="med"/>
-                      <a:tailEnd type="none" w="med" len="med"/>
-                    </a:lnR>
-                    <a:lnT w="28575" cap="flat" cmpd="sng" algn="ctr">
-                      <a:solidFill>
-                        <a:schemeClr val="tx1"/>
-                      </a:solidFill>
-                      <a:prstDash val="solid"/>
-                      <a:round/>
-                      <a:headEnd type="none" w="med" len="med"/>
-                      <a:tailEnd type="none" w="med" len="med"/>
-                    </a:lnT>
-                    <a:lnB w="28575" cap="flat" cmpd="sng" algn="ctr">
-                      <a:solidFill>
-                        <a:schemeClr val="tx1"/>
-                      </a:solidFill>
-                      <a:prstDash val="solid"/>
-                      <a:round/>
-                      <a:headEnd type="none" w="med" len="med"/>
-                      <a:tailEnd type="none" w="med" len="med"/>
-                    </a:lnB>
-                    <a:lnTlToBr>
-                      <a:noFill/>
-                    </a:lnTlToBr>
-                    <a:lnBlToTr>
-                      <a:noFill/>
-                    </a:lnBlToTr>
-                    <a:noFill/>
-                  </a:tcPr>
-                </a:tc>
-                <a:tc>
-                  <a:txBody>
-                    <a:bodyPr/>
-                    <a:lstStyle/>
-                    <a:p>
-                      <a:pPr marL="0" marR="0" lvl="0" indent="0" algn="ctr" defTabSz="914400" rtl="0" eaLnBrk="1" fontAlgn="base" latinLnBrk="0" hangingPunct="1">
-                        <a:lnSpc>
-                          <a:spcPct val="100000"/>
-                        </a:lnSpc>
-                        <a:spcBef>
-                          <a:spcPct val="0"/>
-                        </a:spcBef>
-                        <a:spcAft>
-                          <a:spcPct val="0"/>
-                        </a:spcAft>
-                        <a:buClrTx/>
-                        <a:buSzPct val="171000"/>
-                        <a:buFont typeface="Gill Sans" charset="0"/>
-                        <a:buNone/>
-                        <a:tabLst>
-                          <a:tab pos="914400" algn="l"/>
-                        </a:tabLst>
-                      </a:pPr>
-                      <a:r>
-                        <a:rPr kumimoji="0" lang="en-US" sz="1700" b="0" i="0" u="none" strike="noStrike" cap="none" normalizeH="0" baseline="0">
-                          <a:ln>
-                            <a:noFill/>
-                          </a:ln>
-                          <a:solidFill>
-                            <a:schemeClr val="tx1"/>
-                          </a:solidFill>
-                          <a:effectLst/>
-                          <a:latin typeface="+mj-lt"/>
-                          <a:ea typeface="Courier" charset="0"/>
-                          <a:cs typeface="Courier" charset="0"/>
-                          <a:sym typeface="Courier" charset="0"/>
-                        </a:rPr>
-                        <a:t>Any single character (not \n)</a:t>
-                      </a:r>
-                    </a:p>
-                  </a:txBody>
-                  <a:tcPr marL="36430" marR="36430" marT="36430" marB="36430" anchor="ctr" horzOverflow="overflow">
-                    <a:lnL w="28575" cap="flat" cmpd="sng" algn="ctr">
-                      <a:solidFill>
-                        <a:schemeClr val="tx1"/>
-                      </a:solidFill>
-                      <a:prstDash val="solid"/>
-                      <a:round/>
-                      <a:headEnd type="none" w="med" len="med"/>
-                      <a:tailEnd type="none" w="med" len="med"/>
-                    </a:lnL>
-                    <a:lnR w="28575" cap="flat" cmpd="sng" algn="ctr">
-                      <a:solidFill>
-                        <a:schemeClr val="tx1"/>
-                      </a:solidFill>
-                      <a:prstDash val="solid"/>
-                      <a:round/>
-                      <a:headEnd type="none" w="med" len="med"/>
-                      <a:tailEnd type="none" w="med" len="med"/>
-                    </a:lnR>
-                    <a:lnT w="28575" cap="flat" cmpd="sng" algn="ctr">
-                      <a:solidFill>
-                        <a:schemeClr val="tx1"/>
-                      </a:solidFill>
-                      <a:prstDash val="solid"/>
-                      <a:round/>
-                      <a:headEnd type="none" w="med" len="med"/>
-                      <a:tailEnd type="none" w="med" len="med"/>
-                    </a:lnT>
-                    <a:lnB w="28575" cap="flat" cmpd="sng" algn="ctr">
-                      <a:solidFill>
-                        <a:schemeClr val="tx1"/>
-                      </a:solidFill>
-                      <a:prstDash val="solid"/>
-                      <a:round/>
-                      <a:headEnd type="none" w="med" len="med"/>
-                      <a:tailEnd type="none" w="med" len="med"/>
-                    </a:lnB>
-                    <a:lnTlToBr>
-                      <a:noFill/>
-                    </a:lnTlToBr>
-                    <a:lnBlToTr>
-                      <a:noFill/>
-                    </a:lnBlToTr>
-                    <a:noFill/>
-                  </a:tcPr>
-                </a:tc>
-                <a:extLst>
-                  <a:ext uri="{0D108BD9-81ED-4DB2-BD59-A6C34878D82A}">
-                    <a16:rowId xmlns:a16="http://schemas.microsoft.com/office/drawing/2014/main" val="2988806897"/>
-                  </a:ext>
-                </a:extLst>
-              </a:tr>
-              <a:tr h="437158">
-                <a:tc>
-                  <a:txBody>
-                    <a:bodyPr/>
-                    <a:lstStyle/>
-                    <a:p>
-                      <a:pPr marL="0" marR="0" lvl="0" indent="0" algn="ctr" defTabSz="914400" rtl="0" eaLnBrk="1" fontAlgn="base" latinLnBrk="0" hangingPunct="1">
-                        <a:lnSpc>
-                          <a:spcPct val="100000"/>
-                        </a:lnSpc>
-                        <a:spcBef>
-                          <a:spcPct val="0"/>
-                        </a:spcBef>
-                        <a:spcAft>
-                          <a:spcPct val="0"/>
-                        </a:spcAft>
-                        <a:buClrTx/>
-                        <a:buSzPct val="171000"/>
-                        <a:buFont typeface="Gill Sans" charset="0"/>
-                        <a:buNone/>
-                        <a:tabLst>
-                          <a:tab pos="914400" algn="l"/>
-                        </a:tabLst>
-                      </a:pPr>
-                      <a:r>
-                        <a:rPr kumimoji="0" lang="en-US" sz="1700" b="0" i="0" u="none" strike="noStrike" cap="none" normalizeH="0" baseline="0">
-                          <a:ln>
-                            <a:noFill/>
-                          </a:ln>
-                          <a:solidFill>
-                            <a:schemeClr val="tx1"/>
-                          </a:solidFill>
-                          <a:effectLst/>
-                          <a:latin typeface="Consolas" panose="020B0609020204030204" pitchFamily="49" charset="0"/>
-                          <a:ea typeface="Courier" charset="0"/>
-                          <a:cs typeface="Consolas" panose="020B0609020204030204" pitchFamily="49" charset="0"/>
-                          <a:sym typeface="Courier" charset="0"/>
-                        </a:rPr>
-                        <a:t>\s</a:t>
-                      </a:r>
-                    </a:p>
-                  </a:txBody>
-                  <a:tcPr marL="36430" marR="36430" marT="36430" marB="36430" anchor="ctr" horzOverflow="overflow">
-                    <a:lnL w="28575" cap="flat" cmpd="sng" algn="ctr">
-                      <a:solidFill>
-                        <a:schemeClr val="tx1"/>
-                      </a:solidFill>
-                      <a:prstDash val="solid"/>
-                      <a:round/>
-                      <a:headEnd type="none" w="med" len="med"/>
-                      <a:tailEnd type="none" w="med" len="med"/>
-                    </a:lnL>
-                    <a:lnR w="28575" cap="flat" cmpd="sng" algn="ctr">
-                      <a:solidFill>
-                        <a:schemeClr val="tx1"/>
-                      </a:solidFill>
-                      <a:prstDash val="solid"/>
-                      <a:round/>
-                      <a:headEnd type="none" w="med" len="med"/>
-                      <a:tailEnd type="none" w="med" len="med"/>
-                    </a:lnR>
-                    <a:lnT w="28575" cap="flat" cmpd="sng" algn="ctr">
-                      <a:solidFill>
-                        <a:schemeClr val="tx1"/>
-                      </a:solidFill>
-                      <a:prstDash val="solid"/>
-                      <a:round/>
-                      <a:headEnd type="none" w="med" len="med"/>
-                      <a:tailEnd type="none" w="med" len="med"/>
-                    </a:lnT>
-                    <a:lnB w="28575" cap="flat" cmpd="sng" algn="ctr">
-                      <a:solidFill>
-                        <a:schemeClr val="tx1"/>
-                      </a:solidFill>
-                      <a:prstDash val="solid"/>
-                      <a:round/>
-                      <a:headEnd type="none" w="med" len="med"/>
-                      <a:tailEnd type="none" w="med" len="med"/>
-                    </a:lnB>
-                    <a:lnTlToBr>
-                      <a:noFill/>
-                    </a:lnTlToBr>
-                    <a:lnBlToTr>
-                      <a:noFill/>
-                    </a:lnBlToTr>
-                    <a:noFill/>
-                  </a:tcPr>
-                </a:tc>
-                <a:tc>
-                  <a:txBody>
-                    <a:bodyPr/>
-                    <a:lstStyle/>
-                    <a:p>
-                      <a:pPr marL="0" marR="0" lvl="0" indent="0" algn="ctr" defTabSz="914400" rtl="0" eaLnBrk="1" fontAlgn="base" latinLnBrk="0" hangingPunct="1">
-                        <a:lnSpc>
-                          <a:spcPct val="100000"/>
-                        </a:lnSpc>
-                        <a:spcBef>
-                          <a:spcPct val="0"/>
-                        </a:spcBef>
-                        <a:spcAft>
-                          <a:spcPct val="0"/>
-                        </a:spcAft>
-                        <a:buClrTx/>
-                        <a:buSzPct val="171000"/>
-                        <a:buFont typeface="Gill Sans" charset="0"/>
-                        <a:buNone/>
-                        <a:tabLst>
-                          <a:tab pos="914400" algn="l"/>
-                        </a:tabLst>
-                      </a:pPr>
-                      <a:r>
-                        <a:rPr kumimoji="0" lang="en-US" sz="1700" b="0" i="0" u="none" strike="noStrike" cap="none" normalizeH="0" baseline="0">
-                          <a:ln>
-                            <a:noFill/>
-                          </a:ln>
-                          <a:solidFill>
-                            <a:schemeClr val="tx1"/>
-                          </a:solidFill>
-                          <a:effectLst/>
-                          <a:latin typeface="+mj-lt"/>
-                          <a:ea typeface="Courier" charset="0"/>
-                          <a:cs typeface="Courier" charset="0"/>
-                          <a:sym typeface="Courier" charset="0"/>
-                        </a:rPr>
-                        <a:t>Any whitespace character (e.g. tab)</a:t>
-                      </a:r>
-                    </a:p>
-                  </a:txBody>
-                  <a:tcPr marL="36430" marR="36430" marT="36430" marB="36430" anchor="ctr" horzOverflow="overflow">
-                    <a:lnL w="28575" cap="flat" cmpd="sng" algn="ctr">
-                      <a:solidFill>
-                        <a:schemeClr val="tx1"/>
-                      </a:solidFill>
-                      <a:prstDash val="solid"/>
-                      <a:round/>
-                      <a:headEnd type="none" w="med" len="med"/>
-                      <a:tailEnd type="none" w="med" len="med"/>
-                    </a:lnL>
-                    <a:lnR w="28575" cap="flat" cmpd="sng" algn="ctr">
-                      <a:solidFill>
-                        <a:schemeClr val="tx1"/>
-                      </a:solidFill>
-                      <a:prstDash val="solid"/>
-                      <a:round/>
-                      <a:headEnd type="none" w="med" len="med"/>
-                      <a:tailEnd type="none" w="med" len="med"/>
-                    </a:lnR>
-                    <a:lnT w="28575" cap="flat" cmpd="sng" algn="ctr">
-                      <a:solidFill>
-                        <a:schemeClr val="tx1"/>
-                      </a:solidFill>
-                      <a:prstDash val="solid"/>
-                      <a:round/>
-                      <a:headEnd type="none" w="med" len="med"/>
-                      <a:tailEnd type="none" w="med" len="med"/>
-                    </a:lnT>
-                    <a:lnB w="28575" cap="flat" cmpd="sng" algn="ctr">
-                      <a:solidFill>
-                        <a:schemeClr val="tx1"/>
-                      </a:solidFill>
-                      <a:prstDash val="solid"/>
-                      <a:round/>
-                      <a:headEnd type="none" w="med" len="med"/>
-                      <a:tailEnd type="none" w="med" len="med"/>
-                    </a:lnB>
-                    <a:lnTlToBr>
-                      <a:noFill/>
-                    </a:lnTlToBr>
-                    <a:lnBlToTr>
-                      <a:noFill/>
-                    </a:lnBlToTr>
-                    <a:noFill/>
-                  </a:tcPr>
-                </a:tc>
-                <a:extLst>
-                  <a:ext uri="{0D108BD9-81ED-4DB2-BD59-A6C34878D82A}">
-                    <a16:rowId xmlns:a16="http://schemas.microsoft.com/office/drawing/2014/main" val="3310906646"/>
-                  </a:ext>
-                </a:extLst>
-              </a:tr>
-              <a:tr h="437158">
-                <a:tc>
-                  <a:txBody>
-                    <a:bodyPr/>
-                    <a:lstStyle/>
-                    <a:p>
-                      <a:pPr marL="0" marR="0" lvl="0" indent="0" algn="ctr" defTabSz="914400" rtl="0" eaLnBrk="1" fontAlgn="base" latinLnBrk="0" hangingPunct="1">
-                        <a:lnSpc>
-                          <a:spcPct val="100000"/>
-                        </a:lnSpc>
-                        <a:spcBef>
-                          <a:spcPct val="0"/>
-                        </a:spcBef>
-                        <a:spcAft>
-                          <a:spcPct val="0"/>
-                        </a:spcAft>
-                        <a:buClrTx/>
-                        <a:buSzPct val="171000"/>
-                        <a:buFont typeface="Gill Sans" charset="0"/>
-                        <a:buNone/>
-                        <a:tabLst>
-                          <a:tab pos="914400" algn="l"/>
-                        </a:tabLst>
-                      </a:pPr>
-                      <a:r>
-                        <a:rPr kumimoji="0" lang="en-US" sz="1700" b="0" i="0" u="none" strike="noStrike" cap="none" normalizeH="0" baseline="0">
-                          <a:ln>
-                            <a:noFill/>
-                          </a:ln>
-                          <a:solidFill>
-                            <a:schemeClr val="tx1"/>
-                          </a:solidFill>
-                          <a:effectLst/>
-                          <a:latin typeface="Consolas" panose="020B0609020204030204" pitchFamily="49" charset="0"/>
-                          <a:ea typeface="Courier" charset="0"/>
-                          <a:cs typeface="Consolas" panose="020B0609020204030204" pitchFamily="49" charset="0"/>
-                          <a:sym typeface="Courier" charset="0"/>
-                        </a:rPr>
-                        <a:t>\S</a:t>
-                      </a:r>
-                    </a:p>
-                  </a:txBody>
-                  <a:tcPr marL="36430" marR="36430" marT="36430" marB="36430" anchor="ctr" horzOverflow="overflow">
-                    <a:lnL w="28575" cap="flat" cmpd="sng" algn="ctr">
-                      <a:solidFill>
-                        <a:schemeClr val="tx1"/>
-                      </a:solidFill>
-                      <a:prstDash val="solid"/>
-                      <a:round/>
-                      <a:headEnd type="none" w="med" len="med"/>
-                      <a:tailEnd type="none" w="med" len="med"/>
-                    </a:lnL>
-                    <a:lnR w="28575" cap="flat" cmpd="sng" algn="ctr">
-                      <a:solidFill>
-                        <a:schemeClr val="tx1"/>
-                      </a:solidFill>
-                      <a:prstDash val="solid"/>
-                      <a:round/>
-                      <a:headEnd type="none" w="med" len="med"/>
-                      <a:tailEnd type="none" w="med" len="med"/>
-                    </a:lnR>
-                    <a:lnT w="28575" cap="flat" cmpd="sng" algn="ctr">
-                      <a:solidFill>
-                        <a:schemeClr val="tx1"/>
-                      </a:solidFill>
-                      <a:prstDash val="solid"/>
-                      <a:round/>
-                      <a:headEnd type="none" w="med" len="med"/>
-                      <a:tailEnd type="none" w="med" len="med"/>
-                    </a:lnT>
-                    <a:lnB w="28575" cap="flat" cmpd="sng" algn="ctr">
-                      <a:solidFill>
-                        <a:schemeClr val="tx1"/>
-                      </a:solidFill>
-                      <a:prstDash val="solid"/>
-                      <a:round/>
-                      <a:headEnd type="none" w="med" len="med"/>
-                      <a:tailEnd type="none" w="med" len="med"/>
-                    </a:lnB>
-                    <a:lnTlToBr>
-                      <a:noFill/>
-                    </a:lnTlToBr>
-                    <a:lnBlToTr>
-                      <a:noFill/>
-                    </a:lnBlToTr>
-                    <a:noFill/>
-                  </a:tcPr>
-                </a:tc>
-                <a:tc>
-                  <a:txBody>
-                    <a:bodyPr/>
-                    <a:lstStyle/>
-                    <a:p>
-                      <a:pPr marL="0" marR="0" lvl="0" indent="0" algn="ctr" defTabSz="914400" rtl="0" eaLnBrk="1" fontAlgn="base" latinLnBrk="0" hangingPunct="1">
-                        <a:lnSpc>
-                          <a:spcPct val="100000"/>
-                        </a:lnSpc>
-                        <a:spcBef>
-                          <a:spcPct val="0"/>
-                        </a:spcBef>
-                        <a:spcAft>
-                          <a:spcPct val="0"/>
-                        </a:spcAft>
-                        <a:buClrTx/>
-                        <a:buSzPct val="171000"/>
-                        <a:buFont typeface="Gill Sans" charset="0"/>
-                        <a:buNone/>
-                        <a:tabLst>
-                          <a:tab pos="914400" algn="l"/>
-                        </a:tabLst>
-                      </a:pPr>
-                      <a:r>
-                        <a:rPr kumimoji="0" lang="en-US" sz="1700" b="0" i="0" u="none" strike="noStrike" cap="none" normalizeH="0" baseline="0">
-                          <a:ln>
-                            <a:noFill/>
-                          </a:ln>
-                          <a:solidFill>
-                            <a:schemeClr val="tx1"/>
-                          </a:solidFill>
-                          <a:effectLst/>
-                          <a:latin typeface="+mj-lt"/>
-                          <a:ea typeface="Courier" charset="0"/>
-                          <a:cs typeface="Courier" charset="0"/>
-                          <a:sym typeface="Courier" charset="0"/>
-                        </a:rPr>
-                        <a:t>Any non-whitespace character</a:t>
-                      </a:r>
-                    </a:p>
-                  </a:txBody>
-                  <a:tcPr marL="36430" marR="36430" marT="36430" marB="36430" anchor="ctr" horzOverflow="overflow">
-                    <a:lnL w="28575" cap="flat" cmpd="sng" algn="ctr">
-                      <a:solidFill>
-                        <a:schemeClr val="tx1"/>
-                      </a:solidFill>
-                      <a:prstDash val="solid"/>
-                      <a:round/>
-                      <a:headEnd type="none" w="med" len="med"/>
-                      <a:tailEnd type="none" w="med" len="med"/>
-                    </a:lnL>
-                    <a:lnR w="28575" cap="flat" cmpd="sng" algn="ctr">
-                      <a:solidFill>
-                        <a:schemeClr val="tx1"/>
-                      </a:solidFill>
-                      <a:prstDash val="solid"/>
-                      <a:round/>
-                      <a:headEnd type="none" w="med" len="med"/>
-                      <a:tailEnd type="none" w="med" len="med"/>
-                    </a:lnR>
-                    <a:lnT w="28575" cap="flat" cmpd="sng" algn="ctr">
-                      <a:solidFill>
-                        <a:schemeClr val="tx1"/>
-                      </a:solidFill>
-                      <a:prstDash val="solid"/>
-                      <a:round/>
-                      <a:headEnd type="none" w="med" len="med"/>
-                      <a:tailEnd type="none" w="med" len="med"/>
-                    </a:lnT>
-                    <a:lnB w="28575" cap="flat" cmpd="sng" algn="ctr">
-                      <a:solidFill>
-                        <a:schemeClr val="tx1"/>
-                      </a:solidFill>
-                      <a:prstDash val="solid"/>
-                      <a:round/>
-                      <a:headEnd type="none" w="med" len="med"/>
-                      <a:tailEnd type="none" w="med" len="med"/>
-                    </a:lnB>
-                    <a:lnTlToBr>
-                      <a:noFill/>
-                    </a:lnTlToBr>
-                    <a:lnBlToTr>
-                      <a:noFill/>
-                    </a:lnBlToTr>
-                    <a:noFill/>
-                  </a:tcPr>
-                </a:tc>
-                <a:extLst>
-                  <a:ext uri="{0D108BD9-81ED-4DB2-BD59-A6C34878D82A}">
-                    <a16:rowId xmlns:a16="http://schemas.microsoft.com/office/drawing/2014/main" val="49961167"/>
-                  </a:ext>
-                </a:extLst>
-              </a:tr>
-              <a:tr h="437158">
-                <a:tc>
-                  <a:txBody>
-                    <a:bodyPr/>
-                    <a:lstStyle/>
-                    <a:p>
-                      <a:pPr marL="0" marR="0" lvl="0" indent="0" algn="ctr" defTabSz="914400" rtl="0" eaLnBrk="1" fontAlgn="base" latinLnBrk="0" hangingPunct="1">
-                        <a:lnSpc>
-                          <a:spcPct val="100000"/>
-                        </a:lnSpc>
-                        <a:spcBef>
-                          <a:spcPct val="0"/>
-                        </a:spcBef>
-                        <a:spcAft>
-                          <a:spcPct val="0"/>
-                        </a:spcAft>
-                        <a:buClrTx/>
-                        <a:buSzPct val="171000"/>
-                        <a:buFont typeface="Gill Sans" charset="0"/>
-                        <a:buNone/>
-                        <a:tabLst>
-                          <a:tab pos="914400" algn="l"/>
-                        </a:tabLst>
-                      </a:pPr>
-                      <a:r>
-                        <a:rPr kumimoji="0" lang="en-US" sz="1700" b="0" i="0" u="none" strike="noStrike" cap="none" normalizeH="0" baseline="0">
-                          <a:ln>
-                            <a:noFill/>
-                          </a:ln>
-                          <a:solidFill>
-                            <a:schemeClr val="tx1"/>
-                          </a:solidFill>
-                          <a:effectLst/>
-                          <a:latin typeface="Consolas" panose="020B0609020204030204" pitchFamily="49" charset="0"/>
-                          <a:ea typeface="Courier" charset="0"/>
-                          <a:cs typeface="Consolas" panose="020B0609020204030204" pitchFamily="49" charset="0"/>
-                          <a:sym typeface="Courier" charset="0"/>
-                        </a:rPr>
-                        <a:t>\b</a:t>
-                      </a:r>
-                    </a:p>
-                  </a:txBody>
-                  <a:tcPr marL="36430" marR="36430" marT="36430" marB="36430" anchor="ctr" horzOverflow="overflow">
-                    <a:lnL w="28575" cap="flat" cmpd="sng" algn="ctr">
-                      <a:solidFill>
-                        <a:schemeClr val="tx1"/>
-                      </a:solidFill>
-                      <a:prstDash val="solid"/>
-                      <a:round/>
-                      <a:headEnd type="none" w="med" len="med"/>
-                      <a:tailEnd type="none" w="med" len="med"/>
-                    </a:lnL>
-                    <a:lnR w="28575" cap="flat" cmpd="sng" algn="ctr">
-                      <a:solidFill>
-                        <a:schemeClr val="tx1"/>
-                      </a:solidFill>
-                      <a:prstDash val="solid"/>
-                      <a:round/>
-                      <a:headEnd type="none" w="med" len="med"/>
-                      <a:tailEnd type="none" w="med" len="med"/>
-                    </a:lnR>
-                    <a:lnT w="28575" cap="flat" cmpd="sng" algn="ctr">
-                      <a:solidFill>
-                        <a:schemeClr val="tx1"/>
-                      </a:solidFill>
-                      <a:prstDash val="solid"/>
-                      <a:round/>
-                      <a:headEnd type="none" w="med" len="med"/>
-                      <a:tailEnd type="none" w="med" len="med"/>
-                    </a:lnT>
-                    <a:lnB w="28575" cap="flat" cmpd="sng" algn="ctr">
-                      <a:solidFill>
-                        <a:schemeClr val="tx1"/>
-                      </a:solidFill>
-                      <a:prstDash val="solid"/>
-                      <a:round/>
-                      <a:headEnd type="none" w="med" len="med"/>
-                      <a:tailEnd type="none" w="med" len="med"/>
-                    </a:lnB>
-                    <a:lnTlToBr>
-                      <a:noFill/>
-                    </a:lnTlToBr>
-                    <a:lnBlToTr>
-                      <a:noFill/>
-                    </a:lnBlToTr>
-                    <a:noFill/>
-                  </a:tcPr>
-                </a:tc>
-                <a:tc>
-                  <a:txBody>
-                    <a:bodyPr/>
-                    <a:lstStyle/>
-                    <a:p>
-                      <a:pPr marL="0" marR="0" lvl="0" indent="0" algn="ctr" defTabSz="914400" rtl="0" eaLnBrk="1" fontAlgn="base" latinLnBrk="0" hangingPunct="1">
-                        <a:lnSpc>
-                          <a:spcPct val="100000"/>
-                        </a:lnSpc>
-                        <a:spcBef>
-                          <a:spcPct val="0"/>
-                        </a:spcBef>
-                        <a:spcAft>
-                          <a:spcPct val="0"/>
-                        </a:spcAft>
-                        <a:buClrTx/>
-                        <a:buSzPct val="171000"/>
-                        <a:buFont typeface="Gill Sans" charset="0"/>
-                        <a:buNone/>
-                        <a:tabLst>
-                          <a:tab pos="914400" algn="l"/>
-                        </a:tabLst>
-                      </a:pPr>
-                      <a:r>
-                        <a:rPr kumimoji="0" lang="en-US" sz="1700" b="0" i="0" u="none" strike="noStrike" cap="none" normalizeH="0" baseline="0">
-                          <a:ln>
-                            <a:noFill/>
-                          </a:ln>
-                          <a:solidFill>
-                            <a:schemeClr val="tx1"/>
-                          </a:solidFill>
-                          <a:effectLst/>
-                          <a:latin typeface="+mj-lt"/>
-                          <a:ea typeface="Courier" charset="0"/>
-                          <a:cs typeface="Courier" charset="0"/>
-                          <a:sym typeface="Courier" charset="0"/>
-                        </a:rPr>
-                        <a:t>Word boundary</a:t>
-                      </a:r>
-                    </a:p>
-                  </a:txBody>
-                  <a:tcPr marL="36430" marR="36430" marT="36430" marB="36430" anchor="ctr" horzOverflow="overflow">
-                    <a:lnL w="28575" cap="flat" cmpd="sng" algn="ctr">
-                      <a:solidFill>
-                        <a:schemeClr val="tx1"/>
-                      </a:solidFill>
-                      <a:prstDash val="solid"/>
-                      <a:round/>
-                      <a:headEnd type="none" w="med" len="med"/>
-                      <a:tailEnd type="none" w="med" len="med"/>
-                    </a:lnL>
-                    <a:lnR w="28575" cap="flat" cmpd="sng" algn="ctr">
-                      <a:solidFill>
-                        <a:schemeClr val="tx1"/>
-                      </a:solidFill>
-                      <a:prstDash val="solid"/>
-                      <a:round/>
-                      <a:headEnd type="none" w="med" len="med"/>
-                      <a:tailEnd type="none" w="med" len="med"/>
-                    </a:lnR>
-                    <a:lnT w="28575" cap="flat" cmpd="sng" algn="ctr">
-                      <a:solidFill>
-                        <a:schemeClr val="tx1"/>
-                      </a:solidFill>
-                      <a:prstDash val="solid"/>
-                      <a:round/>
-                      <a:headEnd type="none" w="med" len="med"/>
-                      <a:tailEnd type="none" w="med" len="med"/>
-                    </a:lnT>
-                    <a:lnB w="28575" cap="flat" cmpd="sng" algn="ctr">
-                      <a:solidFill>
-                        <a:schemeClr val="tx1"/>
-                      </a:solidFill>
-                      <a:prstDash val="solid"/>
-                      <a:round/>
-                      <a:headEnd type="none" w="med" len="med"/>
-                      <a:tailEnd type="none" w="med" len="med"/>
-                    </a:lnB>
-                    <a:lnTlToBr>
-                      <a:noFill/>
-                    </a:lnTlToBr>
-                    <a:lnBlToTr>
-                      <a:noFill/>
-                    </a:lnBlToTr>
-                    <a:noFill/>
-                  </a:tcPr>
-                </a:tc>
-                <a:extLst>
-                  <a:ext uri="{0D108BD9-81ED-4DB2-BD59-A6C34878D82A}">
-                    <a16:rowId xmlns:a16="http://schemas.microsoft.com/office/drawing/2014/main" val="508114862"/>
-                  </a:ext>
-                </a:extLst>
-              </a:tr>
-              <a:tr h="437158">
-                <a:tc>
-                  <a:txBody>
-                    <a:bodyPr/>
-                    <a:lstStyle/>
-                    <a:p>
-                      <a:pPr marL="0" marR="0" lvl="0" indent="0" algn="ctr" defTabSz="914400" rtl="0" eaLnBrk="1" fontAlgn="base" latinLnBrk="0" hangingPunct="1">
-                        <a:lnSpc>
-                          <a:spcPct val="100000"/>
-                        </a:lnSpc>
-                        <a:spcBef>
-                          <a:spcPct val="0"/>
-                        </a:spcBef>
-                        <a:spcAft>
-                          <a:spcPct val="0"/>
-                        </a:spcAft>
-                        <a:buClrTx/>
-                        <a:buSzPct val="171000"/>
-                        <a:buFont typeface="Gill Sans" charset="0"/>
-                        <a:buNone/>
-                        <a:tabLst>
-                          <a:tab pos="914400" algn="l"/>
-                        </a:tabLst>
-                      </a:pPr>
-                      <a:r>
-                        <a:rPr kumimoji="0" lang="en-US" sz="1700" b="0" i="0" u="none" strike="noStrike" cap="none" normalizeH="0" baseline="0">
-                          <a:ln>
-                            <a:noFill/>
-                          </a:ln>
-                          <a:solidFill>
-                            <a:schemeClr val="tx1"/>
-                          </a:solidFill>
-                          <a:effectLst/>
-                          <a:latin typeface="Consolas" panose="020B0609020204030204" pitchFamily="49" charset="0"/>
-                          <a:ea typeface="Courier" charset="0"/>
-                          <a:cs typeface="Consolas" panose="020B0609020204030204" pitchFamily="49" charset="0"/>
-                          <a:sym typeface="Courier" charset="0"/>
-                        </a:rPr>
-                        <a:t>\B</a:t>
-                      </a:r>
-                    </a:p>
-                  </a:txBody>
-                  <a:tcPr marL="36430" marR="36430" marT="36430" marB="36430" anchor="ctr" horzOverflow="overflow">
-                    <a:lnL w="28575" cap="flat" cmpd="sng" algn="ctr">
-                      <a:solidFill>
-                        <a:schemeClr val="tx1"/>
-                      </a:solidFill>
-                      <a:prstDash val="solid"/>
-                      <a:round/>
-                      <a:headEnd type="none" w="med" len="med"/>
-                      <a:tailEnd type="none" w="med" len="med"/>
-                    </a:lnL>
-                    <a:lnR w="28575" cap="flat" cmpd="sng" algn="ctr">
-                      <a:solidFill>
-                        <a:schemeClr val="tx1"/>
-                      </a:solidFill>
-                      <a:prstDash val="solid"/>
-                      <a:round/>
-                      <a:headEnd type="none" w="med" len="med"/>
-                      <a:tailEnd type="none" w="med" len="med"/>
-                    </a:lnR>
-                    <a:lnT w="28575" cap="flat" cmpd="sng" algn="ctr">
-                      <a:solidFill>
-                        <a:schemeClr val="tx1"/>
-                      </a:solidFill>
-                      <a:prstDash val="solid"/>
-                      <a:round/>
-                      <a:headEnd type="none" w="med" len="med"/>
-                      <a:tailEnd type="none" w="med" len="med"/>
-                    </a:lnT>
-                    <a:lnB w="28575" cap="flat" cmpd="sng" algn="ctr">
-                      <a:solidFill>
-                        <a:schemeClr val="tx1"/>
-                      </a:solidFill>
-                      <a:prstDash val="solid"/>
-                      <a:round/>
-                      <a:headEnd type="none" w="med" len="med"/>
-                      <a:tailEnd type="none" w="med" len="med"/>
-                    </a:lnB>
-                    <a:lnTlToBr>
-                      <a:noFill/>
-                    </a:lnTlToBr>
-                    <a:lnBlToTr>
-                      <a:noFill/>
-                    </a:lnBlToTr>
-                    <a:noFill/>
-                  </a:tcPr>
-                </a:tc>
-                <a:tc>
-                  <a:txBody>
-                    <a:bodyPr/>
-                    <a:lstStyle/>
-                    <a:p>
-                      <a:pPr marL="0" marR="0" lvl="0" indent="0" algn="ctr" defTabSz="914400" rtl="0" eaLnBrk="1" fontAlgn="base" latinLnBrk="0" hangingPunct="1">
-                        <a:lnSpc>
-                          <a:spcPct val="100000"/>
-                        </a:lnSpc>
-                        <a:spcBef>
-                          <a:spcPct val="0"/>
-                        </a:spcBef>
-                        <a:spcAft>
-                          <a:spcPct val="0"/>
-                        </a:spcAft>
-                        <a:buClrTx/>
-                        <a:buSzPct val="171000"/>
-                        <a:buFont typeface="Gill Sans" charset="0"/>
-                        <a:buNone/>
-                        <a:tabLst>
-                          <a:tab pos="914400" algn="l"/>
-                        </a:tabLst>
-                      </a:pPr>
-                      <a:r>
-                        <a:rPr kumimoji="0" lang="en-US" sz="1700" b="0" i="0" u="none" strike="noStrike" cap="none" normalizeH="0" baseline="0" dirty="0">
-                          <a:ln>
-                            <a:noFill/>
-                          </a:ln>
-                          <a:solidFill>
-                            <a:schemeClr val="tx1"/>
-                          </a:solidFill>
-                          <a:effectLst/>
-                          <a:latin typeface="+mj-lt"/>
-                          <a:ea typeface="Courier" charset="0"/>
-                          <a:cs typeface="Courier" charset="0"/>
-                          <a:sym typeface="Courier" charset="0"/>
-                        </a:rPr>
-                        <a:t>Any non-word boundary position</a:t>
-                      </a:r>
-                    </a:p>
-                  </a:txBody>
-                  <a:tcPr marL="36430" marR="36430" marT="36430" marB="36430" anchor="ctr" horzOverflow="overflow">
-                    <a:lnL w="28575" cap="flat" cmpd="sng" algn="ctr">
-                      <a:solidFill>
-                        <a:schemeClr val="tx1"/>
-                      </a:solidFill>
-                      <a:prstDash val="solid"/>
-                      <a:round/>
-                      <a:headEnd type="none" w="med" len="med"/>
-                      <a:tailEnd type="none" w="med" len="med"/>
-                    </a:lnL>
-                    <a:lnR w="28575" cap="flat" cmpd="sng" algn="ctr">
-                      <a:solidFill>
-                        <a:schemeClr val="tx1"/>
-                      </a:solidFill>
-                      <a:prstDash val="solid"/>
-                      <a:round/>
-                      <a:headEnd type="none" w="med" len="med"/>
-                      <a:tailEnd type="none" w="med" len="med"/>
-                    </a:lnR>
-                    <a:lnT w="28575" cap="flat" cmpd="sng" algn="ctr">
-                      <a:solidFill>
-                        <a:schemeClr val="tx1"/>
-                      </a:solidFill>
-                      <a:prstDash val="solid"/>
-                      <a:round/>
-                      <a:headEnd type="none" w="med" len="med"/>
-                      <a:tailEnd type="none" w="med" len="med"/>
-                    </a:lnT>
-                    <a:lnB w="28575" cap="flat" cmpd="sng" algn="ctr">
-                      <a:solidFill>
-                        <a:schemeClr val="tx1"/>
-                      </a:solidFill>
-                      <a:prstDash val="solid"/>
-                      <a:round/>
-                      <a:headEnd type="none" w="med" len="med"/>
-                      <a:tailEnd type="none" w="med" len="med"/>
-                    </a:lnB>
-                    <a:lnTlToBr>
-                      <a:noFill/>
-                    </a:lnTlToBr>
-                    <a:lnBlToTr>
-                      <a:noFill/>
-                    </a:lnBlToTr>
-                    <a:noFill/>
-                  </a:tcPr>
-                </a:tc>
-                <a:extLst>
-                  <a:ext uri="{0D108BD9-81ED-4DB2-BD59-A6C34878D82A}">
-                    <a16:rowId xmlns:a16="http://schemas.microsoft.com/office/drawing/2014/main" val="2543545119"/>
-                  </a:ext>
-                </a:extLst>
-              </a:tr>
-              <a:tr h="437158">
-                <a:tc>
-                  <a:txBody>
-                    <a:bodyPr/>
-                    <a:lstStyle/>
-                    <a:p>
-                      <a:pPr marL="0" marR="0" lvl="0" indent="0" algn="ctr" defTabSz="914400" rtl="0" eaLnBrk="1" fontAlgn="base" latinLnBrk="0" hangingPunct="1">
-                        <a:lnSpc>
-                          <a:spcPct val="100000"/>
-                        </a:lnSpc>
-                        <a:spcBef>
-                          <a:spcPct val="0"/>
-                        </a:spcBef>
-                        <a:spcAft>
-                          <a:spcPct val="0"/>
-                        </a:spcAft>
-                        <a:buClrTx/>
-                        <a:buSzPct val="171000"/>
-                        <a:buFont typeface="Gill Sans" charset="0"/>
-                        <a:buNone/>
-                        <a:tabLst>
-                          <a:tab pos="914400" algn="l"/>
-                        </a:tabLst>
-                      </a:pPr>
-                      <a:r>
-                        <a:rPr kumimoji="0" lang="en-US" sz="1700" b="0" i="0" u="none" strike="noStrike" cap="none" normalizeH="0" baseline="0" dirty="0">
-                          <a:ln>
-                            <a:noFill/>
-                          </a:ln>
-                          <a:solidFill>
-                            <a:schemeClr val="tx1"/>
-                          </a:solidFill>
-                          <a:effectLst/>
-                          <a:latin typeface="Consolas" panose="020B0609020204030204" pitchFamily="49" charset="0"/>
-                          <a:ea typeface="Courier" charset="0"/>
-                          <a:cs typeface="Consolas" panose="020B0609020204030204" pitchFamily="49" charset="0"/>
-                          <a:sym typeface="Courier" charset="0"/>
-                        </a:rPr>
-                        <a:t>\w</a:t>
-                      </a:r>
-                    </a:p>
-                  </a:txBody>
-                  <a:tcPr marL="36430" marR="36430" marT="36430" marB="36430" anchor="ctr" horzOverflow="overflow">
-                    <a:lnL w="28575" cap="flat" cmpd="sng" algn="ctr">
-                      <a:solidFill>
-                        <a:schemeClr val="tx1"/>
-                      </a:solidFill>
-                      <a:prstDash val="solid"/>
-                      <a:round/>
-                      <a:headEnd type="none" w="med" len="med"/>
-                      <a:tailEnd type="none" w="med" len="med"/>
-                    </a:lnL>
-                    <a:lnR w="28575" cap="flat" cmpd="sng" algn="ctr">
-                      <a:solidFill>
-                        <a:schemeClr val="tx1"/>
-                      </a:solidFill>
-                      <a:prstDash val="solid"/>
-                      <a:round/>
-                      <a:headEnd type="none" w="med" len="med"/>
-                      <a:tailEnd type="none" w="med" len="med"/>
-                    </a:lnR>
-                    <a:lnT w="28575" cap="flat" cmpd="sng" algn="ctr">
-                      <a:solidFill>
-                        <a:schemeClr val="tx1"/>
-                      </a:solidFill>
-                      <a:prstDash val="solid"/>
-                      <a:round/>
-                      <a:headEnd type="none" w="med" len="med"/>
-                      <a:tailEnd type="none" w="med" len="med"/>
-                    </a:lnT>
-                    <a:lnB w="28575" cap="flat" cmpd="sng" algn="ctr">
-                      <a:solidFill>
-                        <a:schemeClr val="tx1"/>
-                      </a:solidFill>
-                      <a:prstDash val="solid"/>
-                      <a:round/>
-                      <a:headEnd type="none" w="med" len="med"/>
-                      <a:tailEnd type="none" w="med" len="med"/>
-                    </a:lnB>
-                    <a:lnTlToBr>
-                      <a:noFill/>
-                    </a:lnTlToBr>
-                    <a:lnBlToTr>
-                      <a:noFill/>
-                    </a:lnBlToTr>
-                    <a:noFill/>
-                  </a:tcPr>
-                </a:tc>
-                <a:tc>
-                  <a:txBody>
-                    <a:bodyPr/>
-                    <a:lstStyle/>
-                    <a:p>
-                      <a:pPr marL="0" marR="0" lvl="0" indent="0" algn="ctr" defTabSz="914400" rtl="0" eaLnBrk="1" fontAlgn="base" latinLnBrk="0" hangingPunct="1">
-                        <a:lnSpc>
-                          <a:spcPct val="100000"/>
-                        </a:lnSpc>
-                        <a:spcBef>
-                          <a:spcPct val="0"/>
-                        </a:spcBef>
-                        <a:spcAft>
-                          <a:spcPct val="0"/>
-                        </a:spcAft>
-                        <a:buClrTx/>
-                        <a:buSzPct val="171000"/>
-                        <a:buFont typeface="Gill Sans" charset="0"/>
-                        <a:buNone/>
-                        <a:tabLst>
-                          <a:tab pos="914400" algn="l"/>
-                        </a:tabLst>
-                      </a:pPr>
-                      <a:r>
-                        <a:rPr kumimoji="0" lang="en-US" sz="1700" b="0" i="0" u="none" strike="noStrike" cap="none" normalizeH="0" baseline="0" dirty="0">
-                          <a:ln>
-                            <a:noFill/>
-                          </a:ln>
-                          <a:solidFill>
-                            <a:schemeClr val="tx1"/>
-                          </a:solidFill>
-                          <a:effectLst/>
-                          <a:latin typeface="+mj-lt"/>
-                          <a:ea typeface="Courier" charset="0"/>
-                          <a:cs typeface="Courier" charset="0"/>
-                          <a:sym typeface="Courier" charset="0"/>
-                        </a:rPr>
-                        <a:t>Any word character (a-z, A-Z, 0-9)</a:t>
-                      </a:r>
-                    </a:p>
-                  </a:txBody>
-                  <a:tcPr marL="36430" marR="36430" marT="36430" marB="36430" anchor="ctr" horzOverflow="overflow">
-                    <a:lnL w="28575" cap="flat" cmpd="sng" algn="ctr">
-                      <a:solidFill>
-                        <a:schemeClr val="tx1"/>
-                      </a:solidFill>
-                      <a:prstDash val="solid"/>
-                      <a:round/>
-                      <a:headEnd type="none" w="med" len="med"/>
-                      <a:tailEnd type="none" w="med" len="med"/>
-                    </a:lnL>
-                    <a:lnR w="28575" cap="flat" cmpd="sng" algn="ctr">
-                      <a:solidFill>
-                        <a:schemeClr val="tx1"/>
-                      </a:solidFill>
-                      <a:prstDash val="solid"/>
-                      <a:round/>
-                      <a:headEnd type="none" w="med" len="med"/>
-                      <a:tailEnd type="none" w="med" len="med"/>
-                    </a:lnR>
-                    <a:lnT w="28575" cap="flat" cmpd="sng" algn="ctr">
-                      <a:solidFill>
-                        <a:schemeClr val="tx1"/>
-                      </a:solidFill>
-                      <a:prstDash val="solid"/>
-                      <a:round/>
-                      <a:headEnd type="none" w="med" len="med"/>
-                      <a:tailEnd type="none" w="med" len="med"/>
-                    </a:lnT>
-                    <a:lnB w="28575" cap="flat" cmpd="sng" algn="ctr">
-                      <a:solidFill>
-                        <a:schemeClr val="tx1"/>
-                      </a:solidFill>
-                      <a:prstDash val="solid"/>
-                      <a:round/>
-                      <a:headEnd type="none" w="med" len="med"/>
-                      <a:tailEnd type="none" w="med" len="med"/>
-                    </a:lnB>
-                    <a:lnTlToBr>
-                      <a:noFill/>
-                    </a:lnTlToBr>
-                    <a:lnBlToTr>
-                      <a:noFill/>
-                    </a:lnBlToTr>
-                    <a:noFill/>
-                  </a:tcPr>
-                </a:tc>
-                <a:extLst>
-                  <a:ext uri="{0D108BD9-81ED-4DB2-BD59-A6C34878D82A}">
-                    <a16:rowId xmlns:a16="http://schemas.microsoft.com/office/drawing/2014/main" val="588464510"/>
-                  </a:ext>
-                </a:extLst>
-              </a:tr>
-              <a:tr h="437158">
-                <a:tc>
-                  <a:txBody>
-                    <a:bodyPr/>
-                    <a:lstStyle/>
-                    <a:p>
-                      <a:pPr marL="0" marR="0" lvl="0" indent="0" algn="ctr" defTabSz="914400" rtl="0" eaLnBrk="1" fontAlgn="base" latinLnBrk="0" hangingPunct="1">
-                        <a:lnSpc>
-                          <a:spcPct val="100000"/>
-                        </a:lnSpc>
-                        <a:spcBef>
-                          <a:spcPct val="0"/>
-                        </a:spcBef>
-                        <a:spcAft>
-                          <a:spcPct val="0"/>
-                        </a:spcAft>
-                        <a:buClrTx/>
-                        <a:buSzPct val="171000"/>
-                        <a:buFont typeface="Gill Sans" charset="0"/>
-                        <a:buNone/>
-                        <a:tabLst>
-                          <a:tab pos="914400" algn="l"/>
-                        </a:tabLst>
-                      </a:pPr>
-                      <a:r>
-                        <a:rPr kumimoji="0" lang="en-US" sz="1700" b="0" i="0" u="none" strike="noStrike" cap="none" normalizeH="0" baseline="0" dirty="0">
-                          <a:ln>
-                            <a:noFill/>
-                          </a:ln>
-                          <a:solidFill>
-                            <a:schemeClr val="tx1"/>
-                          </a:solidFill>
-                          <a:effectLst/>
-                          <a:latin typeface="Consolas" panose="020B0609020204030204" pitchFamily="49" charset="0"/>
-                          <a:ea typeface="Courier" charset="0"/>
-                          <a:cs typeface="Consolas" panose="020B0609020204030204" pitchFamily="49" charset="0"/>
-                          <a:sym typeface="Courier" charset="0"/>
-                        </a:rPr>
-                        <a:t>\W</a:t>
-                      </a:r>
-                    </a:p>
-                  </a:txBody>
-                  <a:tcPr marL="36430" marR="36430" marT="36430" marB="36430" anchor="ctr" horzOverflow="overflow">
-                    <a:lnL w="28575" cap="flat" cmpd="sng" algn="ctr">
-                      <a:solidFill>
-                        <a:schemeClr val="tx1"/>
-                      </a:solidFill>
-                      <a:prstDash val="solid"/>
-                      <a:round/>
-                      <a:headEnd type="none" w="med" len="med"/>
-                      <a:tailEnd type="none" w="med" len="med"/>
-                    </a:lnL>
-                    <a:lnR w="28575" cap="flat" cmpd="sng" algn="ctr">
-                      <a:solidFill>
-                        <a:schemeClr val="tx1"/>
-                      </a:solidFill>
-                      <a:prstDash val="solid"/>
-                      <a:round/>
-                      <a:headEnd type="none" w="med" len="med"/>
-                      <a:tailEnd type="none" w="med" len="med"/>
-                    </a:lnR>
-                    <a:lnT w="28575" cap="flat" cmpd="sng" algn="ctr">
-                      <a:solidFill>
-                        <a:schemeClr val="tx1"/>
-                      </a:solidFill>
-                      <a:prstDash val="solid"/>
-                      <a:round/>
-                      <a:headEnd type="none" w="med" len="med"/>
-                      <a:tailEnd type="none" w="med" len="med"/>
-                    </a:lnT>
-                    <a:lnB w="28575" cap="flat" cmpd="sng" algn="ctr">
-                      <a:solidFill>
-                        <a:schemeClr val="tx1"/>
-                      </a:solidFill>
-                      <a:prstDash val="solid"/>
-                      <a:round/>
-                      <a:headEnd type="none" w="med" len="med"/>
-                      <a:tailEnd type="none" w="med" len="med"/>
-                    </a:lnB>
-                    <a:lnTlToBr>
-                      <a:noFill/>
-                    </a:lnTlToBr>
-                    <a:lnBlToTr>
-                      <a:noFill/>
-                    </a:lnBlToTr>
-                    <a:noFill/>
-                  </a:tcPr>
-                </a:tc>
-                <a:tc>
-                  <a:txBody>
-                    <a:bodyPr/>
-                    <a:lstStyle/>
-                    <a:p>
-                      <a:pPr marL="0" marR="0" lvl="0" indent="0" algn="ctr" defTabSz="914400" rtl="0" eaLnBrk="1" fontAlgn="base" latinLnBrk="0" hangingPunct="1">
-                        <a:lnSpc>
-                          <a:spcPct val="100000"/>
-                        </a:lnSpc>
-                        <a:spcBef>
-                          <a:spcPct val="0"/>
-                        </a:spcBef>
-                        <a:spcAft>
-                          <a:spcPct val="0"/>
-                        </a:spcAft>
-                        <a:buClrTx/>
-                        <a:buSzPct val="171000"/>
-                        <a:buFont typeface="Gill Sans" charset="0"/>
-                        <a:buNone/>
-                        <a:tabLst>
-                          <a:tab pos="914400" algn="l"/>
-                        </a:tabLst>
-                      </a:pPr>
-                      <a:r>
-                        <a:rPr kumimoji="0" lang="en-US" sz="1700" b="0" i="0" u="none" strike="noStrike" cap="none" normalizeH="0" baseline="0" dirty="0">
-                          <a:ln>
-                            <a:noFill/>
-                          </a:ln>
-                          <a:solidFill>
-                            <a:schemeClr val="tx1"/>
-                          </a:solidFill>
-                          <a:effectLst/>
-                          <a:latin typeface="+mj-lt"/>
-                          <a:ea typeface="Courier" charset="0"/>
-                          <a:cs typeface="Courier" charset="0"/>
-                          <a:sym typeface="Courier" charset="0"/>
-                        </a:rPr>
-                        <a:t>Any non-word character</a:t>
-                      </a:r>
-                    </a:p>
-                  </a:txBody>
-                  <a:tcPr marL="36430" marR="36430" marT="36430" marB="36430" anchor="ctr" horzOverflow="overflow">
-                    <a:lnL w="28575" cap="flat" cmpd="sng" algn="ctr">
-                      <a:solidFill>
-                        <a:schemeClr val="tx1"/>
-                      </a:solidFill>
-                      <a:prstDash val="solid"/>
-                      <a:round/>
-                      <a:headEnd type="none" w="med" len="med"/>
-                      <a:tailEnd type="none" w="med" len="med"/>
-                    </a:lnL>
-                    <a:lnR w="28575" cap="flat" cmpd="sng" algn="ctr">
-                      <a:solidFill>
-                        <a:schemeClr val="tx1"/>
-                      </a:solidFill>
-                      <a:prstDash val="solid"/>
-                      <a:round/>
-                      <a:headEnd type="none" w="med" len="med"/>
-                      <a:tailEnd type="none" w="med" len="med"/>
-                    </a:lnR>
-                    <a:lnT w="28575" cap="flat" cmpd="sng" algn="ctr">
-                      <a:solidFill>
-                        <a:schemeClr val="tx1"/>
-                      </a:solidFill>
-                      <a:prstDash val="solid"/>
-                      <a:round/>
-                      <a:headEnd type="none" w="med" len="med"/>
-                      <a:tailEnd type="none" w="med" len="med"/>
-                    </a:lnT>
-                    <a:lnB w="28575" cap="flat" cmpd="sng" algn="ctr">
-                      <a:solidFill>
-                        <a:schemeClr val="tx1"/>
-                      </a:solidFill>
-                      <a:prstDash val="solid"/>
-                      <a:round/>
-                      <a:headEnd type="none" w="med" len="med"/>
-                      <a:tailEnd type="none" w="med" len="med"/>
-                    </a:lnB>
-                    <a:lnTlToBr>
-                      <a:noFill/>
-                    </a:lnTlToBr>
-                    <a:lnBlToTr>
-                      <a:noFill/>
-                    </a:lnBlToTr>
-                    <a:noFill/>
-                  </a:tcPr>
-                </a:tc>
-                <a:extLst>
-                  <a:ext uri="{0D108BD9-81ED-4DB2-BD59-A6C34878D82A}">
-                    <a16:rowId xmlns:a16="http://schemas.microsoft.com/office/drawing/2014/main" val="1500429973"/>
-                  </a:ext>
-                </a:extLst>
-              </a:tr>
-              <a:tr h="437158">
-                <a:tc>
-                  <a:txBody>
-                    <a:bodyPr/>
-                    <a:lstStyle/>
-                    <a:p>
-                      <a:pPr marL="0" marR="0" lvl="0" indent="0" algn="ctr" defTabSz="914400" rtl="0" eaLnBrk="1" fontAlgn="base" latinLnBrk="0" hangingPunct="1">
-                        <a:lnSpc>
-                          <a:spcPct val="100000"/>
-                        </a:lnSpc>
-                        <a:spcBef>
-                          <a:spcPct val="0"/>
-                        </a:spcBef>
-                        <a:spcAft>
-                          <a:spcPct val="0"/>
-                        </a:spcAft>
-                        <a:buClrTx/>
-                        <a:buSzPct val="171000"/>
-                        <a:buFont typeface="Gill Sans" charset="0"/>
-                        <a:buNone/>
-                        <a:tabLst>
-                          <a:tab pos="914400" algn="l"/>
-                        </a:tabLst>
-                      </a:pPr>
-                      <a:r>
-                        <a:rPr kumimoji="0" lang="en-US" sz="1700" b="0" i="0" u="none" strike="noStrike" cap="none" normalizeH="0" baseline="0">
-                          <a:ln>
-                            <a:noFill/>
-                          </a:ln>
-                          <a:solidFill>
-                            <a:schemeClr val="tx1"/>
-                          </a:solidFill>
-                          <a:effectLst/>
-                          <a:latin typeface="Consolas" panose="020B0609020204030204" pitchFamily="49" charset="0"/>
-                          <a:ea typeface="Courier" charset="0"/>
-                          <a:cs typeface="Consolas" panose="020B0609020204030204" pitchFamily="49" charset="0"/>
-                          <a:sym typeface="Courier" charset="0"/>
-                        </a:rPr>
-                        <a:t>^</a:t>
-                      </a:r>
-                    </a:p>
-                  </a:txBody>
-                  <a:tcPr marL="36430" marR="36430" marT="36430" marB="36430" anchor="ctr" horzOverflow="overflow">
-                    <a:lnL w="28575" cap="flat" cmpd="sng" algn="ctr">
-                      <a:solidFill>
-                        <a:schemeClr val="tx1"/>
-                      </a:solidFill>
-                      <a:prstDash val="solid"/>
-                      <a:round/>
-                      <a:headEnd type="none" w="med" len="med"/>
-                      <a:tailEnd type="none" w="med" len="med"/>
-                    </a:lnL>
-                    <a:lnR w="28575" cap="flat" cmpd="sng" algn="ctr">
-                      <a:solidFill>
-                        <a:schemeClr val="tx1"/>
-                      </a:solidFill>
-                      <a:prstDash val="solid"/>
-                      <a:round/>
-                      <a:headEnd type="none" w="med" len="med"/>
-                      <a:tailEnd type="none" w="med" len="med"/>
-                    </a:lnR>
-                    <a:lnT w="28575" cap="flat" cmpd="sng" algn="ctr">
-                      <a:solidFill>
-                        <a:schemeClr val="tx1"/>
-                      </a:solidFill>
-                      <a:prstDash val="solid"/>
-                      <a:round/>
-                      <a:headEnd type="none" w="med" len="med"/>
-                      <a:tailEnd type="none" w="med" len="med"/>
-                    </a:lnT>
-                    <a:lnB w="28575" cap="flat" cmpd="sng" algn="ctr">
-                      <a:solidFill>
-                        <a:schemeClr val="tx1"/>
-                      </a:solidFill>
-                      <a:prstDash val="solid"/>
-                      <a:round/>
-                      <a:headEnd type="none" w="med" len="med"/>
-                      <a:tailEnd type="none" w="med" len="med"/>
-                    </a:lnB>
-                    <a:lnTlToBr>
-                      <a:noFill/>
-                    </a:lnTlToBr>
-                    <a:lnBlToTr>
-                      <a:noFill/>
-                    </a:lnBlToTr>
-                    <a:noFill/>
-                  </a:tcPr>
-                </a:tc>
-                <a:tc>
-                  <a:txBody>
-                    <a:bodyPr/>
-                    <a:lstStyle/>
-                    <a:p>
-                      <a:pPr marL="0" marR="0" lvl="0" indent="0" algn="ctr" defTabSz="914400" rtl="0" eaLnBrk="1" fontAlgn="base" latinLnBrk="0" hangingPunct="1">
-                        <a:lnSpc>
-                          <a:spcPct val="100000"/>
-                        </a:lnSpc>
-                        <a:spcBef>
-                          <a:spcPct val="0"/>
-                        </a:spcBef>
-                        <a:spcAft>
-                          <a:spcPct val="0"/>
-                        </a:spcAft>
-                        <a:buClrTx/>
-                        <a:buSzPct val="171000"/>
-                        <a:buFont typeface="Gill Sans" charset="0"/>
-                        <a:buNone/>
-                        <a:tabLst>
-                          <a:tab pos="914400" algn="l"/>
-                        </a:tabLst>
-                      </a:pPr>
-                      <a:r>
-                        <a:rPr kumimoji="0" lang="en-US" sz="1700" b="0" i="0" u="none" strike="noStrike" cap="none" normalizeH="0" baseline="0">
-                          <a:ln>
-                            <a:noFill/>
-                          </a:ln>
-                          <a:solidFill>
-                            <a:schemeClr val="tx1"/>
-                          </a:solidFill>
-                          <a:effectLst/>
-                          <a:latin typeface="+mj-lt"/>
-                          <a:ea typeface="Courier" charset="0"/>
-                          <a:cs typeface="Courier" charset="0"/>
-                          <a:sym typeface="Courier" charset="0"/>
-                        </a:rPr>
-                        <a:t>Start of the input text</a:t>
-                      </a:r>
-                    </a:p>
-                  </a:txBody>
-                  <a:tcPr marL="36430" marR="36430" marT="36430" marB="36430" anchor="ctr" horzOverflow="overflow">
-                    <a:lnL w="28575" cap="flat" cmpd="sng" algn="ctr">
-                      <a:solidFill>
-                        <a:schemeClr val="tx1"/>
-                      </a:solidFill>
-                      <a:prstDash val="solid"/>
-                      <a:round/>
-                      <a:headEnd type="none" w="med" len="med"/>
-                      <a:tailEnd type="none" w="med" len="med"/>
-                    </a:lnL>
-                    <a:lnR w="28575" cap="flat" cmpd="sng" algn="ctr">
-                      <a:solidFill>
-                        <a:schemeClr val="tx1"/>
-                      </a:solidFill>
-                      <a:prstDash val="solid"/>
-                      <a:round/>
-                      <a:headEnd type="none" w="med" len="med"/>
-                      <a:tailEnd type="none" w="med" len="med"/>
-                    </a:lnR>
-                    <a:lnT w="28575" cap="flat" cmpd="sng" algn="ctr">
-                      <a:solidFill>
-                        <a:schemeClr val="tx1"/>
-                      </a:solidFill>
-                      <a:prstDash val="solid"/>
-                      <a:round/>
-                      <a:headEnd type="none" w="med" len="med"/>
-                      <a:tailEnd type="none" w="med" len="med"/>
-                    </a:lnT>
-                    <a:lnB w="28575" cap="flat" cmpd="sng" algn="ctr">
-                      <a:solidFill>
-                        <a:schemeClr val="tx1"/>
-                      </a:solidFill>
-                      <a:prstDash val="solid"/>
-                      <a:round/>
-                      <a:headEnd type="none" w="med" len="med"/>
-                      <a:tailEnd type="none" w="med" len="med"/>
-                    </a:lnB>
-                    <a:lnTlToBr>
-                      <a:noFill/>
-                    </a:lnTlToBr>
-                    <a:lnBlToTr>
-                      <a:noFill/>
-                    </a:lnBlToTr>
-                    <a:noFill/>
-                  </a:tcPr>
-                </a:tc>
-                <a:extLst>
-                  <a:ext uri="{0D108BD9-81ED-4DB2-BD59-A6C34878D82A}">
-                    <a16:rowId xmlns:a16="http://schemas.microsoft.com/office/drawing/2014/main" val="2052579565"/>
-                  </a:ext>
-                </a:extLst>
-              </a:tr>
-              <a:tr h="437158">
-                <a:tc>
-                  <a:txBody>
-                    <a:bodyPr/>
-                    <a:lstStyle/>
-                    <a:p>
-                      <a:pPr marL="0" marR="0" lvl="0" indent="0" algn="ctr" defTabSz="914400" rtl="0" eaLnBrk="1" fontAlgn="base" latinLnBrk="0" hangingPunct="1">
-                        <a:lnSpc>
-                          <a:spcPct val="100000"/>
-                        </a:lnSpc>
-                        <a:spcBef>
-                          <a:spcPct val="0"/>
-                        </a:spcBef>
-                        <a:spcAft>
-                          <a:spcPct val="0"/>
-                        </a:spcAft>
-                        <a:buClrTx/>
-                        <a:buSzPct val="171000"/>
-                        <a:buFont typeface="Gill Sans" charset="0"/>
-                        <a:buNone/>
-                        <a:tabLst>
-                          <a:tab pos="914400" algn="l"/>
-                        </a:tabLst>
-                      </a:pPr>
-                      <a:r>
-                        <a:rPr kumimoji="0" lang="en-US" sz="1700" b="0" i="0" u="none" strike="noStrike" cap="none" normalizeH="0" baseline="0" dirty="0">
-                          <a:ln>
-                            <a:noFill/>
-                          </a:ln>
-                          <a:solidFill>
-                            <a:schemeClr val="tx1"/>
-                          </a:solidFill>
-                          <a:effectLst/>
-                          <a:latin typeface="Consolas" panose="020B0609020204030204" pitchFamily="49" charset="0"/>
-                          <a:ea typeface="Courier" charset="0"/>
-                          <a:cs typeface="Consolas" panose="020B0609020204030204" pitchFamily="49" charset="0"/>
-                          <a:sym typeface="Courier" charset="0"/>
-                        </a:rPr>
-                        <a:t>$</a:t>
-                      </a:r>
-                    </a:p>
-                  </a:txBody>
-                  <a:tcPr marL="36430" marR="36430" marT="36430" marB="36430" anchor="ctr" horzOverflow="overflow">
-                    <a:lnL w="28575" cap="flat" cmpd="sng" algn="ctr">
-                      <a:solidFill>
-                        <a:schemeClr val="tx1"/>
-                      </a:solidFill>
-                      <a:prstDash val="solid"/>
-                      <a:round/>
-                      <a:headEnd type="none" w="med" len="med"/>
-                      <a:tailEnd type="none" w="med" len="med"/>
-                    </a:lnL>
-                    <a:lnR w="28575" cap="flat" cmpd="sng" algn="ctr">
-                      <a:solidFill>
-                        <a:schemeClr val="tx1"/>
-                      </a:solidFill>
-                      <a:prstDash val="solid"/>
-                      <a:round/>
-                      <a:headEnd type="none" w="med" len="med"/>
-                      <a:tailEnd type="none" w="med" len="med"/>
-                    </a:lnR>
-                    <a:lnT w="28575" cap="flat" cmpd="sng" algn="ctr">
-                      <a:solidFill>
-                        <a:schemeClr val="tx1"/>
-                      </a:solidFill>
-                      <a:prstDash val="solid"/>
-                      <a:round/>
-                      <a:headEnd type="none" w="med" len="med"/>
-                      <a:tailEnd type="none" w="med" len="med"/>
-                    </a:lnT>
-                    <a:lnB w="28575" cap="flat" cmpd="sng" algn="ctr">
-                      <a:solidFill>
-                        <a:schemeClr val="tx1"/>
-                      </a:solidFill>
-                      <a:prstDash val="solid"/>
-                      <a:round/>
-                      <a:headEnd type="none" w="med" len="med"/>
-                      <a:tailEnd type="none" w="med" len="med"/>
-                    </a:lnB>
-                    <a:lnTlToBr>
-                      <a:noFill/>
-                    </a:lnTlToBr>
-                    <a:lnBlToTr>
-                      <a:noFill/>
-                    </a:lnBlToTr>
-                    <a:noFill/>
-                  </a:tcPr>
-                </a:tc>
-                <a:tc>
-                  <a:txBody>
-                    <a:bodyPr/>
-                    <a:lstStyle/>
-                    <a:p>
-                      <a:pPr marL="0" marR="0" lvl="0" indent="0" algn="ctr" defTabSz="914400" rtl="0" eaLnBrk="1" fontAlgn="base" latinLnBrk="0" hangingPunct="1">
-                        <a:lnSpc>
-                          <a:spcPct val="100000"/>
-                        </a:lnSpc>
-                        <a:spcBef>
-                          <a:spcPct val="0"/>
-                        </a:spcBef>
-                        <a:spcAft>
-                          <a:spcPct val="0"/>
-                        </a:spcAft>
-                        <a:buClrTx/>
-                        <a:buSzPct val="171000"/>
-                        <a:buFont typeface="Gill Sans" charset="0"/>
-                        <a:buNone/>
-                        <a:tabLst>
-                          <a:tab pos="914400" algn="l"/>
-                        </a:tabLst>
-                      </a:pPr>
-                      <a:r>
-                        <a:rPr kumimoji="0" lang="en-US" sz="1700" b="0" i="0" u="none" strike="noStrike" cap="none" normalizeH="0" baseline="0" dirty="0">
-                          <a:ln>
-                            <a:noFill/>
-                          </a:ln>
-                          <a:solidFill>
-                            <a:schemeClr val="tx1"/>
-                          </a:solidFill>
-                          <a:effectLst/>
-                          <a:latin typeface="+mj-lt"/>
-                          <a:ea typeface="Courier" charset="0"/>
-                          <a:cs typeface="Courier" charset="0"/>
-                          <a:sym typeface="Courier" charset="0"/>
-                        </a:rPr>
-                        <a:t>End of the input text</a:t>
-                      </a:r>
-                    </a:p>
-                  </a:txBody>
-                  <a:tcPr marL="36430" marR="36430" marT="36430" marB="36430" anchor="ctr" horzOverflow="overflow">
-                    <a:lnL w="28575" cap="flat" cmpd="sng" algn="ctr">
-                      <a:solidFill>
-                        <a:schemeClr val="tx1"/>
-                      </a:solidFill>
-                      <a:prstDash val="solid"/>
-                      <a:round/>
-                      <a:headEnd type="none" w="med" len="med"/>
-                      <a:tailEnd type="none" w="med" len="med"/>
-                    </a:lnL>
-                    <a:lnR w="28575" cap="flat" cmpd="sng" algn="ctr">
-                      <a:solidFill>
-                        <a:schemeClr val="tx1"/>
-                      </a:solidFill>
-                      <a:prstDash val="solid"/>
-                      <a:round/>
-                      <a:headEnd type="none" w="med" len="med"/>
-                      <a:tailEnd type="none" w="med" len="med"/>
-                    </a:lnR>
-                    <a:lnT w="28575" cap="flat" cmpd="sng" algn="ctr">
-                      <a:solidFill>
-                        <a:schemeClr val="tx1"/>
-                      </a:solidFill>
-                      <a:prstDash val="solid"/>
-                      <a:round/>
-                      <a:headEnd type="none" w="med" len="med"/>
-                      <a:tailEnd type="none" w="med" len="med"/>
-                    </a:lnT>
-                    <a:lnB w="28575" cap="flat" cmpd="sng" algn="ctr">
-                      <a:solidFill>
-                        <a:schemeClr val="tx1"/>
-                      </a:solidFill>
-                      <a:prstDash val="solid"/>
-                      <a:round/>
-                      <a:headEnd type="none" w="med" len="med"/>
-                      <a:tailEnd type="none" w="med" len="med"/>
-                    </a:lnB>
-                    <a:lnTlToBr>
-                      <a:noFill/>
-                    </a:lnTlToBr>
-                    <a:lnBlToTr>
-                      <a:noFill/>
-                    </a:lnBlToTr>
-                    <a:noFill/>
-                  </a:tcPr>
-                </a:tc>
-                <a:extLst>
-                  <a:ext uri="{0D108BD9-81ED-4DB2-BD59-A6C34878D82A}">
-                    <a16:rowId xmlns:a16="http://schemas.microsoft.com/office/drawing/2014/main" val="429132042"/>
-                  </a:ext>
-                </a:extLst>
-              </a:tr>
-            </a:tbl>
-          </a:graphicData>
-        </a:graphic>
-      </p:graphicFrame>
-    </p:spTree>
-    <p:extLst>
-      <p:ext uri="{BB962C8B-B14F-4D97-AF65-F5344CB8AC3E}">
-        <p14:creationId xmlns:p14="http://schemas.microsoft.com/office/powerpoint/2010/main" val="3993904506"/>
       </p:ext>
     </p:extLst>
   </p:cSld>

--- a/Slides/Lecture02 - Generics, Collections, Iterators, and Regular Expressions.pptx
+++ b/Slides/Lecture02 - Generics, Collections, Iterators, and Regular Expressions.pptx
@@ -5,23 +5,24 @@
     <p:sldMasterId id="2147484082" r:id="rId4"/>
   </p:sldMasterIdLst>
   <p:notesMasterIdLst>
-    <p:notesMasterId r:id="rId16"/>
+    <p:notesMasterId r:id="rId17"/>
   </p:notesMasterIdLst>
   <p:handoutMasterIdLst>
-    <p:handoutMasterId r:id="rId17"/>
+    <p:handoutMasterId r:id="rId18"/>
   </p:handoutMasterIdLst>
   <p:sldIdLst>
     <p:sldId id="880" r:id="rId5"/>
     <p:sldId id="1074" r:id="rId6"/>
     <p:sldId id="1114" r:id="rId7"/>
-    <p:sldId id="1112" r:id="rId8"/>
-    <p:sldId id="1113" r:id="rId9"/>
-    <p:sldId id="1111" r:id="rId10"/>
-    <p:sldId id="1088" r:id="rId11"/>
-    <p:sldId id="1108" r:id="rId12"/>
-    <p:sldId id="1110" r:id="rId13"/>
-    <p:sldId id="1084" r:id="rId14"/>
-    <p:sldId id="1085" r:id="rId15"/>
+    <p:sldId id="1115" r:id="rId8"/>
+    <p:sldId id="1112" r:id="rId9"/>
+    <p:sldId id="1113" r:id="rId10"/>
+    <p:sldId id="1111" r:id="rId11"/>
+    <p:sldId id="1088" r:id="rId12"/>
+    <p:sldId id="1108" r:id="rId13"/>
+    <p:sldId id="1110" r:id="rId14"/>
+    <p:sldId id="1084" r:id="rId15"/>
+    <p:sldId id="1085" r:id="rId16"/>
   </p:sldIdLst>
   <p:sldSz cx="9326563" cy="6994525"/>
   <p:notesSz cx="6858000" cy="9144000"/>
@@ -128,6 +129,7 @@
             <p14:sldId id="880"/>
             <p14:sldId id="1074"/>
             <p14:sldId id="1114"/>
+            <p14:sldId id="1115"/>
             <p14:sldId id="1112"/>
             <p14:sldId id="1113"/>
             <p14:sldId id="1111"/>
@@ -350,7 +352,7 @@
               <a:rPr lang="en-US" smtClean="0">
                 <a:latin typeface="Segoe UI" pitchFamily="34" charset="0"/>
               </a:rPr>
-              <a:t>9/6/2018</a:t>
+              <a:t>9/7/2018</a:t>
             </a:fld>
             <a:endParaRPr lang="en-US" dirty="0">
               <a:latin typeface="Segoe UI" pitchFamily="34" charset="0"/>
@@ -673,7 +675,7 @@
             <a:fld id="{D51B1278-D92B-4AF3-A9C1-71DD298190CE}" type="datetimeFigureOut">
               <a:rPr lang="en-US" smtClean="0"/>
               <a:pPr/>
-              <a:t>9/6/2018</a:t>
+              <a:t>9/7/2018</a:t>
             </a:fld>
             <a:endParaRPr lang="en-US" dirty="0"/>
           </a:p>
@@ -4656,6 +4658,827 @@
     <p:bg>
       <p:bgPr>
         <a:solidFill>
+          <a:srgbClr val="442359"/>
+        </a:solidFill>
+        <a:effectLst/>
+      </p:bgPr>
+    </p:bg>
+    <p:spTree>
+      <p:nvGrpSpPr>
+        <p:cNvPr id="1" name=""/>
+        <p:cNvGrpSpPr/>
+        <p:nvPr/>
+      </p:nvGrpSpPr>
+      <p:grpSpPr>
+        <a:xfrm>
+          <a:off x="0" y="0"/>
+          <a:ext cx="0" cy="0"/>
+          <a:chOff x="0" y="0"/>
+          <a:chExt cx="0" cy="0"/>
+        </a:xfrm>
+      </p:grpSpPr>
+      <p:sp>
+        <p:nvSpPr>
+          <p:cNvPr id="57345" name="Rectangle 1"/>
+          <p:cNvSpPr>
+            <a:spLocks noGrp="1" noChangeArrowheads="1"/>
+          </p:cNvSpPr>
+          <p:nvPr>
+            <p:ph type="title" idx="4294967295"/>
+          </p:nvPr>
+        </p:nvSpPr>
+        <p:spPr>
+          <a:xfrm>
+            <a:off x="0" y="295275"/>
+            <a:ext cx="8778875" cy="917575"/>
+          </a:xfrm>
+          <a:ln/>
+        </p:spPr>
+        <p:txBody>
+          <a:bodyPr/>
+          <a:lstStyle/>
+          <a:p>
+            <a:r>
+              <a:rPr lang="en-US" dirty="0" err="1"/>
+              <a:t>System.Collections.Concurrent</a:t>
+            </a:r>
+            <a:endParaRPr lang="en-US" dirty="0"/>
+          </a:p>
+        </p:txBody>
+      </p:sp>
+      <p:sp>
+        <p:nvSpPr>
+          <p:cNvPr id="45" name="TextBox 44"/>
+          <p:cNvSpPr txBox="1"/>
+          <p:nvPr/>
+        </p:nvSpPr>
+        <p:spPr>
+          <a:xfrm>
+            <a:off x="2003942" y="1915107"/>
+            <a:ext cx="2344231" cy="572464"/>
+          </a:xfrm>
+          <a:prstGeom prst="rect">
+            <a:avLst/>
+          </a:prstGeom>
+          <a:noFill/>
+          <a:ln w="25400">
+            <a:solidFill>
+              <a:schemeClr val="tx1"/>
+            </a:solidFill>
+          </a:ln>
+        </p:spPr>
+        <p:txBody>
+          <a:bodyPr wrap="none" lIns="182880" tIns="146304" rIns="182880" bIns="146304" rtlCol="0">
+            <a:spAutoFit/>
+          </a:bodyPr>
+          <a:lstStyle/>
+          <a:p>
+            <a:pPr>
+              <a:lnSpc>
+                <a:spcPct val="90000"/>
+              </a:lnSpc>
+            </a:pPr>
+            <a:r>
+              <a:rPr lang="en-US" sz="2000" dirty="0" err="1">
+                <a:gradFill>
+                  <a:gsLst>
+                    <a:gs pos="2917">
+                      <a:schemeClr val="tx1"/>
+                    </a:gs>
+                    <a:gs pos="30000">
+                      <a:schemeClr val="tx1"/>
+                    </a:gs>
+                  </a:gsLst>
+                  <a:lin ang="5400000" scaled="0"/>
+                </a:gradFill>
+                <a:latin typeface="Consolas" panose="020B0609020204030204" pitchFamily="49" charset="0"/>
+                <a:cs typeface="Consolas" panose="020B0609020204030204" pitchFamily="49" charset="0"/>
+              </a:rPr>
+              <a:t>ICollection</a:t>
+            </a:r>
+            <a:r>
+              <a:rPr lang="en-US" sz="2000" dirty="0">
+                <a:gradFill>
+                  <a:gsLst>
+                    <a:gs pos="2917">
+                      <a:schemeClr val="tx1"/>
+                    </a:gs>
+                    <a:gs pos="30000">
+                      <a:schemeClr val="tx1"/>
+                    </a:gs>
+                  </a:gsLst>
+                  <a:lin ang="5400000" scaled="0"/>
+                </a:gradFill>
+                <a:latin typeface="Consolas" panose="020B0609020204030204" pitchFamily="49" charset="0"/>
+                <a:cs typeface="Consolas" panose="020B0609020204030204" pitchFamily="49" charset="0"/>
+              </a:rPr>
+              <a:t>&lt;T&gt;</a:t>
+            </a:r>
+            <a:endParaRPr lang="da-DK" sz="2000" dirty="0" err="1">
+              <a:gradFill>
+                <a:gsLst>
+                  <a:gs pos="2917">
+                    <a:schemeClr val="tx1"/>
+                  </a:gs>
+                  <a:gs pos="30000">
+                    <a:schemeClr val="tx1"/>
+                  </a:gs>
+                </a:gsLst>
+                <a:lin ang="5400000" scaled="0"/>
+              </a:gradFill>
+              <a:latin typeface="Consolas" panose="020B0609020204030204" pitchFamily="49" charset="0"/>
+              <a:cs typeface="Consolas" panose="020B0609020204030204" pitchFamily="49" charset="0"/>
+            </a:endParaRPr>
+          </a:p>
+        </p:txBody>
+      </p:sp>
+      <p:sp>
+        <p:nvSpPr>
+          <p:cNvPr id="46" name="TextBox 45"/>
+          <p:cNvSpPr txBox="1"/>
+          <p:nvPr/>
+        </p:nvSpPr>
+        <p:spPr>
+          <a:xfrm>
+            <a:off x="875427" y="3134539"/>
+            <a:ext cx="4601260" cy="572464"/>
+          </a:xfrm>
+          <a:prstGeom prst="rect">
+            <a:avLst/>
+          </a:prstGeom>
+          <a:noFill/>
+          <a:ln w="25400">
+            <a:solidFill>
+              <a:schemeClr val="tx1"/>
+            </a:solidFill>
+          </a:ln>
+        </p:spPr>
+        <p:txBody>
+          <a:bodyPr wrap="none" lIns="182880" tIns="146304" rIns="182880" bIns="146304" rtlCol="0">
+            <a:spAutoFit/>
+          </a:bodyPr>
+          <a:lstStyle/>
+          <a:p>
+            <a:pPr>
+              <a:lnSpc>
+                <a:spcPct val="90000"/>
+              </a:lnSpc>
+            </a:pPr>
+            <a:r>
+              <a:rPr lang="da-DK" sz="2000" dirty="0" err="1">
+                <a:latin typeface="Consolas" panose="020B0609020204030204" pitchFamily="49" charset="0"/>
+              </a:rPr>
+              <a:t>IProducerConsumerCollection</a:t>
+            </a:r>
+            <a:r>
+              <a:rPr lang="da-DK" sz="2000" dirty="0">
+                <a:latin typeface="Consolas" panose="020B0609020204030204" pitchFamily="49" charset="0"/>
+              </a:rPr>
+              <a:t>&lt;T&gt;</a:t>
+            </a:r>
+            <a:endParaRPr lang="da-DK" sz="2000" dirty="0">
+              <a:gradFill>
+                <a:gsLst>
+                  <a:gs pos="2917">
+                    <a:schemeClr val="tx1"/>
+                  </a:gs>
+                  <a:gs pos="30000">
+                    <a:schemeClr val="tx1"/>
+                  </a:gs>
+                </a:gsLst>
+                <a:lin ang="5400000" scaled="0"/>
+              </a:gradFill>
+              <a:latin typeface="Consolas" panose="020B0609020204030204" pitchFamily="49" charset="0"/>
+              <a:cs typeface="Consolas" panose="020B0609020204030204" pitchFamily="49" charset="0"/>
+            </a:endParaRPr>
+          </a:p>
+        </p:txBody>
+      </p:sp>
+      <p:sp>
+        <p:nvSpPr>
+          <p:cNvPr id="48" name="TextBox 47"/>
+          <p:cNvSpPr txBox="1"/>
+          <p:nvPr/>
+        </p:nvSpPr>
+        <p:spPr>
+          <a:xfrm>
+            <a:off x="134312" y="5308124"/>
+            <a:ext cx="2908489" cy="572464"/>
+          </a:xfrm>
+          <a:prstGeom prst="rect">
+            <a:avLst/>
+          </a:prstGeom>
+          <a:noFill/>
+          <a:ln w="25400">
+            <a:solidFill>
+              <a:schemeClr val="tx1"/>
+            </a:solidFill>
+          </a:ln>
+        </p:spPr>
+        <p:txBody>
+          <a:bodyPr wrap="none" lIns="182880" tIns="146304" rIns="182880" bIns="146304" rtlCol="0">
+            <a:spAutoFit/>
+          </a:bodyPr>
+          <a:lstStyle/>
+          <a:p>
+            <a:pPr>
+              <a:lnSpc>
+                <a:spcPct val="90000"/>
+              </a:lnSpc>
+            </a:pPr>
+            <a:r>
+              <a:rPr lang="da-DK" sz="2000" dirty="0" err="1">
+                <a:latin typeface="Consolas" panose="020B0609020204030204" pitchFamily="49" charset="0"/>
+              </a:rPr>
+              <a:t>ConcurrentStack</a:t>
+            </a:r>
+            <a:r>
+              <a:rPr lang="da-DK" sz="2000" dirty="0">
+                <a:latin typeface="Consolas" panose="020B0609020204030204" pitchFamily="49" charset="0"/>
+              </a:rPr>
+              <a:t>&lt;T</a:t>
+            </a:r>
+            <a:r>
+              <a:rPr lang="en-US" sz="2000" dirty="0">
+                <a:gradFill>
+                  <a:gsLst>
+                    <a:gs pos="2917">
+                      <a:schemeClr val="tx1"/>
+                    </a:gs>
+                    <a:gs pos="30000">
+                      <a:schemeClr val="tx1"/>
+                    </a:gs>
+                  </a:gsLst>
+                  <a:lin ang="5400000" scaled="0"/>
+                </a:gradFill>
+                <a:latin typeface="Consolas" panose="020B0609020204030204" pitchFamily="49" charset="0"/>
+                <a:cs typeface="Consolas" panose="020B0609020204030204" pitchFamily="49" charset="0"/>
+              </a:rPr>
+              <a:t>&gt;</a:t>
+            </a:r>
+            <a:endParaRPr lang="da-DK" sz="2000" dirty="0" err="1">
+              <a:gradFill>
+                <a:gsLst>
+                  <a:gs pos="2917">
+                    <a:schemeClr val="tx1"/>
+                  </a:gs>
+                  <a:gs pos="30000">
+                    <a:schemeClr val="tx1"/>
+                  </a:gs>
+                </a:gsLst>
+                <a:lin ang="5400000" scaled="0"/>
+              </a:gradFill>
+              <a:latin typeface="Consolas" panose="020B0609020204030204" pitchFamily="49" charset="0"/>
+              <a:cs typeface="Consolas" panose="020B0609020204030204" pitchFamily="49" charset="0"/>
+            </a:endParaRPr>
+          </a:p>
+        </p:txBody>
+      </p:sp>
+      <p:sp>
+        <p:nvSpPr>
+          <p:cNvPr id="49" name="TextBox 48"/>
+          <p:cNvSpPr txBox="1"/>
+          <p:nvPr/>
+        </p:nvSpPr>
+        <p:spPr>
+          <a:xfrm>
+            <a:off x="3309313" y="5307089"/>
+            <a:ext cx="2908489" cy="572464"/>
+          </a:xfrm>
+          <a:prstGeom prst="rect">
+            <a:avLst/>
+          </a:prstGeom>
+          <a:noFill/>
+          <a:ln w="25400">
+            <a:solidFill>
+              <a:schemeClr val="tx1"/>
+            </a:solidFill>
+          </a:ln>
+        </p:spPr>
+        <p:txBody>
+          <a:bodyPr wrap="none" lIns="182880" tIns="146304" rIns="182880" bIns="146304" rtlCol="0">
+            <a:spAutoFit/>
+          </a:bodyPr>
+          <a:lstStyle/>
+          <a:p>
+            <a:pPr>
+              <a:lnSpc>
+                <a:spcPct val="90000"/>
+              </a:lnSpc>
+            </a:pPr>
+            <a:r>
+              <a:rPr lang="en-US" sz="2000" dirty="0" err="1">
+                <a:gradFill>
+                  <a:gsLst>
+                    <a:gs pos="2917">
+                      <a:schemeClr val="tx1"/>
+                    </a:gs>
+                    <a:gs pos="30000">
+                      <a:schemeClr val="tx1"/>
+                    </a:gs>
+                  </a:gsLst>
+                  <a:lin ang="5400000" scaled="0"/>
+                </a:gradFill>
+                <a:latin typeface="Consolas" panose="020B0609020204030204" pitchFamily="49" charset="0"/>
+                <a:cs typeface="Consolas" panose="020B0609020204030204" pitchFamily="49" charset="0"/>
+              </a:rPr>
+              <a:t>ConcurrentQueue</a:t>
+            </a:r>
+            <a:r>
+              <a:rPr lang="en-US" sz="2000" dirty="0">
+                <a:gradFill>
+                  <a:gsLst>
+                    <a:gs pos="2917">
+                      <a:schemeClr val="tx1"/>
+                    </a:gs>
+                    <a:gs pos="30000">
+                      <a:schemeClr val="tx1"/>
+                    </a:gs>
+                  </a:gsLst>
+                  <a:lin ang="5400000" scaled="0"/>
+                </a:gradFill>
+                <a:latin typeface="Consolas" panose="020B0609020204030204" pitchFamily="49" charset="0"/>
+                <a:cs typeface="Consolas" panose="020B0609020204030204" pitchFamily="49" charset="0"/>
+              </a:rPr>
+              <a:t>&lt;T&gt;</a:t>
+            </a:r>
+            <a:endParaRPr lang="da-DK" sz="2000" dirty="0" err="1">
+              <a:gradFill>
+                <a:gsLst>
+                  <a:gs pos="2917">
+                    <a:schemeClr val="tx1"/>
+                  </a:gs>
+                  <a:gs pos="30000">
+                    <a:schemeClr val="tx1"/>
+                  </a:gs>
+                </a:gsLst>
+                <a:lin ang="5400000" scaled="0"/>
+              </a:gradFill>
+              <a:latin typeface="Consolas" panose="020B0609020204030204" pitchFamily="49" charset="0"/>
+              <a:cs typeface="Consolas" panose="020B0609020204030204" pitchFamily="49" charset="0"/>
+            </a:endParaRPr>
+          </a:p>
+        </p:txBody>
+      </p:sp>
+      <p:sp>
+        <p:nvSpPr>
+          <p:cNvPr id="50" name="TextBox 49"/>
+          <p:cNvSpPr txBox="1"/>
+          <p:nvPr/>
+        </p:nvSpPr>
+        <p:spPr>
+          <a:xfrm>
+            <a:off x="1862877" y="6198995"/>
+            <a:ext cx="2626360" cy="572464"/>
+          </a:xfrm>
+          <a:prstGeom prst="rect">
+            <a:avLst/>
+          </a:prstGeom>
+          <a:noFill/>
+          <a:ln w="25400">
+            <a:solidFill>
+              <a:schemeClr val="tx1"/>
+            </a:solidFill>
+          </a:ln>
+        </p:spPr>
+        <p:txBody>
+          <a:bodyPr wrap="none" lIns="182880" tIns="146304" rIns="182880" bIns="146304" rtlCol="0">
+            <a:spAutoFit/>
+          </a:bodyPr>
+          <a:lstStyle/>
+          <a:p>
+            <a:pPr>
+              <a:lnSpc>
+                <a:spcPct val="90000"/>
+              </a:lnSpc>
+            </a:pPr>
+            <a:r>
+              <a:rPr lang="da-DK" sz="2000" dirty="0" err="1">
+                <a:latin typeface="Consolas" panose="020B0609020204030204" pitchFamily="49" charset="0"/>
+              </a:rPr>
+              <a:t>ConcurrentBag</a:t>
+            </a:r>
+            <a:r>
+              <a:rPr lang="da-DK" sz="2000" dirty="0">
+                <a:latin typeface="Consolas" panose="020B0609020204030204" pitchFamily="49" charset="0"/>
+              </a:rPr>
+              <a:t>&lt;T</a:t>
+            </a:r>
+            <a:r>
+              <a:rPr lang="en-US" sz="2000" dirty="0">
+                <a:gradFill>
+                  <a:gsLst>
+                    <a:gs pos="2917">
+                      <a:schemeClr val="tx1"/>
+                    </a:gs>
+                    <a:gs pos="30000">
+                      <a:schemeClr val="tx1"/>
+                    </a:gs>
+                  </a:gsLst>
+                  <a:lin ang="5400000" scaled="0"/>
+                </a:gradFill>
+                <a:latin typeface="Consolas" panose="020B0609020204030204" pitchFamily="49" charset="0"/>
+                <a:cs typeface="Consolas" panose="020B0609020204030204" pitchFamily="49" charset="0"/>
+              </a:rPr>
+              <a:t>&gt;</a:t>
+            </a:r>
+            <a:endParaRPr lang="da-DK" sz="2000" dirty="0" err="1">
+              <a:gradFill>
+                <a:gsLst>
+                  <a:gs pos="2917">
+                    <a:schemeClr val="tx1"/>
+                  </a:gs>
+                  <a:gs pos="30000">
+                    <a:schemeClr val="tx1"/>
+                  </a:gs>
+                </a:gsLst>
+                <a:lin ang="5400000" scaled="0"/>
+              </a:gradFill>
+              <a:latin typeface="Consolas" panose="020B0609020204030204" pitchFamily="49" charset="0"/>
+              <a:cs typeface="Consolas" panose="020B0609020204030204" pitchFamily="49" charset="0"/>
+            </a:endParaRPr>
+          </a:p>
+        </p:txBody>
+      </p:sp>
+      <p:cxnSp>
+        <p:nvCxnSpPr>
+          <p:cNvPr id="59" name="Straight Arrow Connector 58"/>
+          <p:cNvCxnSpPr>
+            <a:stCxn id="49" idx="0"/>
+            <a:endCxn id="46" idx="2"/>
+          </p:cNvCxnSpPr>
+          <p:nvPr/>
+        </p:nvCxnSpPr>
+        <p:spPr>
+          <a:xfrm flipH="1" flipV="1">
+            <a:off x="3176057" y="3707003"/>
+            <a:ext cx="1587501" cy="1600086"/>
+          </a:xfrm>
+          <a:prstGeom prst="straightConnector1">
+            <a:avLst/>
+          </a:prstGeom>
+          <a:ln w="25400">
+            <a:solidFill>
+              <a:schemeClr val="tx1"/>
+            </a:solidFill>
+            <a:headEnd type="none"/>
+            <a:tailEnd type="triangle" w="lg" len="lg"/>
+          </a:ln>
+        </p:spPr>
+        <p:style>
+          <a:lnRef idx="1">
+            <a:schemeClr val="accent1"/>
+          </a:lnRef>
+          <a:fillRef idx="0">
+            <a:schemeClr val="accent1"/>
+          </a:fillRef>
+          <a:effectRef idx="0">
+            <a:schemeClr val="accent1"/>
+          </a:effectRef>
+          <a:fontRef idx="minor">
+            <a:schemeClr val="tx1"/>
+          </a:fontRef>
+        </p:style>
+      </p:cxnSp>
+      <p:cxnSp>
+        <p:nvCxnSpPr>
+          <p:cNvPr id="60" name="Straight Arrow Connector 59"/>
+          <p:cNvCxnSpPr>
+            <a:stCxn id="50" idx="0"/>
+            <a:endCxn id="46" idx="2"/>
+          </p:cNvCxnSpPr>
+          <p:nvPr/>
+        </p:nvCxnSpPr>
+        <p:spPr>
+          <a:xfrm flipV="1">
+            <a:off x="3176057" y="3707003"/>
+            <a:ext cx="0" cy="2491992"/>
+          </a:xfrm>
+          <a:prstGeom prst="straightConnector1">
+            <a:avLst/>
+          </a:prstGeom>
+          <a:ln w="25400">
+            <a:solidFill>
+              <a:schemeClr val="tx1"/>
+            </a:solidFill>
+            <a:headEnd type="none"/>
+            <a:tailEnd type="triangle" w="lg" len="lg"/>
+          </a:ln>
+        </p:spPr>
+        <p:style>
+          <a:lnRef idx="1">
+            <a:schemeClr val="accent1"/>
+          </a:lnRef>
+          <a:fillRef idx="0">
+            <a:schemeClr val="accent1"/>
+          </a:fillRef>
+          <a:effectRef idx="0">
+            <a:schemeClr val="accent1"/>
+          </a:effectRef>
+          <a:fontRef idx="minor">
+            <a:schemeClr val="tx1"/>
+          </a:fontRef>
+        </p:style>
+      </p:cxnSp>
+      <p:cxnSp>
+        <p:nvCxnSpPr>
+          <p:cNvPr id="61" name="Straight Arrow Connector 60"/>
+          <p:cNvCxnSpPr>
+            <a:stCxn id="48" idx="0"/>
+            <a:endCxn id="46" idx="2"/>
+          </p:cNvCxnSpPr>
+          <p:nvPr/>
+        </p:nvCxnSpPr>
+        <p:spPr>
+          <a:xfrm flipV="1">
+            <a:off x="1588557" y="3707003"/>
+            <a:ext cx="1587500" cy="1601121"/>
+          </a:xfrm>
+          <a:prstGeom prst="straightConnector1">
+            <a:avLst/>
+          </a:prstGeom>
+          <a:ln w="25400">
+            <a:solidFill>
+              <a:schemeClr val="tx1"/>
+            </a:solidFill>
+            <a:headEnd type="none"/>
+            <a:tailEnd type="triangle" w="lg" len="lg"/>
+          </a:ln>
+        </p:spPr>
+        <p:style>
+          <a:lnRef idx="1">
+            <a:schemeClr val="accent1"/>
+          </a:lnRef>
+          <a:fillRef idx="0">
+            <a:schemeClr val="accent1"/>
+          </a:fillRef>
+          <a:effectRef idx="0">
+            <a:schemeClr val="accent1"/>
+          </a:effectRef>
+          <a:fontRef idx="minor">
+            <a:schemeClr val="tx1"/>
+          </a:fontRef>
+        </p:style>
+      </p:cxnSp>
+      <p:cxnSp>
+        <p:nvCxnSpPr>
+          <p:cNvPr id="62" name="Straight Arrow Connector 61"/>
+          <p:cNvCxnSpPr>
+            <a:stCxn id="46" idx="0"/>
+            <a:endCxn id="45" idx="2"/>
+          </p:cNvCxnSpPr>
+          <p:nvPr/>
+        </p:nvCxnSpPr>
+        <p:spPr>
+          <a:xfrm flipV="1">
+            <a:off x="3176057" y="2487571"/>
+            <a:ext cx="1" cy="646968"/>
+          </a:xfrm>
+          <a:prstGeom prst="straightConnector1">
+            <a:avLst/>
+          </a:prstGeom>
+          <a:ln w="25400">
+            <a:solidFill>
+              <a:schemeClr val="tx1"/>
+            </a:solidFill>
+            <a:headEnd type="none"/>
+            <a:tailEnd type="triangle" w="lg" len="lg"/>
+          </a:ln>
+        </p:spPr>
+        <p:style>
+          <a:lnRef idx="1">
+            <a:schemeClr val="accent1"/>
+          </a:lnRef>
+          <a:fillRef idx="0">
+            <a:schemeClr val="accent1"/>
+          </a:fillRef>
+          <a:effectRef idx="0">
+            <a:schemeClr val="accent1"/>
+          </a:effectRef>
+          <a:fontRef idx="minor">
+            <a:schemeClr val="tx1"/>
+          </a:fontRef>
+        </p:style>
+      </p:cxnSp>
+      <p:sp>
+        <p:nvSpPr>
+          <p:cNvPr id="71" name="TextBox 70"/>
+          <p:cNvSpPr txBox="1"/>
+          <p:nvPr/>
+        </p:nvSpPr>
+        <p:spPr>
+          <a:xfrm>
+            <a:off x="5663826" y="2554403"/>
+            <a:ext cx="2767424" cy="572464"/>
+          </a:xfrm>
+          <a:prstGeom prst="rect">
+            <a:avLst/>
+          </a:prstGeom>
+          <a:noFill/>
+          <a:ln w="25400">
+            <a:solidFill>
+              <a:schemeClr val="tx1"/>
+            </a:solidFill>
+          </a:ln>
+        </p:spPr>
+        <p:txBody>
+          <a:bodyPr wrap="none" lIns="182880" tIns="146304" rIns="182880" bIns="146304" rtlCol="0">
+            <a:spAutoFit/>
+          </a:bodyPr>
+          <a:lstStyle/>
+          <a:p>
+            <a:pPr>
+              <a:lnSpc>
+                <a:spcPct val="90000"/>
+              </a:lnSpc>
+            </a:pPr>
+            <a:r>
+              <a:rPr lang="en-US" sz="2000" dirty="0" err="1">
+                <a:gradFill>
+                  <a:gsLst>
+                    <a:gs pos="2917">
+                      <a:schemeClr val="tx1"/>
+                    </a:gs>
+                    <a:gs pos="30000">
+                      <a:schemeClr val="tx1"/>
+                    </a:gs>
+                  </a:gsLst>
+                  <a:lin ang="5400000" scaled="0"/>
+                </a:gradFill>
+                <a:latin typeface="Consolas" panose="020B0609020204030204" pitchFamily="49" charset="0"/>
+                <a:cs typeface="Consolas" panose="020B0609020204030204" pitchFamily="49" charset="0"/>
+              </a:rPr>
+              <a:t>IDictionary</a:t>
+            </a:r>
+            <a:r>
+              <a:rPr lang="en-US" sz="2000" dirty="0">
+                <a:gradFill>
+                  <a:gsLst>
+                    <a:gs pos="2917">
+                      <a:schemeClr val="tx1"/>
+                    </a:gs>
+                    <a:gs pos="30000">
+                      <a:schemeClr val="tx1"/>
+                    </a:gs>
+                  </a:gsLst>
+                  <a:lin ang="5400000" scaled="0"/>
+                </a:gradFill>
+                <a:latin typeface="Consolas" panose="020B0609020204030204" pitchFamily="49" charset="0"/>
+                <a:cs typeface="Consolas" panose="020B0609020204030204" pitchFamily="49" charset="0"/>
+              </a:rPr>
+              <a:t>&lt;K, V&gt;</a:t>
+            </a:r>
+            <a:endParaRPr lang="da-DK" sz="2000" dirty="0" err="1">
+              <a:gradFill>
+                <a:gsLst>
+                  <a:gs pos="2917">
+                    <a:schemeClr val="tx1"/>
+                  </a:gs>
+                  <a:gs pos="30000">
+                    <a:schemeClr val="tx1"/>
+                  </a:gs>
+                </a:gsLst>
+                <a:lin ang="5400000" scaled="0"/>
+              </a:gradFill>
+              <a:latin typeface="Consolas" panose="020B0609020204030204" pitchFamily="49" charset="0"/>
+              <a:cs typeface="Consolas" panose="020B0609020204030204" pitchFamily="49" charset="0"/>
+            </a:endParaRPr>
+          </a:p>
+        </p:txBody>
+      </p:sp>
+      <p:sp>
+        <p:nvSpPr>
+          <p:cNvPr id="72" name="TextBox 71"/>
+          <p:cNvSpPr txBox="1"/>
+          <p:nvPr/>
+        </p:nvSpPr>
+        <p:spPr>
+          <a:xfrm>
+            <a:off x="5029037" y="4045896"/>
+            <a:ext cx="4037003" cy="572464"/>
+          </a:xfrm>
+          <a:prstGeom prst="rect">
+            <a:avLst/>
+          </a:prstGeom>
+          <a:noFill/>
+          <a:ln w="25400">
+            <a:solidFill>
+              <a:schemeClr val="tx1"/>
+            </a:solidFill>
+          </a:ln>
+        </p:spPr>
+        <p:txBody>
+          <a:bodyPr wrap="none" lIns="182880" tIns="146304" rIns="182880" bIns="146304" rtlCol="0">
+            <a:spAutoFit/>
+          </a:bodyPr>
+          <a:lstStyle/>
+          <a:p>
+            <a:pPr>
+              <a:lnSpc>
+                <a:spcPct val="90000"/>
+              </a:lnSpc>
+            </a:pPr>
+            <a:r>
+              <a:rPr lang="da-DK" sz="2000" dirty="0" err="1">
+                <a:gradFill>
+                  <a:gsLst>
+                    <a:gs pos="2917">
+                      <a:schemeClr val="tx1"/>
+                    </a:gs>
+                    <a:gs pos="30000">
+                      <a:schemeClr val="tx1"/>
+                    </a:gs>
+                  </a:gsLst>
+                  <a:lin ang="5400000" scaled="0"/>
+                </a:gradFill>
+                <a:latin typeface="Consolas" panose="020B0609020204030204" pitchFamily="49" charset="0"/>
+                <a:cs typeface="Consolas" panose="020B0609020204030204" pitchFamily="49" charset="0"/>
+              </a:rPr>
+              <a:t>ConcurrentDictionary</a:t>
+            </a:r>
+            <a:r>
+              <a:rPr lang="da-DK" sz="2000" dirty="0">
+                <a:gradFill>
+                  <a:gsLst>
+                    <a:gs pos="2917">
+                      <a:schemeClr val="tx1"/>
+                    </a:gs>
+                    <a:gs pos="30000">
+                      <a:schemeClr val="tx1"/>
+                    </a:gs>
+                  </a:gsLst>
+                  <a:lin ang="5400000" scaled="0"/>
+                </a:gradFill>
+                <a:latin typeface="Consolas" panose="020B0609020204030204" pitchFamily="49" charset="0"/>
+                <a:cs typeface="Consolas" panose="020B0609020204030204" pitchFamily="49" charset="0"/>
+              </a:rPr>
+              <a:t>&lt;K, V&gt;</a:t>
+            </a:r>
+          </a:p>
+        </p:txBody>
+      </p:sp>
+      <p:cxnSp>
+        <p:nvCxnSpPr>
+          <p:cNvPr id="73" name="Straight Arrow Connector 72"/>
+          <p:cNvCxnSpPr>
+            <a:stCxn id="72" idx="0"/>
+            <a:endCxn id="71" idx="2"/>
+          </p:cNvCxnSpPr>
+          <p:nvPr/>
+        </p:nvCxnSpPr>
+        <p:spPr>
+          <a:xfrm flipH="1" flipV="1">
+            <a:off x="7047538" y="3126867"/>
+            <a:ext cx="1" cy="919029"/>
+          </a:xfrm>
+          <a:prstGeom prst="straightConnector1">
+            <a:avLst/>
+          </a:prstGeom>
+          <a:ln w="25400">
+            <a:solidFill>
+              <a:schemeClr val="tx1"/>
+            </a:solidFill>
+            <a:headEnd type="none"/>
+            <a:tailEnd type="triangle" w="lg" len="lg"/>
+          </a:ln>
+        </p:spPr>
+        <p:style>
+          <a:lnRef idx="1">
+            <a:schemeClr val="accent1"/>
+          </a:lnRef>
+          <a:fillRef idx="0">
+            <a:schemeClr val="accent1"/>
+          </a:fillRef>
+          <a:effectRef idx="0">
+            <a:schemeClr val="accent1"/>
+          </a:effectRef>
+          <a:fontRef idx="minor">
+            <a:schemeClr val="tx1"/>
+          </a:fontRef>
+        </p:style>
+      </p:cxnSp>
+    </p:spTree>
+    <p:extLst>
+      <p:ext uri="{BB962C8B-B14F-4D97-AF65-F5344CB8AC3E}">
+        <p14:creationId xmlns:p14="http://schemas.microsoft.com/office/powerpoint/2010/main" val="2612166419"/>
+      </p:ext>
+    </p:extLst>
+  </p:cSld>
+  <p:clrMapOvr>
+    <a:masterClrMapping/>
+  </p:clrMapOvr>
+  <p:transition>
+    <p:fade/>
+  </p:transition>
+</p:sld>
+</file>
+
+<file path=ppt/slides/slide11.xml><?xml version="1.0" encoding="utf-8"?>
+<p:sld xmlns:a="http://schemas.openxmlformats.org/drawingml/2006/main" xmlns:r="http://schemas.openxmlformats.org/officeDocument/2006/relationships" xmlns:p="http://schemas.openxmlformats.org/presentationml/2006/main">
+  <p:cSld>
+    <p:bg>
+      <p:bgPr>
+        <a:solidFill>
           <a:srgbClr val="BA141A"/>
         </a:solidFill>
         <a:effectLst/>
@@ -4720,7 +5543,7 @@
           <a:p>
             <a:fld id="{DAB94411-2297-4BD0-B197-35E3682289EC}" type="slidenum">
               <a:rPr lang="da-DK" smtClean="0"/>
-              <a:t>10</a:t>
+              <a:t>11</a:t>
             </a:fld>
             <a:endParaRPr lang="da-DK"/>
           </a:p>
@@ -6956,7 +7779,7 @@
 </p:sld>
 </file>
 
-<file path=ppt/slides/slide11.xml><?xml version="1.0" encoding="utf-8"?>
+<file path=ppt/slides/slide12.xml><?xml version="1.0" encoding="utf-8"?>
 <p:sld xmlns:a="http://schemas.openxmlformats.org/drawingml/2006/main" xmlns:r="http://schemas.openxmlformats.org/officeDocument/2006/relationships" xmlns:p="http://schemas.openxmlformats.org/presentationml/2006/main">
   <p:cSld>
     <p:bg>
@@ -7026,7 +7849,7 @@
           <a:p>
             <a:fld id="{DAB94411-2297-4BD0-B197-35E3682289EC}" type="slidenum">
               <a:rPr lang="da-DK" smtClean="0"/>
-              <a:t>11</a:t>
+              <a:t>12</a:t>
             </a:fld>
             <a:endParaRPr lang="da-DK"/>
           </a:p>
@@ -8570,6 +9393,104 @@
 <file path=ppt/slides/slide4.xml><?xml version="1.0" encoding="utf-8"?>
 <p:sld xmlns:a="http://schemas.openxmlformats.org/drawingml/2006/main" xmlns:r="http://schemas.openxmlformats.org/officeDocument/2006/relationships" xmlns:p="http://schemas.openxmlformats.org/presentationml/2006/main">
   <p:cSld>
+    <p:spTree>
+      <p:nvGrpSpPr>
+        <p:cNvPr id="1" name=""/>
+        <p:cNvGrpSpPr/>
+        <p:nvPr/>
+      </p:nvGrpSpPr>
+      <p:grpSpPr>
+        <a:xfrm>
+          <a:off x="0" y="0"/>
+          <a:ext cx="0" cy="0"/>
+          <a:chOff x="0" y="0"/>
+          <a:chExt cx="0" cy="0"/>
+        </a:xfrm>
+      </p:grpSpPr>
+      <p:sp>
+        <p:nvSpPr>
+          <p:cNvPr id="4" name="TextBox 3">
+            <a:extLst>
+              <a:ext uri="{FF2B5EF4-FFF2-40B4-BE49-F238E27FC236}">
+                <a16:creationId xmlns:a16="http://schemas.microsoft.com/office/drawing/2014/main" id="{534E0FEF-D108-4DED-A024-3133DDA1D18F}"/>
+              </a:ext>
+            </a:extLst>
+          </p:cNvPr>
+          <p:cNvSpPr txBox="1"/>
+          <p:nvPr/>
+        </p:nvSpPr>
+        <p:spPr>
+          <a:xfrm>
+            <a:off x="3443877" y="856539"/>
+            <a:ext cx="2438809" cy="5281446"/>
+          </a:xfrm>
+          <a:prstGeom prst="rect">
+            <a:avLst/>
+          </a:prstGeom>
+          <a:noFill/>
+        </p:spPr>
+        <p:txBody>
+          <a:bodyPr wrap="none" lIns="182880" tIns="146304" rIns="182880" bIns="146304" rtlCol="0">
+            <a:spAutoFit/>
+          </a:bodyPr>
+          <a:lstStyle/>
+          <a:p>
+            <a:pPr>
+              <a:lnSpc>
+                <a:spcPct val="90000"/>
+              </a:lnSpc>
+            </a:pPr>
+            <a:r>
+              <a:rPr lang="da-DK" sz="36000" dirty="0">
+                <a:gradFill>
+                  <a:gsLst>
+                    <a:gs pos="2917">
+                      <a:schemeClr val="tx1"/>
+                    </a:gs>
+                    <a:gs pos="30000">
+                      <a:schemeClr val="tx1"/>
+                    </a:gs>
+                  </a:gsLst>
+                  <a:lin ang="5400000" scaled="0"/>
+                </a:gradFill>
+              </a:rPr>
+              <a:t>?</a:t>
+            </a:r>
+            <a:endParaRPr lang="en-DK" sz="36000" dirty="0" err="1">
+              <a:gradFill>
+                <a:gsLst>
+                  <a:gs pos="2917">
+                    <a:schemeClr val="tx1"/>
+                  </a:gs>
+                  <a:gs pos="30000">
+                    <a:schemeClr val="tx1"/>
+                  </a:gs>
+                </a:gsLst>
+                <a:lin ang="5400000" scaled="0"/>
+              </a:gradFill>
+            </a:endParaRPr>
+          </a:p>
+        </p:txBody>
+      </p:sp>
+    </p:spTree>
+    <p:extLst>
+      <p:ext uri="{BB962C8B-B14F-4D97-AF65-F5344CB8AC3E}">
+        <p14:creationId xmlns:p14="http://schemas.microsoft.com/office/powerpoint/2010/main" val="826227716"/>
+      </p:ext>
+    </p:extLst>
+  </p:cSld>
+  <p:clrMapOvr>
+    <a:masterClrMapping/>
+  </p:clrMapOvr>
+  <p:transition>
+    <p:fade/>
+  </p:transition>
+</p:sld>
+</file>
+
+<file path=ppt/slides/slide5.xml><?xml version="1.0" encoding="utf-8"?>
+<p:sld xmlns:a="http://schemas.openxmlformats.org/drawingml/2006/main" xmlns:r="http://schemas.openxmlformats.org/officeDocument/2006/relationships" xmlns:p="http://schemas.openxmlformats.org/presentationml/2006/main">
+  <p:cSld>
     <p:bg>
       <p:bgPr>
         <a:solidFill>
@@ -8700,7 +9621,7 @@
 </p:sld>
 </file>
 
-<file path=ppt/slides/slide5.xml><?xml version="1.0" encoding="utf-8"?>
+<file path=ppt/slides/slide6.xml><?xml version="1.0" encoding="utf-8"?>
 <p:sld xmlns:a="http://schemas.openxmlformats.org/drawingml/2006/main" xmlns:r="http://schemas.openxmlformats.org/officeDocument/2006/relationships" xmlns:p="http://schemas.openxmlformats.org/presentationml/2006/main">
   <p:cSld>
     <p:bg>
@@ -9624,7 +10545,7 @@
 </p:sld>
 </file>
 
-<file path=ppt/slides/slide6.xml><?xml version="1.0" encoding="utf-8"?>
+<file path=ppt/slides/slide7.xml><?xml version="1.0" encoding="utf-8"?>
 <p:sld xmlns:a="http://schemas.openxmlformats.org/drawingml/2006/main" xmlns:r="http://schemas.openxmlformats.org/officeDocument/2006/relationships" xmlns:p="http://schemas.openxmlformats.org/presentationml/2006/main">
   <p:cSld>
     <p:bg>
@@ -10782,7 +11703,7 @@
 </p:sld>
 </file>
 
-<file path=ppt/slides/slide7.xml><?xml version="1.0" encoding="utf-8"?>
+<file path=ppt/slides/slide8.xml><?xml version="1.0" encoding="utf-8"?>
 <p:sld xmlns:a="http://schemas.openxmlformats.org/drawingml/2006/main" xmlns:r="http://schemas.openxmlformats.org/officeDocument/2006/relationships" xmlns:p="http://schemas.openxmlformats.org/presentationml/2006/main">
   <p:cSld>
     <p:spTree>
@@ -12025,7 +12946,7 @@
 </p:sld>
 </file>
 
-<file path=ppt/slides/slide8.xml><?xml version="1.0" encoding="utf-8"?>
+<file path=ppt/slides/slide9.xml><?xml version="1.0" encoding="utf-8"?>
 <p:sld xmlns:a="http://schemas.openxmlformats.org/drawingml/2006/main" xmlns:r="http://schemas.openxmlformats.org/officeDocument/2006/relationships" xmlns:p="http://schemas.openxmlformats.org/presentationml/2006/main">
   <p:cSld>
     <p:bg>
@@ -13016,827 +13937,6 @@
     <p:extLst>
       <p:ext uri="{BB962C8B-B14F-4D97-AF65-F5344CB8AC3E}">
         <p14:creationId xmlns:p14="http://schemas.microsoft.com/office/powerpoint/2010/main" val="4274493962"/>
-      </p:ext>
-    </p:extLst>
-  </p:cSld>
-  <p:clrMapOvr>
-    <a:masterClrMapping/>
-  </p:clrMapOvr>
-  <p:transition>
-    <p:fade/>
-  </p:transition>
-</p:sld>
-</file>
-
-<file path=ppt/slides/slide9.xml><?xml version="1.0" encoding="utf-8"?>
-<p:sld xmlns:a="http://schemas.openxmlformats.org/drawingml/2006/main" xmlns:r="http://schemas.openxmlformats.org/officeDocument/2006/relationships" xmlns:p="http://schemas.openxmlformats.org/presentationml/2006/main">
-  <p:cSld>
-    <p:bg>
-      <p:bgPr>
-        <a:solidFill>
-          <a:srgbClr val="442359"/>
-        </a:solidFill>
-        <a:effectLst/>
-      </p:bgPr>
-    </p:bg>
-    <p:spTree>
-      <p:nvGrpSpPr>
-        <p:cNvPr id="1" name=""/>
-        <p:cNvGrpSpPr/>
-        <p:nvPr/>
-      </p:nvGrpSpPr>
-      <p:grpSpPr>
-        <a:xfrm>
-          <a:off x="0" y="0"/>
-          <a:ext cx="0" cy="0"/>
-          <a:chOff x="0" y="0"/>
-          <a:chExt cx="0" cy="0"/>
-        </a:xfrm>
-      </p:grpSpPr>
-      <p:sp>
-        <p:nvSpPr>
-          <p:cNvPr id="57345" name="Rectangle 1"/>
-          <p:cNvSpPr>
-            <a:spLocks noGrp="1" noChangeArrowheads="1"/>
-          </p:cNvSpPr>
-          <p:nvPr>
-            <p:ph type="title" idx="4294967295"/>
-          </p:nvPr>
-        </p:nvSpPr>
-        <p:spPr>
-          <a:xfrm>
-            <a:off x="0" y="295275"/>
-            <a:ext cx="8778875" cy="917575"/>
-          </a:xfrm>
-          <a:ln/>
-        </p:spPr>
-        <p:txBody>
-          <a:bodyPr/>
-          <a:lstStyle/>
-          <a:p>
-            <a:r>
-              <a:rPr lang="en-US" dirty="0" err="1"/>
-              <a:t>System.Collections.Concurrent</a:t>
-            </a:r>
-            <a:endParaRPr lang="en-US" dirty="0"/>
-          </a:p>
-        </p:txBody>
-      </p:sp>
-      <p:sp>
-        <p:nvSpPr>
-          <p:cNvPr id="45" name="TextBox 44"/>
-          <p:cNvSpPr txBox="1"/>
-          <p:nvPr/>
-        </p:nvSpPr>
-        <p:spPr>
-          <a:xfrm>
-            <a:off x="2003942" y="1915107"/>
-            <a:ext cx="2344231" cy="572464"/>
-          </a:xfrm>
-          <a:prstGeom prst="rect">
-            <a:avLst/>
-          </a:prstGeom>
-          <a:noFill/>
-          <a:ln w="25400">
-            <a:solidFill>
-              <a:schemeClr val="tx1"/>
-            </a:solidFill>
-          </a:ln>
-        </p:spPr>
-        <p:txBody>
-          <a:bodyPr wrap="none" lIns="182880" tIns="146304" rIns="182880" bIns="146304" rtlCol="0">
-            <a:spAutoFit/>
-          </a:bodyPr>
-          <a:lstStyle/>
-          <a:p>
-            <a:pPr>
-              <a:lnSpc>
-                <a:spcPct val="90000"/>
-              </a:lnSpc>
-            </a:pPr>
-            <a:r>
-              <a:rPr lang="en-US" sz="2000" dirty="0" err="1">
-                <a:gradFill>
-                  <a:gsLst>
-                    <a:gs pos="2917">
-                      <a:schemeClr val="tx1"/>
-                    </a:gs>
-                    <a:gs pos="30000">
-                      <a:schemeClr val="tx1"/>
-                    </a:gs>
-                  </a:gsLst>
-                  <a:lin ang="5400000" scaled="0"/>
-                </a:gradFill>
-                <a:latin typeface="Consolas" panose="020B0609020204030204" pitchFamily="49" charset="0"/>
-                <a:cs typeface="Consolas" panose="020B0609020204030204" pitchFamily="49" charset="0"/>
-              </a:rPr>
-              <a:t>ICollection</a:t>
-            </a:r>
-            <a:r>
-              <a:rPr lang="en-US" sz="2000" dirty="0">
-                <a:gradFill>
-                  <a:gsLst>
-                    <a:gs pos="2917">
-                      <a:schemeClr val="tx1"/>
-                    </a:gs>
-                    <a:gs pos="30000">
-                      <a:schemeClr val="tx1"/>
-                    </a:gs>
-                  </a:gsLst>
-                  <a:lin ang="5400000" scaled="0"/>
-                </a:gradFill>
-                <a:latin typeface="Consolas" panose="020B0609020204030204" pitchFamily="49" charset="0"/>
-                <a:cs typeface="Consolas" panose="020B0609020204030204" pitchFamily="49" charset="0"/>
-              </a:rPr>
-              <a:t>&lt;T&gt;</a:t>
-            </a:r>
-            <a:endParaRPr lang="da-DK" sz="2000" dirty="0" err="1">
-              <a:gradFill>
-                <a:gsLst>
-                  <a:gs pos="2917">
-                    <a:schemeClr val="tx1"/>
-                  </a:gs>
-                  <a:gs pos="30000">
-                    <a:schemeClr val="tx1"/>
-                  </a:gs>
-                </a:gsLst>
-                <a:lin ang="5400000" scaled="0"/>
-              </a:gradFill>
-              <a:latin typeface="Consolas" panose="020B0609020204030204" pitchFamily="49" charset="0"/>
-              <a:cs typeface="Consolas" panose="020B0609020204030204" pitchFamily="49" charset="0"/>
-            </a:endParaRPr>
-          </a:p>
-        </p:txBody>
-      </p:sp>
-      <p:sp>
-        <p:nvSpPr>
-          <p:cNvPr id="46" name="TextBox 45"/>
-          <p:cNvSpPr txBox="1"/>
-          <p:nvPr/>
-        </p:nvSpPr>
-        <p:spPr>
-          <a:xfrm>
-            <a:off x="875427" y="3134539"/>
-            <a:ext cx="4601260" cy="572464"/>
-          </a:xfrm>
-          <a:prstGeom prst="rect">
-            <a:avLst/>
-          </a:prstGeom>
-          <a:noFill/>
-          <a:ln w="25400">
-            <a:solidFill>
-              <a:schemeClr val="tx1"/>
-            </a:solidFill>
-          </a:ln>
-        </p:spPr>
-        <p:txBody>
-          <a:bodyPr wrap="none" lIns="182880" tIns="146304" rIns="182880" bIns="146304" rtlCol="0">
-            <a:spAutoFit/>
-          </a:bodyPr>
-          <a:lstStyle/>
-          <a:p>
-            <a:pPr>
-              <a:lnSpc>
-                <a:spcPct val="90000"/>
-              </a:lnSpc>
-            </a:pPr>
-            <a:r>
-              <a:rPr lang="da-DK" sz="2000" dirty="0" err="1">
-                <a:latin typeface="Consolas" panose="020B0609020204030204" pitchFamily="49" charset="0"/>
-              </a:rPr>
-              <a:t>IProducerConsumerCollection</a:t>
-            </a:r>
-            <a:r>
-              <a:rPr lang="da-DK" sz="2000" dirty="0">
-                <a:latin typeface="Consolas" panose="020B0609020204030204" pitchFamily="49" charset="0"/>
-              </a:rPr>
-              <a:t>&lt;T&gt;</a:t>
-            </a:r>
-            <a:endParaRPr lang="da-DK" sz="2000" dirty="0">
-              <a:gradFill>
-                <a:gsLst>
-                  <a:gs pos="2917">
-                    <a:schemeClr val="tx1"/>
-                  </a:gs>
-                  <a:gs pos="30000">
-                    <a:schemeClr val="tx1"/>
-                  </a:gs>
-                </a:gsLst>
-                <a:lin ang="5400000" scaled="0"/>
-              </a:gradFill>
-              <a:latin typeface="Consolas" panose="020B0609020204030204" pitchFamily="49" charset="0"/>
-              <a:cs typeface="Consolas" panose="020B0609020204030204" pitchFamily="49" charset="0"/>
-            </a:endParaRPr>
-          </a:p>
-        </p:txBody>
-      </p:sp>
-      <p:sp>
-        <p:nvSpPr>
-          <p:cNvPr id="48" name="TextBox 47"/>
-          <p:cNvSpPr txBox="1"/>
-          <p:nvPr/>
-        </p:nvSpPr>
-        <p:spPr>
-          <a:xfrm>
-            <a:off x="134312" y="5308124"/>
-            <a:ext cx="2908489" cy="572464"/>
-          </a:xfrm>
-          <a:prstGeom prst="rect">
-            <a:avLst/>
-          </a:prstGeom>
-          <a:noFill/>
-          <a:ln w="25400">
-            <a:solidFill>
-              <a:schemeClr val="tx1"/>
-            </a:solidFill>
-          </a:ln>
-        </p:spPr>
-        <p:txBody>
-          <a:bodyPr wrap="none" lIns="182880" tIns="146304" rIns="182880" bIns="146304" rtlCol="0">
-            <a:spAutoFit/>
-          </a:bodyPr>
-          <a:lstStyle/>
-          <a:p>
-            <a:pPr>
-              <a:lnSpc>
-                <a:spcPct val="90000"/>
-              </a:lnSpc>
-            </a:pPr>
-            <a:r>
-              <a:rPr lang="da-DK" sz="2000" dirty="0" err="1">
-                <a:latin typeface="Consolas" panose="020B0609020204030204" pitchFamily="49" charset="0"/>
-              </a:rPr>
-              <a:t>ConcurrentStack</a:t>
-            </a:r>
-            <a:r>
-              <a:rPr lang="da-DK" sz="2000" dirty="0">
-                <a:latin typeface="Consolas" panose="020B0609020204030204" pitchFamily="49" charset="0"/>
-              </a:rPr>
-              <a:t>&lt;T</a:t>
-            </a:r>
-            <a:r>
-              <a:rPr lang="en-US" sz="2000" dirty="0">
-                <a:gradFill>
-                  <a:gsLst>
-                    <a:gs pos="2917">
-                      <a:schemeClr val="tx1"/>
-                    </a:gs>
-                    <a:gs pos="30000">
-                      <a:schemeClr val="tx1"/>
-                    </a:gs>
-                  </a:gsLst>
-                  <a:lin ang="5400000" scaled="0"/>
-                </a:gradFill>
-                <a:latin typeface="Consolas" panose="020B0609020204030204" pitchFamily="49" charset="0"/>
-                <a:cs typeface="Consolas" panose="020B0609020204030204" pitchFamily="49" charset="0"/>
-              </a:rPr>
-              <a:t>&gt;</a:t>
-            </a:r>
-            <a:endParaRPr lang="da-DK" sz="2000" dirty="0" err="1">
-              <a:gradFill>
-                <a:gsLst>
-                  <a:gs pos="2917">
-                    <a:schemeClr val="tx1"/>
-                  </a:gs>
-                  <a:gs pos="30000">
-                    <a:schemeClr val="tx1"/>
-                  </a:gs>
-                </a:gsLst>
-                <a:lin ang="5400000" scaled="0"/>
-              </a:gradFill>
-              <a:latin typeface="Consolas" panose="020B0609020204030204" pitchFamily="49" charset="0"/>
-              <a:cs typeface="Consolas" panose="020B0609020204030204" pitchFamily="49" charset="0"/>
-            </a:endParaRPr>
-          </a:p>
-        </p:txBody>
-      </p:sp>
-      <p:sp>
-        <p:nvSpPr>
-          <p:cNvPr id="49" name="TextBox 48"/>
-          <p:cNvSpPr txBox="1"/>
-          <p:nvPr/>
-        </p:nvSpPr>
-        <p:spPr>
-          <a:xfrm>
-            <a:off x="3309313" y="5307089"/>
-            <a:ext cx="2908489" cy="572464"/>
-          </a:xfrm>
-          <a:prstGeom prst="rect">
-            <a:avLst/>
-          </a:prstGeom>
-          <a:noFill/>
-          <a:ln w="25400">
-            <a:solidFill>
-              <a:schemeClr val="tx1"/>
-            </a:solidFill>
-          </a:ln>
-        </p:spPr>
-        <p:txBody>
-          <a:bodyPr wrap="none" lIns="182880" tIns="146304" rIns="182880" bIns="146304" rtlCol="0">
-            <a:spAutoFit/>
-          </a:bodyPr>
-          <a:lstStyle/>
-          <a:p>
-            <a:pPr>
-              <a:lnSpc>
-                <a:spcPct val="90000"/>
-              </a:lnSpc>
-            </a:pPr>
-            <a:r>
-              <a:rPr lang="en-US" sz="2000" dirty="0" err="1">
-                <a:gradFill>
-                  <a:gsLst>
-                    <a:gs pos="2917">
-                      <a:schemeClr val="tx1"/>
-                    </a:gs>
-                    <a:gs pos="30000">
-                      <a:schemeClr val="tx1"/>
-                    </a:gs>
-                  </a:gsLst>
-                  <a:lin ang="5400000" scaled="0"/>
-                </a:gradFill>
-                <a:latin typeface="Consolas" panose="020B0609020204030204" pitchFamily="49" charset="0"/>
-                <a:cs typeface="Consolas" panose="020B0609020204030204" pitchFamily="49" charset="0"/>
-              </a:rPr>
-              <a:t>ConcurrentQueue</a:t>
-            </a:r>
-            <a:r>
-              <a:rPr lang="en-US" sz="2000" dirty="0">
-                <a:gradFill>
-                  <a:gsLst>
-                    <a:gs pos="2917">
-                      <a:schemeClr val="tx1"/>
-                    </a:gs>
-                    <a:gs pos="30000">
-                      <a:schemeClr val="tx1"/>
-                    </a:gs>
-                  </a:gsLst>
-                  <a:lin ang="5400000" scaled="0"/>
-                </a:gradFill>
-                <a:latin typeface="Consolas" panose="020B0609020204030204" pitchFamily="49" charset="0"/>
-                <a:cs typeface="Consolas" panose="020B0609020204030204" pitchFamily="49" charset="0"/>
-              </a:rPr>
-              <a:t>&lt;T&gt;</a:t>
-            </a:r>
-            <a:endParaRPr lang="da-DK" sz="2000" dirty="0" err="1">
-              <a:gradFill>
-                <a:gsLst>
-                  <a:gs pos="2917">
-                    <a:schemeClr val="tx1"/>
-                  </a:gs>
-                  <a:gs pos="30000">
-                    <a:schemeClr val="tx1"/>
-                  </a:gs>
-                </a:gsLst>
-                <a:lin ang="5400000" scaled="0"/>
-              </a:gradFill>
-              <a:latin typeface="Consolas" panose="020B0609020204030204" pitchFamily="49" charset="0"/>
-              <a:cs typeface="Consolas" panose="020B0609020204030204" pitchFamily="49" charset="0"/>
-            </a:endParaRPr>
-          </a:p>
-        </p:txBody>
-      </p:sp>
-      <p:sp>
-        <p:nvSpPr>
-          <p:cNvPr id="50" name="TextBox 49"/>
-          <p:cNvSpPr txBox="1"/>
-          <p:nvPr/>
-        </p:nvSpPr>
-        <p:spPr>
-          <a:xfrm>
-            <a:off x="1862877" y="6198995"/>
-            <a:ext cx="2626360" cy="572464"/>
-          </a:xfrm>
-          <a:prstGeom prst="rect">
-            <a:avLst/>
-          </a:prstGeom>
-          <a:noFill/>
-          <a:ln w="25400">
-            <a:solidFill>
-              <a:schemeClr val="tx1"/>
-            </a:solidFill>
-          </a:ln>
-        </p:spPr>
-        <p:txBody>
-          <a:bodyPr wrap="none" lIns="182880" tIns="146304" rIns="182880" bIns="146304" rtlCol="0">
-            <a:spAutoFit/>
-          </a:bodyPr>
-          <a:lstStyle/>
-          <a:p>
-            <a:pPr>
-              <a:lnSpc>
-                <a:spcPct val="90000"/>
-              </a:lnSpc>
-            </a:pPr>
-            <a:r>
-              <a:rPr lang="da-DK" sz="2000" dirty="0" err="1">
-                <a:latin typeface="Consolas" panose="020B0609020204030204" pitchFamily="49" charset="0"/>
-              </a:rPr>
-              <a:t>ConcurrentBag</a:t>
-            </a:r>
-            <a:r>
-              <a:rPr lang="da-DK" sz="2000" dirty="0">
-                <a:latin typeface="Consolas" panose="020B0609020204030204" pitchFamily="49" charset="0"/>
-              </a:rPr>
-              <a:t>&lt;T</a:t>
-            </a:r>
-            <a:r>
-              <a:rPr lang="en-US" sz="2000" dirty="0">
-                <a:gradFill>
-                  <a:gsLst>
-                    <a:gs pos="2917">
-                      <a:schemeClr val="tx1"/>
-                    </a:gs>
-                    <a:gs pos="30000">
-                      <a:schemeClr val="tx1"/>
-                    </a:gs>
-                  </a:gsLst>
-                  <a:lin ang="5400000" scaled="0"/>
-                </a:gradFill>
-                <a:latin typeface="Consolas" panose="020B0609020204030204" pitchFamily="49" charset="0"/>
-                <a:cs typeface="Consolas" panose="020B0609020204030204" pitchFamily="49" charset="0"/>
-              </a:rPr>
-              <a:t>&gt;</a:t>
-            </a:r>
-            <a:endParaRPr lang="da-DK" sz="2000" dirty="0" err="1">
-              <a:gradFill>
-                <a:gsLst>
-                  <a:gs pos="2917">
-                    <a:schemeClr val="tx1"/>
-                  </a:gs>
-                  <a:gs pos="30000">
-                    <a:schemeClr val="tx1"/>
-                  </a:gs>
-                </a:gsLst>
-                <a:lin ang="5400000" scaled="0"/>
-              </a:gradFill>
-              <a:latin typeface="Consolas" panose="020B0609020204030204" pitchFamily="49" charset="0"/>
-              <a:cs typeface="Consolas" panose="020B0609020204030204" pitchFamily="49" charset="0"/>
-            </a:endParaRPr>
-          </a:p>
-        </p:txBody>
-      </p:sp>
-      <p:cxnSp>
-        <p:nvCxnSpPr>
-          <p:cNvPr id="59" name="Straight Arrow Connector 58"/>
-          <p:cNvCxnSpPr>
-            <a:stCxn id="49" idx="0"/>
-            <a:endCxn id="46" idx="2"/>
-          </p:cNvCxnSpPr>
-          <p:nvPr/>
-        </p:nvCxnSpPr>
-        <p:spPr>
-          <a:xfrm flipH="1" flipV="1">
-            <a:off x="3176057" y="3707003"/>
-            <a:ext cx="1587501" cy="1600086"/>
-          </a:xfrm>
-          <a:prstGeom prst="straightConnector1">
-            <a:avLst/>
-          </a:prstGeom>
-          <a:ln w="25400">
-            <a:solidFill>
-              <a:schemeClr val="tx1"/>
-            </a:solidFill>
-            <a:headEnd type="none"/>
-            <a:tailEnd type="triangle" w="lg" len="lg"/>
-          </a:ln>
-        </p:spPr>
-        <p:style>
-          <a:lnRef idx="1">
-            <a:schemeClr val="accent1"/>
-          </a:lnRef>
-          <a:fillRef idx="0">
-            <a:schemeClr val="accent1"/>
-          </a:fillRef>
-          <a:effectRef idx="0">
-            <a:schemeClr val="accent1"/>
-          </a:effectRef>
-          <a:fontRef idx="minor">
-            <a:schemeClr val="tx1"/>
-          </a:fontRef>
-        </p:style>
-      </p:cxnSp>
-      <p:cxnSp>
-        <p:nvCxnSpPr>
-          <p:cNvPr id="60" name="Straight Arrow Connector 59"/>
-          <p:cNvCxnSpPr>
-            <a:stCxn id="50" idx="0"/>
-            <a:endCxn id="46" idx="2"/>
-          </p:cNvCxnSpPr>
-          <p:nvPr/>
-        </p:nvCxnSpPr>
-        <p:spPr>
-          <a:xfrm flipV="1">
-            <a:off x="3176057" y="3707003"/>
-            <a:ext cx="0" cy="2491992"/>
-          </a:xfrm>
-          <a:prstGeom prst="straightConnector1">
-            <a:avLst/>
-          </a:prstGeom>
-          <a:ln w="25400">
-            <a:solidFill>
-              <a:schemeClr val="tx1"/>
-            </a:solidFill>
-            <a:headEnd type="none"/>
-            <a:tailEnd type="triangle" w="lg" len="lg"/>
-          </a:ln>
-        </p:spPr>
-        <p:style>
-          <a:lnRef idx="1">
-            <a:schemeClr val="accent1"/>
-          </a:lnRef>
-          <a:fillRef idx="0">
-            <a:schemeClr val="accent1"/>
-          </a:fillRef>
-          <a:effectRef idx="0">
-            <a:schemeClr val="accent1"/>
-          </a:effectRef>
-          <a:fontRef idx="minor">
-            <a:schemeClr val="tx1"/>
-          </a:fontRef>
-        </p:style>
-      </p:cxnSp>
-      <p:cxnSp>
-        <p:nvCxnSpPr>
-          <p:cNvPr id="61" name="Straight Arrow Connector 60"/>
-          <p:cNvCxnSpPr>
-            <a:stCxn id="48" idx="0"/>
-            <a:endCxn id="46" idx="2"/>
-          </p:cNvCxnSpPr>
-          <p:nvPr/>
-        </p:nvCxnSpPr>
-        <p:spPr>
-          <a:xfrm flipV="1">
-            <a:off x="1588557" y="3707003"/>
-            <a:ext cx="1587500" cy="1601121"/>
-          </a:xfrm>
-          <a:prstGeom prst="straightConnector1">
-            <a:avLst/>
-          </a:prstGeom>
-          <a:ln w="25400">
-            <a:solidFill>
-              <a:schemeClr val="tx1"/>
-            </a:solidFill>
-            <a:headEnd type="none"/>
-            <a:tailEnd type="triangle" w="lg" len="lg"/>
-          </a:ln>
-        </p:spPr>
-        <p:style>
-          <a:lnRef idx="1">
-            <a:schemeClr val="accent1"/>
-          </a:lnRef>
-          <a:fillRef idx="0">
-            <a:schemeClr val="accent1"/>
-          </a:fillRef>
-          <a:effectRef idx="0">
-            <a:schemeClr val="accent1"/>
-          </a:effectRef>
-          <a:fontRef idx="minor">
-            <a:schemeClr val="tx1"/>
-          </a:fontRef>
-        </p:style>
-      </p:cxnSp>
-      <p:cxnSp>
-        <p:nvCxnSpPr>
-          <p:cNvPr id="62" name="Straight Arrow Connector 61"/>
-          <p:cNvCxnSpPr>
-            <a:stCxn id="46" idx="0"/>
-            <a:endCxn id="45" idx="2"/>
-          </p:cNvCxnSpPr>
-          <p:nvPr/>
-        </p:nvCxnSpPr>
-        <p:spPr>
-          <a:xfrm flipV="1">
-            <a:off x="3176057" y="2487571"/>
-            <a:ext cx="1" cy="646968"/>
-          </a:xfrm>
-          <a:prstGeom prst="straightConnector1">
-            <a:avLst/>
-          </a:prstGeom>
-          <a:ln w="25400">
-            <a:solidFill>
-              <a:schemeClr val="tx1"/>
-            </a:solidFill>
-            <a:headEnd type="none"/>
-            <a:tailEnd type="triangle" w="lg" len="lg"/>
-          </a:ln>
-        </p:spPr>
-        <p:style>
-          <a:lnRef idx="1">
-            <a:schemeClr val="accent1"/>
-          </a:lnRef>
-          <a:fillRef idx="0">
-            <a:schemeClr val="accent1"/>
-          </a:fillRef>
-          <a:effectRef idx="0">
-            <a:schemeClr val="accent1"/>
-          </a:effectRef>
-          <a:fontRef idx="minor">
-            <a:schemeClr val="tx1"/>
-          </a:fontRef>
-        </p:style>
-      </p:cxnSp>
-      <p:sp>
-        <p:nvSpPr>
-          <p:cNvPr id="71" name="TextBox 70"/>
-          <p:cNvSpPr txBox="1"/>
-          <p:nvPr/>
-        </p:nvSpPr>
-        <p:spPr>
-          <a:xfrm>
-            <a:off x="5663826" y="2554403"/>
-            <a:ext cx="2767424" cy="572464"/>
-          </a:xfrm>
-          <a:prstGeom prst="rect">
-            <a:avLst/>
-          </a:prstGeom>
-          <a:noFill/>
-          <a:ln w="25400">
-            <a:solidFill>
-              <a:schemeClr val="tx1"/>
-            </a:solidFill>
-          </a:ln>
-        </p:spPr>
-        <p:txBody>
-          <a:bodyPr wrap="none" lIns="182880" tIns="146304" rIns="182880" bIns="146304" rtlCol="0">
-            <a:spAutoFit/>
-          </a:bodyPr>
-          <a:lstStyle/>
-          <a:p>
-            <a:pPr>
-              <a:lnSpc>
-                <a:spcPct val="90000"/>
-              </a:lnSpc>
-            </a:pPr>
-            <a:r>
-              <a:rPr lang="en-US" sz="2000" dirty="0" err="1">
-                <a:gradFill>
-                  <a:gsLst>
-                    <a:gs pos="2917">
-                      <a:schemeClr val="tx1"/>
-                    </a:gs>
-                    <a:gs pos="30000">
-                      <a:schemeClr val="tx1"/>
-                    </a:gs>
-                  </a:gsLst>
-                  <a:lin ang="5400000" scaled="0"/>
-                </a:gradFill>
-                <a:latin typeface="Consolas" panose="020B0609020204030204" pitchFamily="49" charset="0"/>
-                <a:cs typeface="Consolas" panose="020B0609020204030204" pitchFamily="49" charset="0"/>
-              </a:rPr>
-              <a:t>IDictionary</a:t>
-            </a:r>
-            <a:r>
-              <a:rPr lang="en-US" sz="2000" dirty="0">
-                <a:gradFill>
-                  <a:gsLst>
-                    <a:gs pos="2917">
-                      <a:schemeClr val="tx1"/>
-                    </a:gs>
-                    <a:gs pos="30000">
-                      <a:schemeClr val="tx1"/>
-                    </a:gs>
-                  </a:gsLst>
-                  <a:lin ang="5400000" scaled="0"/>
-                </a:gradFill>
-                <a:latin typeface="Consolas" panose="020B0609020204030204" pitchFamily="49" charset="0"/>
-                <a:cs typeface="Consolas" panose="020B0609020204030204" pitchFamily="49" charset="0"/>
-              </a:rPr>
-              <a:t>&lt;K, V&gt;</a:t>
-            </a:r>
-            <a:endParaRPr lang="da-DK" sz="2000" dirty="0" err="1">
-              <a:gradFill>
-                <a:gsLst>
-                  <a:gs pos="2917">
-                    <a:schemeClr val="tx1"/>
-                  </a:gs>
-                  <a:gs pos="30000">
-                    <a:schemeClr val="tx1"/>
-                  </a:gs>
-                </a:gsLst>
-                <a:lin ang="5400000" scaled="0"/>
-              </a:gradFill>
-              <a:latin typeface="Consolas" panose="020B0609020204030204" pitchFamily="49" charset="0"/>
-              <a:cs typeface="Consolas" panose="020B0609020204030204" pitchFamily="49" charset="0"/>
-            </a:endParaRPr>
-          </a:p>
-        </p:txBody>
-      </p:sp>
-      <p:sp>
-        <p:nvSpPr>
-          <p:cNvPr id="72" name="TextBox 71"/>
-          <p:cNvSpPr txBox="1"/>
-          <p:nvPr/>
-        </p:nvSpPr>
-        <p:spPr>
-          <a:xfrm>
-            <a:off x="5029037" y="4045896"/>
-            <a:ext cx="4037003" cy="572464"/>
-          </a:xfrm>
-          <a:prstGeom prst="rect">
-            <a:avLst/>
-          </a:prstGeom>
-          <a:noFill/>
-          <a:ln w="25400">
-            <a:solidFill>
-              <a:schemeClr val="tx1"/>
-            </a:solidFill>
-          </a:ln>
-        </p:spPr>
-        <p:txBody>
-          <a:bodyPr wrap="none" lIns="182880" tIns="146304" rIns="182880" bIns="146304" rtlCol="0">
-            <a:spAutoFit/>
-          </a:bodyPr>
-          <a:lstStyle/>
-          <a:p>
-            <a:pPr>
-              <a:lnSpc>
-                <a:spcPct val="90000"/>
-              </a:lnSpc>
-            </a:pPr>
-            <a:r>
-              <a:rPr lang="da-DK" sz="2000" dirty="0" err="1">
-                <a:gradFill>
-                  <a:gsLst>
-                    <a:gs pos="2917">
-                      <a:schemeClr val="tx1"/>
-                    </a:gs>
-                    <a:gs pos="30000">
-                      <a:schemeClr val="tx1"/>
-                    </a:gs>
-                  </a:gsLst>
-                  <a:lin ang="5400000" scaled="0"/>
-                </a:gradFill>
-                <a:latin typeface="Consolas" panose="020B0609020204030204" pitchFamily="49" charset="0"/>
-                <a:cs typeface="Consolas" panose="020B0609020204030204" pitchFamily="49" charset="0"/>
-              </a:rPr>
-              <a:t>ConcurrentDictionary</a:t>
-            </a:r>
-            <a:r>
-              <a:rPr lang="da-DK" sz="2000" dirty="0">
-                <a:gradFill>
-                  <a:gsLst>
-                    <a:gs pos="2917">
-                      <a:schemeClr val="tx1"/>
-                    </a:gs>
-                    <a:gs pos="30000">
-                      <a:schemeClr val="tx1"/>
-                    </a:gs>
-                  </a:gsLst>
-                  <a:lin ang="5400000" scaled="0"/>
-                </a:gradFill>
-                <a:latin typeface="Consolas" panose="020B0609020204030204" pitchFamily="49" charset="0"/>
-                <a:cs typeface="Consolas" panose="020B0609020204030204" pitchFamily="49" charset="0"/>
-              </a:rPr>
-              <a:t>&lt;K, V&gt;</a:t>
-            </a:r>
-          </a:p>
-        </p:txBody>
-      </p:sp>
-      <p:cxnSp>
-        <p:nvCxnSpPr>
-          <p:cNvPr id="73" name="Straight Arrow Connector 72"/>
-          <p:cNvCxnSpPr>
-            <a:stCxn id="72" idx="0"/>
-            <a:endCxn id="71" idx="2"/>
-          </p:cNvCxnSpPr>
-          <p:nvPr/>
-        </p:nvCxnSpPr>
-        <p:spPr>
-          <a:xfrm flipH="1" flipV="1">
-            <a:off x="7047538" y="3126867"/>
-            <a:ext cx="1" cy="919029"/>
-          </a:xfrm>
-          <a:prstGeom prst="straightConnector1">
-            <a:avLst/>
-          </a:prstGeom>
-          <a:ln w="25400">
-            <a:solidFill>
-              <a:schemeClr val="tx1"/>
-            </a:solidFill>
-            <a:headEnd type="none"/>
-            <a:tailEnd type="triangle" w="lg" len="lg"/>
-          </a:ln>
-        </p:spPr>
-        <p:style>
-          <a:lnRef idx="1">
-            <a:schemeClr val="accent1"/>
-          </a:lnRef>
-          <a:fillRef idx="0">
-            <a:schemeClr val="accent1"/>
-          </a:fillRef>
-          <a:effectRef idx="0">
-            <a:schemeClr val="accent1"/>
-          </a:effectRef>
-          <a:fontRef idx="minor">
-            <a:schemeClr val="tx1"/>
-          </a:fontRef>
-        </p:style>
-      </p:cxnSp>
-    </p:spTree>
-    <p:extLst>
-      <p:ext uri="{BB962C8B-B14F-4D97-AF65-F5344CB8AC3E}">
-        <p14:creationId xmlns:p14="http://schemas.microsoft.com/office/powerpoint/2010/main" val="2612166419"/>
       </p:ext>
     </p:extLst>
   </p:cSld>
@@ -14719,61 +14819,6 @@
 </file>
 
 <file path=customXml/item2.xml><?xml version="1.0" encoding="utf-8"?>
-<p:properties xmlns:p="http://schemas.microsoft.com/office/2006/metadata/properties" xmlns:xsi="http://www.w3.org/2001/XMLSchema-instance" xmlns:pc="http://schemas.microsoft.com/office/infopath/2007/PartnerControls">
-  <documentManagement>
-    <TrackTaxHTField0 xmlns="2295e2e7-0eeb-498e-8716-217bb2ee6ee3">
-      <Terms xmlns="http://schemas.microsoft.com/office/infopath/2007/PartnerControls"/>
-    </TrackTaxHTField0>
-    <CampaignTaxHTField0 xmlns="2295e2e7-0eeb-498e-8716-217bb2ee6ee3">
-      <Terms xmlns="http://schemas.microsoft.com/office/infopath/2007/PartnerControls"/>
-    </CampaignTaxHTField0>
-    <Event_x0020_End_x0020_Date xmlns="2295e2e7-0eeb-498e-8716-217bb2ee6ee3" xsi:nil="true"/>
-    <Event_x0020_Start_x0020_Date xmlns="2295e2e7-0eeb-498e-8716-217bb2ee6ee3" xsi:nil="true"/>
-    <MS_x0020_Speaker xmlns="2295e2e7-0eeb-498e-8716-217bb2ee6ee3">
-      <UserInfo>
-        <DisplayName/>
-        <AccountId xsi:nil="true"/>
-        <AccountType/>
-      </UserInfo>
-    </MS_x0020_Speaker>
-    <External_x0020_Speaker xmlns="2295e2e7-0eeb-498e-8716-217bb2ee6ee3" xsi:nil="true"/>
-    <Session_x0020_Code xmlns="2295e2e7-0eeb-498e-8716-217bb2ee6ee3" xsi:nil="true"/>
-    <ProductTaxHTField0 xmlns="2295e2e7-0eeb-498e-8716-217bb2ee6ee3">
-      <Terms xmlns="http://schemas.microsoft.com/office/infopath/2007/PartnerControls"/>
-    </ProductTaxHTField0>
-    <Presentation_x0020_Date xmlns="2295e2e7-0eeb-498e-8716-217bb2ee6ee3" xsi:nil="true"/>
-    <Event_x0020_LocationTaxHTField0 xmlns="2295e2e7-0eeb-498e-8716-217bb2ee6ee3">
-      <Terms xmlns="http://schemas.microsoft.com/office/infopath/2007/PartnerControls"/>
-    </Event_x0020_LocationTaxHTField0>
-    <Event1TaxHTField0 xmlns="2295e2e7-0eeb-498e-8716-217bb2ee6ee3">
-      <Terms xmlns="http://schemas.microsoft.com/office/infopath/2007/PartnerControls">
-        <TermInfo xmlns="http://schemas.microsoft.com/office/infopath/2007/PartnerControls">
-          <TermName xmlns="http://schemas.microsoft.com/office/infopath/2007/PartnerControls">Unassigned</TermName>
-          <TermId xmlns="http://schemas.microsoft.com/office/infopath/2007/PartnerControls">e51362f4-782c-41a8-bb7b-e0cfc8669933</TermId>
-        </TermInfo>
-      </Terms>
-    </Event1TaxHTField0>
-    <AudienceTaxHTField0 xmlns="8b529f77-48ab-4581-b468-93f09345b8aa">
-      <Terms xmlns="http://schemas.microsoft.com/office/infopath/2007/PartnerControls"/>
-    </AudienceTaxHTField0>
-    <MS_x0020_Content_x0020_Owner xmlns="2295e2e7-0eeb-498e-8716-217bb2ee6ee3">
-      <UserInfo>
-        <DisplayName/>
-        <AccountId xsi:nil="true"/>
-        <AccountType/>
-      </UserInfo>
-    </MS_x0020_Content_x0020_Owner>
-    <TaxCatchAll xmlns="2295e2e7-0eeb-498e-8716-217bb2ee6ee3">
-      <Value>217</Value>
-    </TaxCatchAll>
-    <Event_x0020_VenueTaxHTField0 xmlns="2295e2e7-0eeb-498e-8716-217bb2ee6ee3">
-      <Terms xmlns="http://schemas.microsoft.com/office/infopath/2007/PartnerControls"/>
-    </Event_x0020_VenueTaxHTField0>
-  </documentManagement>
-</p:properties>
-</file>
-
-<file path=customXml/item3.xml><?xml version="1.0" encoding="utf-8"?>
 <ct:contentTypeSchema xmlns:ct="http://schemas.microsoft.com/office/2006/metadata/contentType" xmlns:ma="http://schemas.microsoft.com/office/2006/metadata/properties/metaAttributes" ct:_="" ma:_="" ma:contentTypeName="PresentationsDoc" ma:contentTypeID="0x010100B88FC3ECA26D1C46B3C4C83281D2EB9C003BBE479AF4108146A616B6B5E7069DBC" ma:contentTypeVersion="61" ma:contentTypeDescription="" ma:contentTypeScope="" ma:versionID="72533711bacf991a4680f48ae6b725f9">
   <xsd:schema xmlns:xsd="http://www.w3.org/2001/XMLSchema" xmlns:xs="http://www.w3.org/2001/XMLSchema" xmlns:p="http://schemas.microsoft.com/office/2006/metadata/properties" xmlns:ns2="2295e2e7-0eeb-498e-8716-217bb2ee6ee3" xmlns:ns3="8b529f77-48ab-4581-b468-93f09345b8aa" targetNamespace="http://schemas.microsoft.com/office/2006/metadata/properties" ma:root="true" ma:fieldsID="dde17010d50e6e632f300eac8dfd378e" ns2:_="" ns3:_="">
     <xsd:import namespace="2295e2e7-0eeb-498e-8716-217bb2ee6ee3"/>
@@ -15052,6 +15097,61 @@
 </ct:contentTypeSchema>
 </file>
 
+<file path=customXml/item3.xml><?xml version="1.0" encoding="utf-8"?>
+<p:properties xmlns:p="http://schemas.microsoft.com/office/2006/metadata/properties" xmlns:xsi="http://www.w3.org/2001/XMLSchema-instance" xmlns:pc="http://schemas.microsoft.com/office/infopath/2007/PartnerControls">
+  <documentManagement>
+    <TrackTaxHTField0 xmlns="2295e2e7-0eeb-498e-8716-217bb2ee6ee3">
+      <Terms xmlns="http://schemas.microsoft.com/office/infopath/2007/PartnerControls"/>
+    </TrackTaxHTField0>
+    <CampaignTaxHTField0 xmlns="2295e2e7-0eeb-498e-8716-217bb2ee6ee3">
+      <Terms xmlns="http://schemas.microsoft.com/office/infopath/2007/PartnerControls"/>
+    </CampaignTaxHTField0>
+    <Event_x0020_End_x0020_Date xmlns="2295e2e7-0eeb-498e-8716-217bb2ee6ee3" xsi:nil="true"/>
+    <Event_x0020_Start_x0020_Date xmlns="2295e2e7-0eeb-498e-8716-217bb2ee6ee3" xsi:nil="true"/>
+    <MS_x0020_Speaker xmlns="2295e2e7-0eeb-498e-8716-217bb2ee6ee3">
+      <UserInfo>
+        <DisplayName/>
+        <AccountId xsi:nil="true"/>
+        <AccountType/>
+      </UserInfo>
+    </MS_x0020_Speaker>
+    <External_x0020_Speaker xmlns="2295e2e7-0eeb-498e-8716-217bb2ee6ee3" xsi:nil="true"/>
+    <Session_x0020_Code xmlns="2295e2e7-0eeb-498e-8716-217bb2ee6ee3" xsi:nil="true"/>
+    <ProductTaxHTField0 xmlns="2295e2e7-0eeb-498e-8716-217bb2ee6ee3">
+      <Terms xmlns="http://schemas.microsoft.com/office/infopath/2007/PartnerControls"/>
+    </ProductTaxHTField0>
+    <Presentation_x0020_Date xmlns="2295e2e7-0eeb-498e-8716-217bb2ee6ee3" xsi:nil="true"/>
+    <Event_x0020_LocationTaxHTField0 xmlns="2295e2e7-0eeb-498e-8716-217bb2ee6ee3">
+      <Terms xmlns="http://schemas.microsoft.com/office/infopath/2007/PartnerControls"/>
+    </Event_x0020_LocationTaxHTField0>
+    <Event1TaxHTField0 xmlns="2295e2e7-0eeb-498e-8716-217bb2ee6ee3">
+      <Terms xmlns="http://schemas.microsoft.com/office/infopath/2007/PartnerControls">
+        <TermInfo xmlns="http://schemas.microsoft.com/office/infopath/2007/PartnerControls">
+          <TermName xmlns="http://schemas.microsoft.com/office/infopath/2007/PartnerControls">Unassigned</TermName>
+          <TermId xmlns="http://schemas.microsoft.com/office/infopath/2007/PartnerControls">e51362f4-782c-41a8-bb7b-e0cfc8669933</TermId>
+        </TermInfo>
+      </Terms>
+    </Event1TaxHTField0>
+    <AudienceTaxHTField0 xmlns="8b529f77-48ab-4581-b468-93f09345b8aa">
+      <Terms xmlns="http://schemas.microsoft.com/office/infopath/2007/PartnerControls"/>
+    </AudienceTaxHTField0>
+    <MS_x0020_Content_x0020_Owner xmlns="2295e2e7-0eeb-498e-8716-217bb2ee6ee3">
+      <UserInfo>
+        <DisplayName/>
+        <AccountId xsi:nil="true"/>
+        <AccountType/>
+      </UserInfo>
+    </MS_x0020_Content_x0020_Owner>
+    <TaxCatchAll xmlns="2295e2e7-0eeb-498e-8716-217bb2ee6ee3">
+      <Value>217</Value>
+    </TaxCatchAll>
+    <Event_x0020_VenueTaxHTField0 xmlns="2295e2e7-0eeb-498e-8716-217bb2ee6ee3">
+      <Terms xmlns="http://schemas.microsoft.com/office/infopath/2007/PartnerControls"/>
+    </Event_x0020_VenueTaxHTField0>
+  </documentManagement>
+</p:properties>
+</file>
+
 <file path=customXml/itemProps1.xml><?xml version="1.0" encoding="utf-8"?>
 <ds:datastoreItem xmlns:ds="http://schemas.openxmlformats.org/officeDocument/2006/customXml" ds:itemID="{758FDAC0-319D-4A54-8D8E-1D42CB1F8004}">
   <ds:schemaRefs>
@@ -15061,23 +15161,6 @@
 </file>
 
 <file path=customXml/itemProps2.xml><?xml version="1.0" encoding="utf-8"?>
-<ds:datastoreItem xmlns:ds="http://schemas.openxmlformats.org/officeDocument/2006/customXml" ds:itemID="{F990F116-B58F-4255-B05B-DA3808E0E5C6}">
-  <ds:schemaRefs>
-    <ds:schemaRef ds:uri="http://schemas.microsoft.com/office/2006/documentManagement/types"/>
-    <ds:schemaRef ds:uri="http://purl.org/dc/dcmitype/"/>
-    <ds:schemaRef ds:uri="http://schemas.openxmlformats.org/package/2006/metadata/core-properties"/>
-    <ds:schemaRef ds:uri="http://purl.org/dc/elements/1.1/"/>
-    <ds:schemaRef ds:uri="http://schemas.microsoft.com/office/2006/metadata/properties"/>
-    <ds:schemaRef ds:uri="http://schemas.microsoft.com/office/infopath/2007/PartnerControls"/>
-    <ds:schemaRef ds:uri="8b529f77-48ab-4581-b468-93f09345b8aa"/>
-    <ds:schemaRef ds:uri="2295e2e7-0eeb-498e-8716-217bb2ee6ee3"/>
-    <ds:schemaRef ds:uri="http://www.w3.org/XML/1998/namespace"/>
-    <ds:schemaRef ds:uri="http://purl.org/dc/terms/"/>
-  </ds:schemaRefs>
-</ds:datastoreItem>
-</file>
-
-<file path=customXml/itemProps3.xml><?xml version="1.0" encoding="utf-8"?>
 <ds:datastoreItem xmlns:ds="http://schemas.openxmlformats.org/officeDocument/2006/customXml" ds:itemID="{A4A71FB1-3FB8-468F-9C64-2246CB74C7D9}">
   <ds:schemaRefs>
     <ds:schemaRef ds:uri="http://schemas.microsoft.com/office/2006/metadata/contentType"/>
@@ -15094,4 +15177,21 @@
     <ds:schemaRef ds:uri="http://schemas.microsoft.com/internal/obd"/>
   </ds:schemaRefs>
 </ds:datastoreItem>
+</file>
+
+<file path=customXml/itemProps3.xml><?xml version="1.0" encoding="utf-8"?>
+<ds:datastoreItem xmlns:ds="http://schemas.openxmlformats.org/officeDocument/2006/customXml" ds:itemID="{F990F116-B58F-4255-B05B-DA3808E0E5C6}">
+  <ds:schemaRefs>
+    <ds:schemaRef ds:uri="http://schemas.microsoft.com/office/2006/documentManagement/types"/>
+    <ds:schemaRef ds:uri="http://purl.org/dc/dcmitype/"/>
+    <ds:schemaRef ds:uri="http://schemas.openxmlformats.org/package/2006/metadata/core-properties"/>
+    <ds:schemaRef ds:uri="http://purl.org/dc/elements/1.1/"/>
+    <ds:schemaRef ds:uri="http://schemas.microsoft.com/office/2006/metadata/properties"/>
+    <ds:schemaRef ds:uri="http://schemas.microsoft.com/office/infopath/2007/PartnerControls"/>
+    <ds:schemaRef ds:uri="8b529f77-48ab-4581-b468-93f09345b8aa"/>
+    <ds:schemaRef ds:uri="2295e2e7-0eeb-498e-8716-217bb2ee6ee3"/>
+    <ds:schemaRef ds:uri="http://www.w3.org/XML/1998/namespace"/>
+    <ds:schemaRef ds:uri="http://purl.org/dc/terms/"/>
+  </ds:schemaRefs>
+</ds:datastoreItem>
 </file>